--- a/공통pjt/로고디자인.pptx
+++ b/공통pjt/로고디자인.pptx
@@ -6,28 +6,30 @@
   </p:sldMasterIdLst>
   <p:sldIdLst>
     <p:sldId id="256" r:id="rId2"/>
-    <p:sldId id="284" r:id="rId3"/>
-    <p:sldId id="285" r:id="rId4"/>
-    <p:sldId id="286" r:id="rId5"/>
-    <p:sldId id="257" r:id="rId6"/>
-    <p:sldId id="259" r:id="rId7"/>
-    <p:sldId id="260" r:id="rId8"/>
-    <p:sldId id="276" r:id="rId9"/>
-    <p:sldId id="271" r:id="rId10"/>
-    <p:sldId id="282" r:id="rId11"/>
-    <p:sldId id="283" r:id="rId12"/>
-    <p:sldId id="277" r:id="rId13"/>
-    <p:sldId id="278" r:id="rId14"/>
-    <p:sldId id="281" r:id="rId15"/>
-    <p:sldId id="280" r:id="rId16"/>
-    <p:sldId id="279" r:id="rId17"/>
-    <p:sldId id="274" r:id="rId18"/>
-    <p:sldId id="275" r:id="rId19"/>
-    <p:sldId id="272" r:id="rId20"/>
-    <p:sldId id="273" r:id="rId21"/>
-    <p:sldId id="269" r:id="rId22"/>
-    <p:sldId id="270" r:id="rId23"/>
-    <p:sldId id="262" r:id="rId24"/>
+    <p:sldId id="287" r:id="rId3"/>
+    <p:sldId id="288" r:id="rId4"/>
+    <p:sldId id="284" r:id="rId5"/>
+    <p:sldId id="285" r:id="rId6"/>
+    <p:sldId id="286" r:id="rId7"/>
+    <p:sldId id="257" r:id="rId8"/>
+    <p:sldId id="259" r:id="rId9"/>
+    <p:sldId id="260" r:id="rId10"/>
+    <p:sldId id="276" r:id="rId11"/>
+    <p:sldId id="271" r:id="rId12"/>
+    <p:sldId id="282" r:id="rId13"/>
+    <p:sldId id="283" r:id="rId14"/>
+    <p:sldId id="277" r:id="rId15"/>
+    <p:sldId id="278" r:id="rId16"/>
+    <p:sldId id="281" r:id="rId17"/>
+    <p:sldId id="280" r:id="rId18"/>
+    <p:sldId id="279" r:id="rId19"/>
+    <p:sldId id="274" r:id="rId20"/>
+    <p:sldId id="275" r:id="rId21"/>
+    <p:sldId id="272" r:id="rId22"/>
+    <p:sldId id="273" r:id="rId23"/>
+    <p:sldId id="269" r:id="rId24"/>
+    <p:sldId id="270" r:id="rId25"/>
+    <p:sldId id="262" r:id="rId26"/>
   </p:sldIdLst>
   <p:sldSz cx="12192000" cy="6858000"/>
   <p:notesSz cx="6858000" cy="9144000"/>
@@ -265,7 +267,7 @@
           <a:p>
             <a:fld id="{5B37FFA5-62A0-45EC-99FA-B875B259B12B}" type="datetimeFigureOut">
               <a:rPr lang="ko-KR" altLang="en-US" smtClean="0"/>
-              <a:t>2021-07-27</a:t>
+              <a:t>2021-07-28</a:t>
             </a:fld>
             <a:endParaRPr lang="ko-KR" altLang="en-US"/>
           </a:p>
@@ -435,7 +437,7 @@
           <a:p>
             <a:fld id="{5B37FFA5-62A0-45EC-99FA-B875B259B12B}" type="datetimeFigureOut">
               <a:rPr lang="ko-KR" altLang="en-US" smtClean="0"/>
-              <a:t>2021-07-27</a:t>
+              <a:t>2021-07-28</a:t>
             </a:fld>
             <a:endParaRPr lang="ko-KR" altLang="en-US"/>
           </a:p>
@@ -615,7 +617,7 @@
           <a:p>
             <a:fld id="{5B37FFA5-62A0-45EC-99FA-B875B259B12B}" type="datetimeFigureOut">
               <a:rPr lang="ko-KR" altLang="en-US" smtClean="0"/>
-              <a:t>2021-07-27</a:t>
+              <a:t>2021-07-28</a:t>
             </a:fld>
             <a:endParaRPr lang="ko-KR" altLang="en-US"/>
           </a:p>
@@ -785,7 +787,7 @@
           <a:p>
             <a:fld id="{5B37FFA5-62A0-45EC-99FA-B875B259B12B}" type="datetimeFigureOut">
               <a:rPr lang="ko-KR" altLang="en-US" smtClean="0"/>
-              <a:t>2021-07-27</a:t>
+              <a:t>2021-07-28</a:t>
             </a:fld>
             <a:endParaRPr lang="ko-KR" altLang="en-US"/>
           </a:p>
@@ -1031,7 +1033,7 @@
           <a:p>
             <a:fld id="{5B37FFA5-62A0-45EC-99FA-B875B259B12B}" type="datetimeFigureOut">
               <a:rPr lang="ko-KR" altLang="en-US" smtClean="0"/>
-              <a:t>2021-07-27</a:t>
+              <a:t>2021-07-28</a:t>
             </a:fld>
             <a:endParaRPr lang="ko-KR" altLang="en-US"/>
           </a:p>
@@ -1263,7 +1265,7 @@
           <a:p>
             <a:fld id="{5B37FFA5-62A0-45EC-99FA-B875B259B12B}" type="datetimeFigureOut">
               <a:rPr lang="ko-KR" altLang="en-US" smtClean="0"/>
-              <a:t>2021-07-27</a:t>
+              <a:t>2021-07-28</a:t>
             </a:fld>
             <a:endParaRPr lang="ko-KR" altLang="en-US"/>
           </a:p>
@@ -1630,7 +1632,7 @@
           <a:p>
             <a:fld id="{5B37FFA5-62A0-45EC-99FA-B875B259B12B}" type="datetimeFigureOut">
               <a:rPr lang="ko-KR" altLang="en-US" smtClean="0"/>
-              <a:t>2021-07-27</a:t>
+              <a:t>2021-07-28</a:t>
             </a:fld>
             <a:endParaRPr lang="ko-KR" altLang="en-US"/>
           </a:p>
@@ -1748,7 +1750,7 @@
           <a:p>
             <a:fld id="{5B37FFA5-62A0-45EC-99FA-B875B259B12B}" type="datetimeFigureOut">
               <a:rPr lang="ko-KR" altLang="en-US" smtClean="0"/>
-              <a:t>2021-07-27</a:t>
+              <a:t>2021-07-28</a:t>
             </a:fld>
             <a:endParaRPr lang="ko-KR" altLang="en-US"/>
           </a:p>
@@ -1843,7 +1845,7 @@
           <a:p>
             <a:fld id="{5B37FFA5-62A0-45EC-99FA-B875B259B12B}" type="datetimeFigureOut">
               <a:rPr lang="ko-KR" altLang="en-US" smtClean="0"/>
-              <a:t>2021-07-27</a:t>
+              <a:t>2021-07-28</a:t>
             </a:fld>
             <a:endParaRPr lang="ko-KR" altLang="en-US"/>
           </a:p>
@@ -2120,7 +2122,7 @@
           <a:p>
             <a:fld id="{5B37FFA5-62A0-45EC-99FA-B875B259B12B}" type="datetimeFigureOut">
               <a:rPr lang="ko-KR" altLang="en-US" smtClean="0"/>
-              <a:t>2021-07-27</a:t>
+              <a:t>2021-07-28</a:t>
             </a:fld>
             <a:endParaRPr lang="ko-KR" altLang="en-US"/>
           </a:p>
@@ -2373,7 +2375,7 @@
           <a:p>
             <a:fld id="{5B37FFA5-62A0-45EC-99FA-B875B259B12B}" type="datetimeFigureOut">
               <a:rPr lang="ko-KR" altLang="en-US" smtClean="0"/>
-              <a:t>2021-07-27</a:t>
+              <a:t>2021-07-28</a:t>
             </a:fld>
             <a:endParaRPr lang="ko-KR" altLang="en-US"/>
           </a:p>
@@ -2586,7 +2588,7 @@
           <a:p>
             <a:fld id="{5B37FFA5-62A0-45EC-99FA-B875B259B12B}" type="datetimeFigureOut">
               <a:rPr lang="ko-KR" altLang="en-US" smtClean="0"/>
-              <a:t>2021-07-27</a:t>
+              <a:t>2021-07-28</a:t>
             </a:fld>
             <a:endParaRPr lang="ko-KR" altLang="en-US"/>
           </a:p>
@@ -3747,6 +3749,950 @@
 </file>
 
 <file path=ppt/slides/slide10.xml><?xml version="1.0" encoding="utf-8"?>
+<p:sld xmlns:a="http://schemas.openxmlformats.org/drawingml/2006/main" xmlns:r="http://schemas.openxmlformats.org/officeDocument/2006/relationships" xmlns:p="http://schemas.openxmlformats.org/presentationml/2006/main">
+  <p:cSld>
+    <p:spTree>
+      <p:nvGrpSpPr>
+        <p:cNvPr id="1" name=""/>
+        <p:cNvGrpSpPr/>
+        <p:nvPr/>
+      </p:nvGrpSpPr>
+      <p:grpSpPr>
+        <a:xfrm>
+          <a:off x="0" y="0"/>
+          <a:ext cx="0" cy="0"/>
+          <a:chOff x="0" y="0"/>
+          <a:chExt cx="0" cy="0"/>
+        </a:xfrm>
+      </p:grpSpPr>
+      <p:sp>
+        <p:nvSpPr>
+          <p:cNvPr id="5" name="직사각형 4"/>
+          <p:cNvSpPr/>
+          <p:nvPr/>
+        </p:nvSpPr>
+        <p:spPr>
+          <a:xfrm>
+            <a:off x="0" y="0"/>
+            <a:ext cx="12192000" cy="6858000"/>
+          </a:xfrm>
+          <a:prstGeom prst="rect">
+            <a:avLst/>
+          </a:prstGeom>
+          <a:solidFill>
+            <a:schemeClr val="tx1"/>
+          </a:solidFill>
+        </p:spPr>
+        <p:style>
+          <a:lnRef idx="2">
+            <a:schemeClr val="accent1">
+              <a:shade val="50000"/>
+            </a:schemeClr>
+          </a:lnRef>
+          <a:fillRef idx="1">
+            <a:schemeClr val="accent1"/>
+          </a:fillRef>
+          <a:effectRef idx="0">
+            <a:schemeClr val="accent1"/>
+          </a:effectRef>
+          <a:fontRef idx="minor">
+            <a:schemeClr val="lt1"/>
+          </a:fontRef>
+        </p:style>
+        <p:txBody>
+          <a:bodyPr rtlCol="0" anchor="ctr"/>
+          <a:lstStyle/>
+          <a:p>
+            <a:pPr algn="ctr"/>
+            <a:endParaRPr lang="ko-KR" altLang="en-US"/>
+          </a:p>
+        </p:txBody>
+      </p:sp>
+      <p:grpSp>
+        <p:nvGrpSpPr>
+          <p:cNvPr id="34" name="그룹 33"/>
+          <p:cNvGrpSpPr/>
+          <p:nvPr/>
+        </p:nvGrpSpPr>
+        <p:grpSpPr>
+          <a:xfrm>
+            <a:off x="3192220" y="832651"/>
+            <a:ext cx="2738626" cy="2738626"/>
+            <a:chOff x="7404449" y="394352"/>
+            <a:chExt cx="2738626" cy="2738626"/>
+          </a:xfrm>
+        </p:grpSpPr>
+        <p:sp>
+          <p:nvSpPr>
+            <p:cNvPr id="23" name="타원 22"/>
+            <p:cNvSpPr/>
+            <p:nvPr/>
+          </p:nvSpPr>
+          <p:spPr>
+            <a:xfrm>
+              <a:off x="7404449" y="394352"/>
+              <a:ext cx="2738626" cy="2738626"/>
+            </a:xfrm>
+            <a:prstGeom prst="ellipse">
+              <a:avLst/>
+            </a:prstGeom>
+            <a:noFill/>
+            <a:ln w="47625">
+              <a:gradFill>
+                <a:gsLst>
+                  <a:gs pos="25000">
+                    <a:srgbClr val="F4976C"/>
+                  </a:gs>
+                  <a:gs pos="0">
+                    <a:srgbClr val="FBE8A6"/>
+                  </a:gs>
+                  <a:gs pos="50000">
+                    <a:srgbClr val="303C6C"/>
+                  </a:gs>
+                  <a:gs pos="75000">
+                    <a:srgbClr val="B4DFE5"/>
+                  </a:gs>
+                  <a:gs pos="100000">
+                    <a:srgbClr val="D2FCFD"/>
+                  </a:gs>
+                </a:gsLst>
+                <a:lin ang="5400000" scaled="1"/>
+              </a:gradFill>
+            </a:ln>
+          </p:spPr>
+          <p:style>
+            <a:lnRef idx="2">
+              <a:schemeClr val="accent1">
+                <a:shade val="50000"/>
+              </a:schemeClr>
+            </a:lnRef>
+            <a:fillRef idx="1">
+              <a:schemeClr val="accent1"/>
+            </a:fillRef>
+            <a:effectRef idx="0">
+              <a:schemeClr val="accent1"/>
+            </a:effectRef>
+            <a:fontRef idx="minor">
+              <a:schemeClr val="lt1"/>
+            </a:fontRef>
+          </p:style>
+          <p:txBody>
+            <a:bodyPr rtlCol="0" anchor="ctr"/>
+            <a:lstStyle/>
+            <a:p>
+              <a:pPr algn="ctr"/>
+              <a:endParaRPr lang="ko-KR" altLang="en-US"/>
+            </a:p>
+          </p:txBody>
+        </p:sp>
+        <p:sp>
+          <p:nvSpPr>
+            <p:cNvPr id="25" name="타원 24"/>
+            <p:cNvSpPr/>
+            <p:nvPr/>
+          </p:nvSpPr>
+          <p:spPr>
+            <a:xfrm>
+              <a:off x="7518489" y="508392"/>
+              <a:ext cx="2510546" cy="2510546"/>
+            </a:xfrm>
+            <a:prstGeom prst="ellipse">
+              <a:avLst/>
+            </a:prstGeom>
+            <a:noFill/>
+            <a:ln w="47625">
+              <a:gradFill>
+                <a:gsLst>
+                  <a:gs pos="25000">
+                    <a:srgbClr val="F4976C"/>
+                  </a:gs>
+                  <a:gs pos="0">
+                    <a:srgbClr val="FBE8A6"/>
+                  </a:gs>
+                  <a:gs pos="50000">
+                    <a:srgbClr val="303C6C"/>
+                  </a:gs>
+                  <a:gs pos="75000">
+                    <a:srgbClr val="B4DFE5"/>
+                  </a:gs>
+                  <a:gs pos="100000">
+                    <a:srgbClr val="D2FCFD"/>
+                  </a:gs>
+                </a:gsLst>
+                <a:lin ang="5400000" scaled="1"/>
+              </a:gradFill>
+            </a:ln>
+          </p:spPr>
+          <p:style>
+            <a:lnRef idx="2">
+              <a:schemeClr val="accent1">
+                <a:shade val="50000"/>
+              </a:schemeClr>
+            </a:lnRef>
+            <a:fillRef idx="1">
+              <a:schemeClr val="accent1"/>
+            </a:fillRef>
+            <a:effectRef idx="0">
+              <a:schemeClr val="accent1"/>
+            </a:effectRef>
+            <a:fontRef idx="minor">
+              <a:schemeClr val="lt1"/>
+            </a:fontRef>
+          </p:style>
+          <p:txBody>
+            <a:bodyPr rtlCol="0" anchor="ctr"/>
+            <a:lstStyle/>
+            <a:p>
+              <a:pPr algn="ctr"/>
+              <a:endParaRPr lang="ko-KR" altLang="en-US"/>
+            </a:p>
+          </p:txBody>
+        </p:sp>
+        <p:sp>
+          <p:nvSpPr>
+            <p:cNvPr id="26" name="타원 25"/>
+            <p:cNvSpPr/>
+            <p:nvPr/>
+          </p:nvSpPr>
+          <p:spPr>
+            <a:xfrm>
+              <a:off x="7518489" y="508392"/>
+              <a:ext cx="2510546" cy="2510546"/>
+            </a:xfrm>
+            <a:prstGeom prst="ellipse">
+              <a:avLst/>
+            </a:prstGeom>
+            <a:noFill/>
+            <a:ln w="47625">
+              <a:gradFill>
+                <a:gsLst>
+                  <a:gs pos="25000">
+                    <a:srgbClr val="F4976C"/>
+                  </a:gs>
+                  <a:gs pos="0">
+                    <a:srgbClr val="FBE8A6"/>
+                  </a:gs>
+                  <a:gs pos="50000">
+                    <a:srgbClr val="303C6C"/>
+                  </a:gs>
+                  <a:gs pos="75000">
+                    <a:srgbClr val="B4DFE5"/>
+                  </a:gs>
+                  <a:gs pos="100000">
+                    <a:srgbClr val="D2FCFD"/>
+                  </a:gs>
+                </a:gsLst>
+                <a:lin ang="5400000" scaled="1"/>
+              </a:gradFill>
+            </a:ln>
+          </p:spPr>
+          <p:style>
+            <a:lnRef idx="2">
+              <a:schemeClr val="accent1">
+                <a:shade val="50000"/>
+              </a:schemeClr>
+            </a:lnRef>
+            <a:fillRef idx="1">
+              <a:schemeClr val="accent1"/>
+            </a:fillRef>
+            <a:effectRef idx="0">
+              <a:schemeClr val="accent1"/>
+            </a:effectRef>
+            <a:fontRef idx="minor">
+              <a:schemeClr val="lt1"/>
+            </a:fontRef>
+          </p:style>
+          <p:txBody>
+            <a:bodyPr rtlCol="0" anchor="ctr"/>
+            <a:lstStyle/>
+            <a:p>
+              <a:pPr algn="ctr"/>
+              <a:endParaRPr lang="ko-KR" altLang="en-US"/>
+            </a:p>
+          </p:txBody>
+        </p:sp>
+        <p:sp>
+          <p:nvSpPr>
+            <p:cNvPr id="27" name="타원 26"/>
+            <p:cNvSpPr/>
+            <p:nvPr/>
+          </p:nvSpPr>
+          <p:spPr>
+            <a:xfrm>
+              <a:off x="7628127" y="618030"/>
+              <a:ext cx="2291269" cy="2291269"/>
+            </a:xfrm>
+            <a:prstGeom prst="ellipse">
+              <a:avLst/>
+            </a:prstGeom>
+            <a:noFill/>
+            <a:ln w="47625">
+              <a:gradFill>
+                <a:gsLst>
+                  <a:gs pos="25000">
+                    <a:srgbClr val="F4976C"/>
+                  </a:gs>
+                  <a:gs pos="0">
+                    <a:srgbClr val="FBE8A6"/>
+                  </a:gs>
+                  <a:gs pos="50000">
+                    <a:srgbClr val="303C6C"/>
+                  </a:gs>
+                  <a:gs pos="75000">
+                    <a:srgbClr val="B4DFE5"/>
+                  </a:gs>
+                  <a:gs pos="100000">
+                    <a:srgbClr val="D2FCFD"/>
+                  </a:gs>
+                </a:gsLst>
+                <a:lin ang="5400000" scaled="1"/>
+              </a:gradFill>
+            </a:ln>
+          </p:spPr>
+          <p:style>
+            <a:lnRef idx="2">
+              <a:schemeClr val="accent1">
+                <a:shade val="50000"/>
+              </a:schemeClr>
+            </a:lnRef>
+            <a:fillRef idx="1">
+              <a:schemeClr val="accent1"/>
+            </a:fillRef>
+            <a:effectRef idx="0">
+              <a:schemeClr val="accent1"/>
+            </a:effectRef>
+            <a:fontRef idx="minor">
+              <a:schemeClr val="lt1"/>
+            </a:fontRef>
+          </p:style>
+          <p:txBody>
+            <a:bodyPr rtlCol="0" anchor="ctr"/>
+            <a:lstStyle/>
+            <a:p>
+              <a:pPr algn="ctr"/>
+              <a:endParaRPr lang="ko-KR" altLang="en-US"/>
+            </a:p>
+          </p:txBody>
+        </p:sp>
+        <p:sp>
+          <p:nvSpPr>
+            <p:cNvPr id="28" name="타원 27"/>
+            <p:cNvSpPr/>
+            <p:nvPr/>
+          </p:nvSpPr>
+          <p:spPr>
+            <a:xfrm>
+              <a:off x="7744511" y="724121"/>
+              <a:ext cx="2058502" cy="2079087"/>
+            </a:xfrm>
+            <a:prstGeom prst="ellipse">
+              <a:avLst/>
+            </a:prstGeom>
+            <a:noFill/>
+            <a:ln w="47625">
+              <a:gradFill>
+                <a:gsLst>
+                  <a:gs pos="25000">
+                    <a:srgbClr val="F4976C"/>
+                  </a:gs>
+                  <a:gs pos="0">
+                    <a:srgbClr val="FBE8A6"/>
+                  </a:gs>
+                  <a:gs pos="50000">
+                    <a:srgbClr val="303C6C"/>
+                  </a:gs>
+                  <a:gs pos="75000">
+                    <a:srgbClr val="B4DFE5"/>
+                  </a:gs>
+                  <a:gs pos="100000">
+                    <a:srgbClr val="D2FCFD"/>
+                  </a:gs>
+                </a:gsLst>
+                <a:lin ang="5400000" scaled="1"/>
+              </a:gradFill>
+            </a:ln>
+          </p:spPr>
+          <p:style>
+            <a:lnRef idx="2">
+              <a:schemeClr val="accent1">
+                <a:shade val="50000"/>
+              </a:schemeClr>
+            </a:lnRef>
+            <a:fillRef idx="1">
+              <a:schemeClr val="accent1"/>
+            </a:fillRef>
+            <a:effectRef idx="0">
+              <a:schemeClr val="accent1"/>
+            </a:effectRef>
+            <a:fontRef idx="minor">
+              <a:schemeClr val="lt1"/>
+            </a:fontRef>
+          </p:style>
+          <p:txBody>
+            <a:bodyPr rtlCol="0" anchor="ctr"/>
+            <a:lstStyle/>
+            <a:p>
+              <a:pPr algn="ctr"/>
+              <a:endParaRPr lang="ko-KR" altLang="en-US"/>
+            </a:p>
+          </p:txBody>
+        </p:sp>
+        <p:sp>
+          <p:nvSpPr>
+            <p:cNvPr id="29" name="타원 28"/>
+            <p:cNvSpPr/>
+            <p:nvPr/>
+          </p:nvSpPr>
+          <p:spPr>
+            <a:xfrm>
+              <a:off x="7860354" y="841122"/>
+              <a:ext cx="1826816" cy="1845084"/>
+            </a:xfrm>
+            <a:prstGeom prst="ellipse">
+              <a:avLst/>
+            </a:prstGeom>
+            <a:noFill/>
+            <a:ln w="47625">
+              <a:gradFill>
+                <a:gsLst>
+                  <a:gs pos="25000">
+                    <a:srgbClr val="F4976C"/>
+                  </a:gs>
+                  <a:gs pos="0">
+                    <a:srgbClr val="FBE8A6"/>
+                  </a:gs>
+                  <a:gs pos="50000">
+                    <a:srgbClr val="303C6C"/>
+                  </a:gs>
+                  <a:gs pos="75000">
+                    <a:srgbClr val="B4DFE5"/>
+                  </a:gs>
+                  <a:gs pos="100000">
+                    <a:srgbClr val="D2FCFD"/>
+                  </a:gs>
+                </a:gsLst>
+                <a:lin ang="5400000" scaled="1"/>
+              </a:gradFill>
+            </a:ln>
+          </p:spPr>
+          <p:style>
+            <a:lnRef idx="2">
+              <a:schemeClr val="accent1">
+                <a:shade val="50000"/>
+              </a:schemeClr>
+            </a:lnRef>
+            <a:fillRef idx="1">
+              <a:schemeClr val="accent1"/>
+            </a:fillRef>
+            <a:effectRef idx="0">
+              <a:schemeClr val="accent1"/>
+            </a:effectRef>
+            <a:fontRef idx="minor">
+              <a:schemeClr val="lt1"/>
+            </a:fontRef>
+          </p:style>
+          <p:txBody>
+            <a:bodyPr rtlCol="0" anchor="ctr"/>
+            <a:lstStyle/>
+            <a:p>
+              <a:pPr algn="ctr"/>
+              <a:endParaRPr lang="ko-KR" altLang="en-US"/>
+            </a:p>
+          </p:txBody>
+        </p:sp>
+        <p:sp>
+          <p:nvSpPr>
+            <p:cNvPr id="30" name="타원 29"/>
+            <p:cNvSpPr/>
+            <p:nvPr/>
+          </p:nvSpPr>
+          <p:spPr>
+            <a:xfrm>
+              <a:off x="7963158" y="944954"/>
+              <a:ext cx="1621208" cy="1637420"/>
+            </a:xfrm>
+            <a:prstGeom prst="ellipse">
+              <a:avLst/>
+            </a:prstGeom>
+            <a:noFill/>
+            <a:ln w="47625">
+              <a:gradFill>
+                <a:gsLst>
+                  <a:gs pos="25000">
+                    <a:srgbClr val="F4976C"/>
+                  </a:gs>
+                  <a:gs pos="0">
+                    <a:srgbClr val="FBE8A6"/>
+                  </a:gs>
+                  <a:gs pos="50000">
+                    <a:srgbClr val="303C6C"/>
+                  </a:gs>
+                  <a:gs pos="75000">
+                    <a:srgbClr val="B4DFE5"/>
+                  </a:gs>
+                  <a:gs pos="100000">
+                    <a:srgbClr val="D2FCFD"/>
+                  </a:gs>
+                </a:gsLst>
+                <a:lin ang="5400000" scaled="1"/>
+              </a:gradFill>
+            </a:ln>
+          </p:spPr>
+          <p:style>
+            <a:lnRef idx="2">
+              <a:schemeClr val="accent1">
+                <a:shade val="50000"/>
+              </a:schemeClr>
+            </a:lnRef>
+            <a:fillRef idx="1">
+              <a:schemeClr val="accent1"/>
+            </a:fillRef>
+            <a:effectRef idx="0">
+              <a:schemeClr val="accent1"/>
+            </a:effectRef>
+            <a:fontRef idx="minor">
+              <a:schemeClr val="lt1"/>
+            </a:fontRef>
+          </p:style>
+          <p:txBody>
+            <a:bodyPr rtlCol="0" anchor="ctr"/>
+            <a:lstStyle/>
+            <a:p>
+              <a:pPr algn="ctr"/>
+              <a:endParaRPr lang="ko-KR" altLang="en-US"/>
+            </a:p>
+          </p:txBody>
+        </p:sp>
+      </p:grpSp>
+      <p:sp>
+        <p:nvSpPr>
+          <p:cNvPr id="14" name="타원 13"/>
+          <p:cNvSpPr/>
+          <p:nvPr/>
+        </p:nvSpPr>
+        <p:spPr>
+          <a:xfrm>
+            <a:off x="9003317" y="255720"/>
+            <a:ext cx="2738626" cy="2738626"/>
+          </a:xfrm>
+          <a:prstGeom prst="ellipse">
+            <a:avLst/>
+          </a:prstGeom>
+          <a:noFill/>
+          <a:ln w="47625">
+            <a:gradFill>
+              <a:gsLst>
+                <a:gs pos="25000">
+                  <a:srgbClr val="84CEEB"/>
+                </a:gs>
+                <a:gs pos="0">
+                  <a:srgbClr val="5580E9"/>
+                </a:gs>
+                <a:gs pos="50000">
+                  <a:srgbClr val="5AB8EC"/>
+                </a:gs>
+                <a:gs pos="75000">
+                  <a:srgbClr val="C1C8E4"/>
+                </a:gs>
+                <a:gs pos="100000">
+                  <a:srgbClr val="8860D0"/>
+                </a:gs>
+              </a:gsLst>
+              <a:lin ang="5400000" scaled="1"/>
+            </a:gradFill>
+          </a:ln>
+        </p:spPr>
+        <p:style>
+          <a:lnRef idx="2">
+            <a:schemeClr val="accent1">
+              <a:shade val="50000"/>
+            </a:schemeClr>
+          </a:lnRef>
+          <a:fillRef idx="1">
+            <a:schemeClr val="accent1"/>
+          </a:fillRef>
+          <a:effectRef idx="0">
+            <a:schemeClr val="accent1"/>
+          </a:effectRef>
+          <a:fontRef idx="minor">
+            <a:schemeClr val="lt1"/>
+          </a:fontRef>
+        </p:style>
+        <p:txBody>
+          <a:bodyPr rtlCol="0" anchor="ctr"/>
+          <a:lstStyle/>
+          <a:p>
+            <a:pPr algn="ctr"/>
+            <a:endParaRPr lang="ko-KR" altLang="en-US"/>
+          </a:p>
+        </p:txBody>
+      </p:sp>
+      <p:pic>
+        <p:nvPicPr>
+          <p:cNvPr id="15" name="그림 14"/>
+          <p:cNvPicPr>
+            <a:picLocks noChangeAspect="1"/>
+          </p:cNvPicPr>
+          <p:nvPr/>
+        </p:nvPicPr>
+        <p:blipFill>
+          <a:blip r:embed="rId2">
+            <a:extLst>
+              <a:ext uri="{BEBA8EAE-BF5A-486C-A8C5-ECC9F3942E4B}">
+                <a14:imgProps xmlns:a14="http://schemas.microsoft.com/office/drawing/2010/main">
+                  <a14:imgLayer r:embed="rId3">
+                    <a14:imgEffect>
+                      <a14:backgroundRemoval t="10000" b="90000" l="10000" r="90000">
+                        <a14:foregroundMark x1="49823" y1="14332" x2="55830" y2="14332"/>
+                        <a14:foregroundMark x1="67491" y1="32899" x2="70671" y2="35831"/>
+                        <a14:foregroundMark x1="77385" y1="43974" x2="79152" y2="46580"/>
+                        <a14:backgroundMark x1="47350" y1="35179" x2="53357" y2="35831"/>
+                      </a14:backgroundRemoval>
+                    </a14:imgEffect>
+                  </a14:imgLayer>
+                </a14:imgProps>
+              </a:ext>
+            </a:extLst>
+          </a:blip>
+          <a:stretch>
+            <a:fillRect/>
+          </a:stretch>
+        </p:blipFill>
+        <p:spPr>
+          <a:xfrm>
+            <a:off x="10267922" y="1608858"/>
+            <a:ext cx="1068360" cy="1158963"/>
+          </a:xfrm>
+          <a:prstGeom prst="rect">
+            <a:avLst/>
+          </a:prstGeom>
+        </p:spPr>
+      </p:pic>
+      <p:grpSp>
+        <p:nvGrpSpPr>
+          <p:cNvPr id="16" name="그룹 15"/>
+          <p:cNvGrpSpPr/>
+          <p:nvPr/>
+        </p:nvGrpSpPr>
+        <p:grpSpPr>
+          <a:xfrm>
+            <a:off x="9143603" y="832651"/>
+            <a:ext cx="2056973" cy="1584763"/>
+            <a:chOff x="5070335" y="2967335"/>
+            <a:chExt cx="2056973" cy="1584763"/>
+          </a:xfrm>
+        </p:grpSpPr>
+        <p:sp>
+          <p:nvSpPr>
+            <p:cNvPr id="17" name="직사각형 16"/>
+            <p:cNvSpPr/>
+            <p:nvPr/>
+          </p:nvSpPr>
+          <p:spPr>
+            <a:xfrm>
+              <a:off x="5070335" y="2967335"/>
+              <a:ext cx="2056973" cy="923330"/>
+            </a:xfrm>
+            <a:prstGeom prst="rect">
+              <a:avLst/>
+            </a:prstGeom>
+            <a:noFill/>
+          </p:spPr>
+          <p:txBody>
+            <a:bodyPr wrap="none" lIns="91440" tIns="45720" rIns="91440" bIns="45720">
+              <a:spAutoFit/>
+            </a:bodyPr>
+            <a:lstStyle/>
+            <a:p>
+              <a:pPr algn="dist"/>
+              <a:r>
+                <a:rPr lang="en-US" altLang="ko-KR" sz="5400" b="0" cap="none" spc="-300" dirty="0" smtClean="0">
+                  <a:ln w="0"/>
+                  <a:solidFill>
+                    <a:schemeClr val="bg1"/>
+                  </a:solidFill>
+                  <a:effectLst>
+                    <a:outerShdw blurRad="38100" dist="19050" dir="2700000" algn="tl" rotWithShape="0">
+                      <a:schemeClr val="dk1">
+                        <a:alpha val="40000"/>
+                      </a:schemeClr>
+                    </a:outerShdw>
+                  </a:effectLst>
+                  <a:latin typeface="Zen Tokyo Zoo" pitchFamily="2" charset="0"/>
+                </a:rPr>
+                <a:t>Routing</a:t>
+              </a:r>
+            </a:p>
+          </p:txBody>
+        </p:sp>
+        <p:sp>
+          <p:nvSpPr>
+            <p:cNvPr id="18" name="직사각형 17"/>
+            <p:cNvSpPr/>
+            <p:nvPr/>
+          </p:nvSpPr>
+          <p:spPr>
+            <a:xfrm>
+              <a:off x="5070335" y="3628768"/>
+              <a:ext cx="1301959" cy="923330"/>
+            </a:xfrm>
+            <a:prstGeom prst="rect">
+              <a:avLst/>
+            </a:prstGeom>
+            <a:noFill/>
+          </p:spPr>
+          <p:txBody>
+            <a:bodyPr wrap="none" lIns="91440" tIns="45720" rIns="91440" bIns="45720">
+              <a:spAutoFit/>
+            </a:bodyPr>
+            <a:lstStyle/>
+            <a:p>
+              <a:pPr algn="dist"/>
+              <a:r>
+                <a:rPr lang="en-US" altLang="ko-KR" sz="5400" b="0" cap="none" spc="-300" dirty="0" smtClean="0">
+                  <a:ln w="0"/>
+                  <a:solidFill>
+                    <a:schemeClr val="bg1"/>
+                  </a:solidFill>
+                  <a:effectLst>
+                    <a:outerShdw blurRad="38100" dist="19050" dir="2700000" algn="tl" rotWithShape="0">
+                      <a:schemeClr val="dk1">
+                        <a:alpha val="40000"/>
+                      </a:schemeClr>
+                    </a:outerShdw>
+                  </a:effectLst>
+                  <a:latin typeface="Zen Tokyo Zoo" pitchFamily="2" charset="0"/>
+                </a:rPr>
+                <a:t>Star</a:t>
+              </a:r>
+            </a:p>
+          </p:txBody>
+        </p:sp>
+      </p:grpSp>
+    </p:spTree>
+    <p:extLst>
+      <p:ext uri="{BB962C8B-B14F-4D97-AF65-F5344CB8AC3E}">
+        <p14:creationId xmlns:p14="http://schemas.microsoft.com/office/powerpoint/2010/main" val="3704777814"/>
+      </p:ext>
+    </p:extLst>
+  </p:cSld>
+  <p:clrMapOvr>
+    <a:masterClrMapping/>
+  </p:clrMapOvr>
+  <p:timing>
+    <p:tnLst>
+      <p:par>
+        <p:cTn id="1" dur="indefinite" restart="never" nodeType="tmRoot"/>
+      </p:par>
+    </p:tnLst>
+  </p:timing>
+</p:sld>
+</file>
+
+<file path=ppt/slides/slide11.xml><?xml version="1.0" encoding="utf-8"?>
+<p:sld xmlns:a="http://schemas.openxmlformats.org/drawingml/2006/main" xmlns:r="http://schemas.openxmlformats.org/officeDocument/2006/relationships" xmlns:p="http://schemas.openxmlformats.org/presentationml/2006/main">
+  <p:cSld>
+    <p:spTree>
+      <p:nvGrpSpPr>
+        <p:cNvPr id="1" name=""/>
+        <p:cNvGrpSpPr/>
+        <p:nvPr/>
+      </p:nvGrpSpPr>
+      <p:grpSpPr>
+        <a:xfrm>
+          <a:off x="0" y="0"/>
+          <a:ext cx="0" cy="0"/>
+          <a:chOff x="0" y="0"/>
+          <a:chExt cx="0" cy="0"/>
+        </a:xfrm>
+      </p:grpSpPr>
+      <p:sp>
+        <p:nvSpPr>
+          <p:cNvPr id="8" name="직사각형 7"/>
+          <p:cNvSpPr/>
+          <p:nvPr/>
+        </p:nvSpPr>
+        <p:spPr>
+          <a:xfrm>
+            <a:off x="0" y="0"/>
+            <a:ext cx="12192000" cy="6858000"/>
+          </a:xfrm>
+          <a:prstGeom prst="rect">
+            <a:avLst/>
+          </a:prstGeom>
+          <a:solidFill>
+            <a:schemeClr val="tx1"/>
+          </a:solidFill>
+        </p:spPr>
+        <p:style>
+          <a:lnRef idx="2">
+            <a:schemeClr val="accent1">
+              <a:shade val="50000"/>
+            </a:schemeClr>
+          </a:lnRef>
+          <a:fillRef idx="1">
+            <a:schemeClr val="accent1"/>
+          </a:fillRef>
+          <a:effectRef idx="0">
+            <a:schemeClr val="accent1"/>
+          </a:effectRef>
+          <a:fontRef idx="minor">
+            <a:schemeClr val="lt1"/>
+          </a:fontRef>
+        </p:style>
+        <p:txBody>
+          <a:bodyPr rtlCol="0" anchor="ctr"/>
+          <a:lstStyle/>
+          <a:p>
+            <a:pPr algn="ctr"/>
+            <a:endParaRPr lang="ko-KR" altLang="en-US"/>
+          </a:p>
+        </p:txBody>
+      </p:sp>
+      <p:sp>
+        <p:nvSpPr>
+          <p:cNvPr id="12" name="타원 11"/>
+          <p:cNvSpPr/>
+          <p:nvPr/>
+        </p:nvSpPr>
+        <p:spPr>
+          <a:xfrm>
+            <a:off x="4726686" y="2059687"/>
+            <a:ext cx="2738626" cy="2738626"/>
+          </a:xfrm>
+          <a:prstGeom prst="ellipse">
+            <a:avLst/>
+          </a:prstGeom>
+          <a:noFill/>
+          <a:ln w="47625">
+            <a:gradFill>
+              <a:gsLst>
+                <a:gs pos="25000">
+                  <a:srgbClr val="F4976C"/>
+                </a:gs>
+                <a:gs pos="0">
+                  <a:srgbClr val="FBE8A6"/>
+                </a:gs>
+                <a:gs pos="50000">
+                  <a:srgbClr val="303C6C"/>
+                </a:gs>
+                <a:gs pos="75000">
+                  <a:srgbClr val="B4DFE5"/>
+                </a:gs>
+                <a:gs pos="100000">
+                  <a:srgbClr val="D2FCFD"/>
+                </a:gs>
+              </a:gsLst>
+              <a:lin ang="5400000" scaled="1"/>
+            </a:gradFill>
+          </a:ln>
+        </p:spPr>
+        <p:style>
+          <a:lnRef idx="2">
+            <a:schemeClr val="accent1">
+              <a:shade val="50000"/>
+            </a:schemeClr>
+          </a:lnRef>
+          <a:fillRef idx="1">
+            <a:schemeClr val="accent1"/>
+          </a:fillRef>
+          <a:effectRef idx="0">
+            <a:schemeClr val="accent1"/>
+          </a:effectRef>
+          <a:fontRef idx="minor">
+            <a:schemeClr val="lt1"/>
+          </a:fontRef>
+        </p:style>
+        <p:txBody>
+          <a:bodyPr rtlCol="0" anchor="ctr"/>
+          <a:lstStyle/>
+          <a:p>
+            <a:pPr algn="ctr"/>
+            <a:endParaRPr lang="ko-KR" altLang="en-US"/>
+          </a:p>
+        </p:txBody>
+      </p:sp>
+      <p:sp>
+        <p:nvSpPr>
+          <p:cNvPr id="11" name="직사각형 10"/>
+          <p:cNvSpPr/>
+          <p:nvPr/>
+        </p:nvSpPr>
+        <p:spPr>
+          <a:xfrm>
+            <a:off x="4148992" y="2715705"/>
+            <a:ext cx="3894015" cy="1200329"/>
+          </a:xfrm>
+          <a:prstGeom prst="rect">
+            <a:avLst/>
+          </a:prstGeom>
+          <a:noFill/>
+        </p:spPr>
+        <p:txBody>
+          <a:bodyPr wrap="none" lIns="91440" tIns="45720" rIns="91440" bIns="45720">
+            <a:spAutoFit/>
+          </a:bodyPr>
+          <a:lstStyle/>
+          <a:p>
+            <a:pPr algn="dist"/>
+            <a:r>
+              <a:rPr lang="en-US" altLang="ko-KR" sz="7200" b="1" spc="-300" dirty="0" smtClean="0">
+                <a:ln w="0"/>
+                <a:solidFill>
+                  <a:schemeClr val="bg1"/>
+                </a:solidFill>
+                <a:effectLst>
+                  <a:outerShdw blurRad="38100" dist="19050" dir="2700000" algn="tl" rotWithShape="0">
+                    <a:schemeClr val="dk1">
+                      <a:alpha val="40000"/>
+                    </a:schemeClr>
+                  </a:outerShdw>
+                </a:effectLst>
+                <a:latin typeface="Zen Tokyo Zoo" pitchFamily="2" charset="0"/>
+              </a:rPr>
+              <a:t>r</a:t>
+            </a:r>
+            <a:r>
+              <a:rPr lang="en-US" altLang="ko-KR" sz="7200" b="1" cap="none" spc="-300" dirty="0" smtClean="0">
+                <a:ln w="0"/>
+                <a:solidFill>
+                  <a:schemeClr val="bg1"/>
+                </a:solidFill>
+                <a:effectLst>
+                  <a:outerShdw blurRad="38100" dist="19050" dir="2700000" algn="tl" rotWithShape="0">
+                    <a:schemeClr val="dk1">
+                      <a:alpha val="40000"/>
+                    </a:schemeClr>
+                  </a:outerShdw>
+                </a:effectLst>
+                <a:latin typeface="Zen Tokyo Zoo" pitchFamily="2" charset="0"/>
+              </a:rPr>
+              <a:t>outing star</a:t>
+            </a:r>
+          </a:p>
+        </p:txBody>
+      </p:sp>
+    </p:spTree>
+    <p:extLst>
+      <p:ext uri="{BB962C8B-B14F-4D97-AF65-F5344CB8AC3E}">
+        <p14:creationId xmlns:p14="http://schemas.microsoft.com/office/powerpoint/2010/main" val="3394400699"/>
+      </p:ext>
+    </p:extLst>
+  </p:cSld>
+  <p:clrMapOvr>
+    <a:masterClrMapping/>
+  </p:clrMapOvr>
+  <p:timing>
+    <p:tnLst>
+      <p:par>
+        <p:cTn id="1" dur="indefinite" restart="never" nodeType="tmRoot"/>
+      </p:par>
+    </p:tnLst>
+  </p:timing>
+</p:sld>
+</file>
+
+<file path=ppt/slides/slide12.xml><?xml version="1.0" encoding="utf-8"?>
 <p:sld xmlns:a="http://schemas.openxmlformats.org/drawingml/2006/main" xmlns:r="http://schemas.openxmlformats.org/officeDocument/2006/relationships" xmlns:p="http://schemas.openxmlformats.org/presentationml/2006/main">
   <p:cSld>
     <p:spTree>
@@ -4661,7 +5607,7 @@
 </p:sld>
 </file>
 
-<file path=ppt/slides/slide11.xml><?xml version="1.0" encoding="utf-8"?>
+<file path=ppt/slides/slide13.xml><?xml version="1.0" encoding="utf-8"?>
 <p:sld xmlns:a="http://schemas.openxmlformats.org/drawingml/2006/main" xmlns:r="http://schemas.openxmlformats.org/officeDocument/2006/relationships" xmlns:p="http://schemas.openxmlformats.org/presentationml/2006/main">
   <p:cSld>
     <p:spTree>
@@ -5878,7 +6824,7 @@
 </p:sld>
 </file>
 
-<file path=ppt/slides/slide12.xml><?xml version="1.0" encoding="utf-8"?>
+<file path=ppt/slides/slide14.xml><?xml version="1.0" encoding="utf-8"?>
 <p:sld xmlns:a="http://schemas.openxmlformats.org/drawingml/2006/main" xmlns:r="http://schemas.openxmlformats.org/officeDocument/2006/relationships" xmlns:p="http://schemas.openxmlformats.org/presentationml/2006/main">
   <p:cSld>
     <p:spTree>
@@ -6122,7 +7068,7 @@
 </p:sld>
 </file>
 
-<file path=ppt/slides/slide13.xml><?xml version="1.0" encoding="utf-8"?>
+<file path=ppt/slides/slide15.xml><?xml version="1.0" encoding="utf-8"?>
 <p:sld xmlns:a="http://schemas.openxmlformats.org/drawingml/2006/main" xmlns:r="http://schemas.openxmlformats.org/officeDocument/2006/relationships" xmlns:p="http://schemas.openxmlformats.org/presentationml/2006/main">
   <p:cSld>
     <p:spTree>
@@ -6375,7 +7321,7 @@
 </p:sld>
 </file>
 
-<file path=ppt/slides/slide14.xml><?xml version="1.0" encoding="utf-8"?>
+<file path=ppt/slides/slide16.xml><?xml version="1.0" encoding="utf-8"?>
 <p:sld xmlns:a="http://schemas.openxmlformats.org/drawingml/2006/main" xmlns:r="http://schemas.openxmlformats.org/officeDocument/2006/relationships" xmlns:p="http://schemas.openxmlformats.org/presentationml/2006/main">
   <p:cSld>
     <p:spTree>
@@ -6627,7 +7573,7 @@
 </p:sld>
 </file>
 
-<file path=ppt/slides/slide15.xml><?xml version="1.0" encoding="utf-8"?>
+<file path=ppt/slides/slide17.xml><?xml version="1.0" encoding="utf-8"?>
 <p:sld xmlns:a="http://schemas.openxmlformats.org/drawingml/2006/main" xmlns:r="http://schemas.openxmlformats.org/officeDocument/2006/relationships" xmlns:p="http://schemas.openxmlformats.org/presentationml/2006/main">
   <p:cSld>
     <p:spTree>
@@ -7147,7 +8093,7 @@
 </p:sld>
 </file>
 
-<file path=ppt/slides/slide16.xml><?xml version="1.0" encoding="utf-8"?>
+<file path=ppt/slides/slide18.xml><?xml version="1.0" encoding="utf-8"?>
 <p:sld xmlns:a="http://schemas.openxmlformats.org/drawingml/2006/main" xmlns:r="http://schemas.openxmlformats.org/officeDocument/2006/relationships" xmlns:p="http://schemas.openxmlformats.org/presentationml/2006/main">
   <p:cSld>
     <p:spTree>
@@ -7660,7 +8606,7 @@
 </p:sld>
 </file>
 
-<file path=ppt/slides/slide17.xml><?xml version="1.0" encoding="utf-8"?>
+<file path=ppt/slides/slide19.xml><?xml version="1.0" encoding="utf-8"?>
 <p:sld xmlns:a="http://schemas.openxmlformats.org/drawingml/2006/main" xmlns:r="http://schemas.openxmlformats.org/officeDocument/2006/relationships" xmlns:p="http://schemas.openxmlformats.org/presentationml/2006/main">
   <p:cSld>
     <p:spTree>
@@ -7904,7 +8850,200 @@
 </p:sld>
 </file>
 
-<file path=ppt/slides/slide18.xml><?xml version="1.0" encoding="utf-8"?>
+<file path=ppt/slides/slide2.xml><?xml version="1.0" encoding="utf-8"?>
+<p:sld xmlns:a="http://schemas.openxmlformats.org/drawingml/2006/main" xmlns:r="http://schemas.openxmlformats.org/officeDocument/2006/relationships" xmlns:p="http://schemas.openxmlformats.org/presentationml/2006/main">
+  <p:cSld>
+    <p:spTree>
+      <p:nvGrpSpPr>
+        <p:cNvPr id="1" name=""/>
+        <p:cNvGrpSpPr/>
+        <p:nvPr/>
+      </p:nvGrpSpPr>
+      <p:grpSpPr>
+        <a:xfrm>
+          <a:off x="0" y="0"/>
+          <a:ext cx="0" cy="0"/>
+          <a:chOff x="0" y="0"/>
+          <a:chExt cx="0" cy="0"/>
+        </a:xfrm>
+      </p:grpSpPr>
+      <p:pic>
+        <p:nvPicPr>
+          <p:cNvPr id="1026" name="Picture 2" descr="map-point - google map marker gif PNG image with transparent background |  TOPpng"/>
+          <p:cNvPicPr>
+            <a:picLocks noChangeAspect="1" noChangeArrowheads="1"/>
+          </p:cNvPicPr>
+          <p:nvPr/>
+        </p:nvPicPr>
+        <p:blipFill>
+          <a:blip r:embed="rId2">
+            <a:extLst>
+              <a:ext uri="{BEBA8EAE-BF5A-486C-A8C5-ECC9F3942E4B}">
+                <a14:imgProps xmlns:a14="http://schemas.microsoft.com/office/drawing/2010/main">
+                  <a14:imgLayer r:embed="rId3">
+                    <a14:imgEffect>
+                      <a14:backgroundRemoval t="0" b="100000" l="10000" r="87857"/>
+                    </a14:imgEffect>
+                  </a14:imgLayer>
+                </a14:imgProps>
+              </a:ext>
+              <a:ext uri="{28A0092B-C50C-407E-A947-70E740481C1C}">
+                <a14:useLocalDpi xmlns:a14="http://schemas.microsoft.com/office/drawing/2010/main" val="0"/>
+              </a:ext>
+            </a:extLst>
+          </a:blip>
+          <a:srcRect/>
+          <a:stretch>
+            <a:fillRect/>
+          </a:stretch>
+        </p:blipFill>
+        <p:spPr bwMode="auto">
+          <a:xfrm>
+            <a:off x="2771775" y="573235"/>
+            <a:ext cx="4695825" cy="4802040"/>
+          </a:xfrm>
+          <a:prstGeom prst="rect">
+            <a:avLst/>
+          </a:prstGeom>
+          <a:noFill/>
+          <a:extLst>
+            <a:ext uri="{909E8E84-426E-40DD-AFC4-6F175D3DCCD1}">
+              <a14:hiddenFill xmlns:a14="http://schemas.microsoft.com/office/drawing/2010/main">
+                <a:solidFill>
+                  <a:srgbClr val="FFFFFF"/>
+                </a:solidFill>
+              </a14:hiddenFill>
+            </a:ext>
+          </a:extLst>
+        </p:spPr>
+      </p:pic>
+      <p:pic>
+        <p:nvPicPr>
+          <p:cNvPr id="4" name="그림 3"/>
+          <p:cNvPicPr>
+            <a:picLocks noChangeAspect="1"/>
+          </p:cNvPicPr>
+          <p:nvPr/>
+        </p:nvPicPr>
+        <p:blipFill>
+          <a:blip r:embed="rId4">
+            <a:duotone>
+              <a:prstClr val="black"/>
+              <a:srgbClr val="FF0000">
+                <a:tint val="45000"/>
+                <a:satMod val="400000"/>
+              </a:srgbClr>
+            </a:duotone>
+            <a:extLst>
+              <a:ext uri="{BEBA8EAE-BF5A-486C-A8C5-ECC9F3942E4B}">
+                <a14:imgProps xmlns:a14="http://schemas.microsoft.com/office/drawing/2010/main">
+                  <a14:imgLayer r:embed="rId5">
+                    <a14:imgEffect>
+                      <a14:saturation sat="0"/>
+                    </a14:imgEffect>
+                  </a14:imgLayer>
+                </a14:imgProps>
+              </a:ext>
+              <a:ext uri="{28A0092B-C50C-407E-A947-70E740481C1C}">
+                <a14:useLocalDpi xmlns:a14="http://schemas.microsoft.com/office/drawing/2010/main" val="0"/>
+              </a:ext>
+            </a:extLst>
+          </a:blip>
+          <a:stretch>
+            <a:fillRect/>
+          </a:stretch>
+        </p:blipFill>
+        <p:spPr>
+          <a:xfrm>
+            <a:off x="6420894" y="1422174"/>
+            <a:ext cx="5202371" cy="5202371"/>
+          </a:xfrm>
+          <a:prstGeom prst="rect">
+            <a:avLst/>
+          </a:prstGeom>
+        </p:spPr>
+      </p:pic>
+      <p:pic>
+        <p:nvPicPr>
+          <p:cNvPr id="5" name="그림 4"/>
+          <p:cNvPicPr>
+            <a:picLocks noChangeAspect="1"/>
+          </p:cNvPicPr>
+          <p:nvPr/>
+        </p:nvPicPr>
+        <p:blipFill>
+          <a:blip r:embed="rId6">
+            <a:extLst>
+              <a:ext uri="{28A0092B-C50C-407E-A947-70E740481C1C}">
+                <a14:useLocalDpi xmlns:a14="http://schemas.microsoft.com/office/drawing/2010/main" val="0"/>
+              </a:ext>
+            </a:extLst>
+          </a:blip>
+          <a:stretch>
+            <a:fillRect/>
+          </a:stretch>
+        </p:blipFill>
+        <p:spPr>
+          <a:xfrm>
+            <a:off x="416334" y="797539"/>
+            <a:ext cx="5202371" cy="5202371"/>
+          </a:xfrm>
+          <a:prstGeom prst="rect">
+            <a:avLst/>
+          </a:prstGeom>
+        </p:spPr>
+      </p:pic>
+      <p:pic>
+        <p:nvPicPr>
+          <p:cNvPr id="6" name="그림 5"/>
+          <p:cNvPicPr>
+            <a:picLocks noChangeAspect="1"/>
+          </p:cNvPicPr>
+          <p:nvPr/>
+        </p:nvPicPr>
+        <p:blipFill>
+          <a:blip r:embed="rId7">
+            <a:extLst>
+              <a:ext uri="{28A0092B-C50C-407E-A947-70E740481C1C}">
+                <a14:useLocalDpi xmlns:a14="http://schemas.microsoft.com/office/drawing/2010/main" val="0"/>
+              </a:ext>
+            </a:extLst>
+          </a:blip>
+          <a:stretch>
+            <a:fillRect/>
+          </a:stretch>
+        </p:blipFill>
+        <p:spPr>
+          <a:xfrm>
+            <a:off x="2667000" y="0"/>
+            <a:ext cx="6858000" cy="6858000"/>
+          </a:xfrm>
+          <a:prstGeom prst="rect">
+            <a:avLst/>
+          </a:prstGeom>
+        </p:spPr>
+      </p:pic>
+    </p:spTree>
+    <p:extLst>
+      <p:ext uri="{BB962C8B-B14F-4D97-AF65-F5344CB8AC3E}">
+        <p14:creationId xmlns:p14="http://schemas.microsoft.com/office/powerpoint/2010/main" val="3796123035"/>
+      </p:ext>
+    </p:extLst>
+  </p:cSld>
+  <p:clrMapOvr>
+    <a:masterClrMapping/>
+  </p:clrMapOvr>
+  <p:timing>
+    <p:tnLst>
+      <p:par>
+        <p:cTn id="1" dur="indefinite" restart="never" nodeType="tmRoot"/>
+      </p:par>
+    </p:tnLst>
+  </p:timing>
+</p:sld>
+</file>
+
+<file path=ppt/slides/slide20.xml><?xml version="1.0" encoding="utf-8"?>
 <p:sld xmlns:a="http://schemas.openxmlformats.org/drawingml/2006/main" xmlns:r="http://schemas.openxmlformats.org/officeDocument/2006/relationships" xmlns:p="http://schemas.openxmlformats.org/presentationml/2006/main">
   <p:cSld>
     <p:spTree>
@@ -8145,7 +9284,7 @@
 </p:sld>
 </file>
 
-<file path=ppt/slides/slide19.xml><?xml version="1.0" encoding="utf-8"?>
+<file path=ppt/slides/slide21.xml><?xml version="1.0" encoding="utf-8"?>
 <p:sld xmlns:a="http://schemas.openxmlformats.org/drawingml/2006/main" xmlns:r="http://schemas.openxmlformats.org/officeDocument/2006/relationships" xmlns:p="http://schemas.openxmlformats.org/presentationml/2006/main">
   <p:cSld>
     <p:spTree>
@@ -8702,7 +9841,2298 @@
 </p:sld>
 </file>
 
-<file path=ppt/slides/slide2.xml><?xml version="1.0" encoding="utf-8"?>
+<file path=ppt/slides/slide22.xml><?xml version="1.0" encoding="utf-8"?>
+<p:sld xmlns:a="http://schemas.openxmlformats.org/drawingml/2006/main" xmlns:r="http://schemas.openxmlformats.org/officeDocument/2006/relationships" xmlns:p="http://schemas.openxmlformats.org/presentationml/2006/main">
+  <p:cSld>
+    <p:spTree>
+      <p:nvGrpSpPr>
+        <p:cNvPr id="1" name=""/>
+        <p:cNvGrpSpPr/>
+        <p:nvPr/>
+      </p:nvGrpSpPr>
+      <p:grpSpPr>
+        <a:xfrm>
+          <a:off x="0" y="0"/>
+          <a:ext cx="0" cy="0"/>
+          <a:chOff x="0" y="0"/>
+          <a:chExt cx="0" cy="0"/>
+        </a:xfrm>
+      </p:grpSpPr>
+      <p:sp>
+        <p:nvSpPr>
+          <p:cNvPr id="8" name="직사각형 7"/>
+          <p:cNvSpPr/>
+          <p:nvPr/>
+        </p:nvSpPr>
+        <p:spPr>
+          <a:xfrm>
+            <a:off x="0" y="0"/>
+            <a:ext cx="12192000" cy="6858000"/>
+          </a:xfrm>
+          <a:prstGeom prst="rect">
+            <a:avLst/>
+          </a:prstGeom>
+          <a:solidFill>
+            <a:schemeClr val="tx1"/>
+          </a:solidFill>
+        </p:spPr>
+        <p:style>
+          <a:lnRef idx="2">
+            <a:schemeClr val="accent1">
+              <a:shade val="50000"/>
+            </a:schemeClr>
+          </a:lnRef>
+          <a:fillRef idx="1">
+            <a:schemeClr val="accent1"/>
+          </a:fillRef>
+          <a:effectRef idx="0">
+            <a:schemeClr val="accent1"/>
+          </a:effectRef>
+          <a:fontRef idx="minor">
+            <a:schemeClr val="lt1"/>
+          </a:fontRef>
+        </p:style>
+        <p:txBody>
+          <a:bodyPr rtlCol="0" anchor="ctr"/>
+          <a:lstStyle/>
+          <a:p>
+            <a:pPr algn="ctr"/>
+            <a:endParaRPr lang="ko-KR" altLang="en-US"/>
+          </a:p>
+        </p:txBody>
+      </p:sp>
+      <p:sp>
+        <p:nvSpPr>
+          <p:cNvPr id="4" name="타원 3"/>
+          <p:cNvSpPr/>
+          <p:nvPr/>
+        </p:nvSpPr>
+        <p:spPr>
+          <a:xfrm>
+            <a:off x="4796789" y="2131150"/>
+            <a:ext cx="2738626" cy="2738626"/>
+          </a:xfrm>
+          <a:prstGeom prst="ellipse">
+            <a:avLst/>
+          </a:prstGeom>
+          <a:noFill/>
+          <a:ln w="47625">
+            <a:gradFill>
+              <a:gsLst>
+                <a:gs pos="25000">
+                  <a:srgbClr val="84CEEB"/>
+                </a:gs>
+                <a:gs pos="0">
+                  <a:srgbClr val="5580E9"/>
+                </a:gs>
+                <a:gs pos="50000">
+                  <a:srgbClr val="5AB8EC"/>
+                </a:gs>
+                <a:gs pos="75000">
+                  <a:srgbClr val="C1C8E4"/>
+                </a:gs>
+                <a:gs pos="100000">
+                  <a:srgbClr val="8860D0"/>
+                </a:gs>
+              </a:gsLst>
+              <a:lin ang="5400000" scaled="1"/>
+            </a:gradFill>
+          </a:ln>
+        </p:spPr>
+        <p:style>
+          <a:lnRef idx="2">
+            <a:schemeClr val="accent1">
+              <a:shade val="50000"/>
+            </a:schemeClr>
+          </a:lnRef>
+          <a:fillRef idx="1">
+            <a:schemeClr val="accent1"/>
+          </a:fillRef>
+          <a:effectRef idx="0">
+            <a:schemeClr val="accent1"/>
+          </a:effectRef>
+          <a:fontRef idx="minor">
+            <a:schemeClr val="lt1"/>
+          </a:fontRef>
+        </p:style>
+        <p:txBody>
+          <a:bodyPr rtlCol="0" anchor="ctr"/>
+          <a:lstStyle/>
+          <a:p>
+            <a:pPr algn="ctr"/>
+            <a:endParaRPr lang="ko-KR" altLang="en-US"/>
+          </a:p>
+        </p:txBody>
+      </p:sp>
+      <p:grpSp>
+        <p:nvGrpSpPr>
+          <p:cNvPr id="5" name="그룹 4"/>
+          <p:cNvGrpSpPr/>
+          <p:nvPr/>
+        </p:nvGrpSpPr>
+        <p:grpSpPr>
+          <a:xfrm>
+            <a:off x="4182193" y="2708081"/>
+            <a:ext cx="2821350" cy="1584763"/>
+            <a:chOff x="4917248" y="2967335"/>
+            <a:chExt cx="2821350" cy="1584763"/>
+          </a:xfrm>
+        </p:grpSpPr>
+        <p:sp>
+          <p:nvSpPr>
+            <p:cNvPr id="6" name="직사각형 5"/>
+            <p:cNvSpPr/>
+            <p:nvPr/>
+          </p:nvSpPr>
+          <p:spPr>
+            <a:xfrm>
+              <a:off x="4917248" y="2967335"/>
+              <a:ext cx="2821350" cy="923330"/>
+            </a:xfrm>
+            <a:prstGeom prst="rect">
+              <a:avLst/>
+            </a:prstGeom>
+            <a:noFill/>
+          </p:spPr>
+          <p:txBody>
+            <a:bodyPr wrap="none" lIns="91440" tIns="45720" rIns="91440" bIns="45720">
+              <a:spAutoFit/>
+            </a:bodyPr>
+            <a:lstStyle/>
+            <a:p>
+              <a:pPr algn="dist"/>
+              <a:r>
+                <a:rPr lang="en-US" altLang="ko-KR" sz="5400" b="0" cap="none" spc="-300" dirty="0" smtClean="0">
+                  <a:ln w="0"/>
+                  <a:solidFill>
+                    <a:schemeClr val="bg1"/>
+                  </a:solidFill>
+                  <a:effectLst>
+                    <a:outerShdw blurRad="38100" dist="19050" dir="2700000" algn="tl" rotWithShape="0">
+                      <a:schemeClr val="dk1">
+                        <a:alpha val="40000"/>
+                      </a:schemeClr>
+                    </a:outerShdw>
+                  </a:effectLst>
+                  <a:latin typeface="Arial Black" panose="020B0A04020102020204" pitchFamily="34" charset="0"/>
+                </a:rPr>
+                <a:t>Routing</a:t>
+              </a:r>
+            </a:p>
+          </p:txBody>
+        </p:sp>
+        <p:sp>
+          <p:nvSpPr>
+            <p:cNvPr id="7" name="직사각형 6"/>
+            <p:cNvSpPr/>
+            <p:nvPr/>
+          </p:nvSpPr>
+          <p:spPr>
+            <a:xfrm>
+              <a:off x="4917248" y="3628768"/>
+              <a:ext cx="1608133" cy="923330"/>
+            </a:xfrm>
+            <a:prstGeom prst="rect">
+              <a:avLst/>
+            </a:prstGeom>
+            <a:noFill/>
+          </p:spPr>
+          <p:txBody>
+            <a:bodyPr wrap="none" lIns="91440" tIns="45720" rIns="91440" bIns="45720">
+              <a:spAutoFit/>
+            </a:bodyPr>
+            <a:lstStyle/>
+            <a:p>
+              <a:pPr algn="dist"/>
+              <a:r>
+                <a:rPr lang="en-US" altLang="ko-KR" sz="5400" b="0" cap="none" spc="-300" dirty="0" smtClean="0">
+                  <a:ln w="0"/>
+                  <a:solidFill>
+                    <a:schemeClr val="bg1"/>
+                  </a:solidFill>
+                  <a:effectLst>
+                    <a:outerShdw blurRad="38100" dist="19050" dir="2700000" algn="tl" rotWithShape="0">
+                      <a:schemeClr val="dk1">
+                        <a:alpha val="40000"/>
+                      </a:schemeClr>
+                    </a:outerShdw>
+                  </a:effectLst>
+                  <a:latin typeface="Arial Black" panose="020B0A04020102020204" pitchFamily="34" charset="0"/>
+                </a:rPr>
+                <a:t>Star</a:t>
+              </a:r>
+            </a:p>
+          </p:txBody>
+        </p:sp>
+      </p:grpSp>
+    </p:spTree>
+    <p:extLst>
+      <p:ext uri="{BB962C8B-B14F-4D97-AF65-F5344CB8AC3E}">
+        <p14:creationId xmlns:p14="http://schemas.microsoft.com/office/powerpoint/2010/main" val="1260952211"/>
+      </p:ext>
+    </p:extLst>
+  </p:cSld>
+  <p:clrMapOvr>
+    <a:masterClrMapping/>
+  </p:clrMapOvr>
+</p:sld>
+</file>
+
+<file path=ppt/slides/slide23.xml><?xml version="1.0" encoding="utf-8"?>
+<p:sld xmlns:a="http://schemas.openxmlformats.org/drawingml/2006/main" xmlns:r="http://schemas.openxmlformats.org/officeDocument/2006/relationships" xmlns:p="http://schemas.openxmlformats.org/presentationml/2006/main">
+  <p:cSld>
+    <p:spTree>
+      <p:nvGrpSpPr>
+        <p:cNvPr id="1" name=""/>
+        <p:cNvGrpSpPr/>
+        <p:nvPr/>
+      </p:nvGrpSpPr>
+      <p:grpSpPr>
+        <a:xfrm>
+          <a:off x="0" y="0"/>
+          <a:ext cx="0" cy="0"/>
+          <a:chOff x="0" y="0"/>
+          <a:chExt cx="0" cy="0"/>
+        </a:xfrm>
+      </p:grpSpPr>
+      <p:sp>
+        <p:nvSpPr>
+          <p:cNvPr id="2" name="제목 1"/>
+          <p:cNvSpPr>
+            <a:spLocks noGrp="1"/>
+          </p:cNvSpPr>
+          <p:nvPr>
+            <p:ph type="title"/>
+          </p:nvPr>
+        </p:nvSpPr>
+        <p:spPr/>
+        <p:txBody>
+          <a:bodyPr/>
+          <a:lstStyle/>
+          <a:p>
+            <a:endParaRPr lang="ko-KR" altLang="en-US"/>
+          </a:p>
+        </p:txBody>
+      </p:sp>
+      <p:sp>
+        <p:nvSpPr>
+          <p:cNvPr id="3" name="내용 개체 틀 2"/>
+          <p:cNvSpPr>
+            <a:spLocks noGrp="1"/>
+          </p:cNvSpPr>
+          <p:nvPr>
+            <p:ph idx="1"/>
+          </p:nvPr>
+        </p:nvSpPr>
+        <p:spPr/>
+        <p:txBody>
+          <a:bodyPr/>
+          <a:lstStyle/>
+          <a:p>
+            <a:endParaRPr lang="ko-KR" altLang="en-US"/>
+          </a:p>
+        </p:txBody>
+      </p:sp>
+      <p:sp>
+        <p:nvSpPr>
+          <p:cNvPr id="4" name="직사각형 3"/>
+          <p:cNvSpPr/>
+          <p:nvPr/>
+        </p:nvSpPr>
+        <p:spPr>
+          <a:xfrm>
+            <a:off x="0" y="0"/>
+            <a:ext cx="12192000" cy="6858000"/>
+          </a:xfrm>
+          <a:prstGeom prst="rect">
+            <a:avLst/>
+          </a:prstGeom>
+          <a:solidFill>
+            <a:schemeClr val="tx1"/>
+          </a:solidFill>
+        </p:spPr>
+        <p:style>
+          <a:lnRef idx="2">
+            <a:schemeClr val="accent1">
+              <a:shade val="50000"/>
+            </a:schemeClr>
+          </a:lnRef>
+          <a:fillRef idx="1">
+            <a:schemeClr val="accent1"/>
+          </a:fillRef>
+          <a:effectRef idx="0">
+            <a:schemeClr val="accent1"/>
+          </a:effectRef>
+          <a:fontRef idx="minor">
+            <a:schemeClr val="lt1"/>
+          </a:fontRef>
+        </p:style>
+        <p:txBody>
+          <a:bodyPr rtlCol="0" anchor="ctr"/>
+          <a:lstStyle/>
+          <a:p>
+            <a:pPr algn="ctr"/>
+            <a:endParaRPr lang="ko-KR" altLang="en-US"/>
+          </a:p>
+        </p:txBody>
+      </p:sp>
+      <p:grpSp>
+        <p:nvGrpSpPr>
+          <p:cNvPr id="14" name="그룹 13"/>
+          <p:cNvGrpSpPr/>
+          <p:nvPr/>
+        </p:nvGrpSpPr>
+        <p:grpSpPr>
+          <a:xfrm>
+            <a:off x="3993508" y="2165843"/>
+            <a:ext cx="4204997" cy="2738626"/>
+            <a:chOff x="3993508" y="2165843"/>
+            <a:chExt cx="4204997" cy="2738626"/>
+          </a:xfrm>
+        </p:grpSpPr>
+        <p:grpSp>
+          <p:nvGrpSpPr>
+            <p:cNvPr id="5" name="그룹 4"/>
+            <p:cNvGrpSpPr/>
+            <p:nvPr/>
+          </p:nvGrpSpPr>
+          <p:grpSpPr>
+            <a:xfrm>
+              <a:off x="4726686" y="2165843"/>
+              <a:ext cx="2738626" cy="2738626"/>
+              <a:chOff x="7404449" y="394352"/>
+              <a:chExt cx="2738626" cy="2738626"/>
+            </a:xfrm>
+          </p:grpSpPr>
+          <p:sp>
+            <p:nvSpPr>
+              <p:cNvPr id="6" name="타원 5"/>
+              <p:cNvSpPr/>
+              <p:nvPr/>
+            </p:nvSpPr>
+            <p:spPr>
+              <a:xfrm>
+                <a:off x="7404449" y="394352"/>
+                <a:ext cx="2738626" cy="2738626"/>
+              </a:xfrm>
+              <a:prstGeom prst="ellipse">
+                <a:avLst/>
+              </a:prstGeom>
+              <a:noFill/>
+              <a:ln w="47625">
+                <a:gradFill>
+                  <a:gsLst>
+                    <a:gs pos="25000">
+                      <a:srgbClr val="F4976C"/>
+                    </a:gs>
+                    <a:gs pos="0">
+                      <a:srgbClr val="FBE8A6"/>
+                    </a:gs>
+                    <a:gs pos="50000">
+                      <a:srgbClr val="303C6C"/>
+                    </a:gs>
+                    <a:gs pos="75000">
+                      <a:srgbClr val="B4DFE5"/>
+                    </a:gs>
+                    <a:gs pos="100000">
+                      <a:srgbClr val="D2FCFD"/>
+                    </a:gs>
+                  </a:gsLst>
+                  <a:lin ang="5400000" scaled="1"/>
+                </a:gradFill>
+              </a:ln>
+            </p:spPr>
+            <p:style>
+              <a:lnRef idx="2">
+                <a:schemeClr val="accent1">
+                  <a:shade val="50000"/>
+                </a:schemeClr>
+              </a:lnRef>
+              <a:fillRef idx="1">
+                <a:schemeClr val="accent1"/>
+              </a:fillRef>
+              <a:effectRef idx="0">
+                <a:schemeClr val="accent1"/>
+              </a:effectRef>
+              <a:fontRef idx="minor">
+                <a:schemeClr val="lt1"/>
+              </a:fontRef>
+            </p:style>
+            <p:txBody>
+              <a:bodyPr rtlCol="0" anchor="ctr"/>
+              <a:lstStyle/>
+              <a:p>
+                <a:pPr algn="ctr"/>
+                <a:endParaRPr lang="ko-KR" altLang="en-US"/>
+              </a:p>
+            </p:txBody>
+          </p:sp>
+          <p:sp>
+            <p:nvSpPr>
+              <p:cNvPr id="7" name="타원 6"/>
+              <p:cNvSpPr/>
+              <p:nvPr/>
+            </p:nvSpPr>
+            <p:spPr>
+              <a:xfrm>
+                <a:off x="7518489" y="508392"/>
+                <a:ext cx="2510546" cy="2510546"/>
+              </a:xfrm>
+              <a:prstGeom prst="ellipse">
+                <a:avLst/>
+              </a:prstGeom>
+              <a:noFill/>
+              <a:ln w="47625">
+                <a:gradFill>
+                  <a:gsLst>
+                    <a:gs pos="25000">
+                      <a:srgbClr val="F4976C"/>
+                    </a:gs>
+                    <a:gs pos="0">
+                      <a:srgbClr val="FBE8A6"/>
+                    </a:gs>
+                    <a:gs pos="50000">
+                      <a:srgbClr val="303C6C"/>
+                    </a:gs>
+                    <a:gs pos="75000">
+                      <a:srgbClr val="B4DFE5"/>
+                    </a:gs>
+                    <a:gs pos="100000">
+                      <a:srgbClr val="D2FCFD"/>
+                    </a:gs>
+                  </a:gsLst>
+                  <a:lin ang="5400000" scaled="1"/>
+                </a:gradFill>
+              </a:ln>
+            </p:spPr>
+            <p:style>
+              <a:lnRef idx="2">
+                <a:schemeClr val="accent1">
+                  <a:shade val="50000"/>
+                </a:schemeClr>
+              </a:lnRef>
+              <a:fillRef idx="1">
+                <a:schemeClr val="accent1"/>
+              </a:fillRef>
+              <a:effectRef idx="0">
+                <a:schemeClr val="accent1"/>
+              </a:effectRef>
+              <a:fontRef idx="minor">
+                <a:schemeClr val="lt1"/>
+              </a:fontRef>
+            </p:style>
+            <p:txBody>
+              <a:bodyPr rtlCol="0" anchor="ctr"/>
+              <a:lstStyle/>
+              <a:p>
+                <a:pPr algn="ctr"/>
+                <a:endParaRPr lang="ko-KR" altLang="en-US"/>
+              </a:p>
+            </p:txBody>
+          </p:sp>
+          <p:sp>
+            <p:nvSpPr>
+              <p:cNvPr id="8" name="타원 7"/>
+              <p:cNvSpPr/>
+              <p:nvPr/>
+            </p:nvSpPr>
+            <p:spPr>
+              <a:xfrm>
+                <a:off x="7518489" y="508392"/>
+                <a:ext cx="2510546" cy="2510546"/>
+              </a:xfrm>
+              <a:prstGeom prst="ellipse">
+                <a:avLst/>
+              </a:prstGeom>
+              <a:noFill/>
+              <a:ln w="47625">
+                <a:gradFill>
+                  <a:gsLst>
+                    <a:gs pos="25000">
+                      <a:srgbClr val="F4976C"/>
+                    </a:gs>
+                    <a:gs pos="0">
+                      <a:srgbClr val="FBE8A6"/>
+                    </a:gs>
+                    <a:gs pos="50000">
+                      <a:srgbClr val="303C6C"/>
+                    </a:gs>
+                    <a:gs pos="75000">
+                      <a:srgbClr val="B4DFE5"/>
+                    </a:gs>
+                    <a:gs pos="100000">
+                      <a:srgbClr val="D2FCFD"/>
+                    </a:gs>
+                  </a:gsLst>
+                  <a:lin ang="5400000" scaled="1"/>
+                </a:gradFill>
+              </a:ln>
+            </p:spPr>
+            <p:style>
+              <a:lnRef idx="2">
+                <a:schemeClr val="accent1">
+                  <a:shade val="50000"/>
+                </a:schemeClr>
+              </a:lnRef>
+              <a:fillRef idx="1">
+                <a:schemeClr val="accent1"/>
+              </a:fillRef>
+              <a:effectRef idx="0">
+                <a:schemeClr val="accent1"/>
+              </a:effectRef>
+              <a:fontRef idx="minor">
+                <a:schemeClr val="lt1"/>
+              </a:fontRef>
+            </p:style>
+            <p:txBody>
+              <a:bodyPr rtlCol="0" anchor="ctr"/>
+              <a:lstStyle/>
+              <a:p>
+                <a:pPr algn="ctr"/>
+                <a:endParaRPr lang="ko-KR" altLang="en-US"/>
+              </a:p>
+            </p:txBody>
+          </p:sp>
+          <p:sp>
+            <p:nvSpPr>
+              <p:cNvPr id="9" name="타원 8"/>
+              <p:cNvSpPr/>
+              <p:nvPr/>
+            </p:nvSpPr>
+            <p:spPr>
+              <a:xfrm>
+                <a:off x="7628127" y="618030"/>
+                <a:ext cx="2291269" cy="2291269"/>
+              </a:xfrm>
+              <a:prstGeom prst="ellipse">
+                <a:avLst/>
+              </a:prstGeom>
+              <a:noFill/>
+              <a:ln w="47625">
+                <a:gradFill>
+                  <a:gsLst>
+                    <a:gs pos="25000">
+                      <a:srgbClr val="F4976C"/>
+                    </a:gs>
+                    <a:gs pos="0">
+                      <a:srgbClr val="FBE8A6"/>
+                    </a:gs>
+                    <a:gs pos="50000">
+                      <a:srgbClr val="303C6C"/>
+                    </a:gs>
+                    <a:gs pos="75000">
+                      <a:srgbClr val="B4DFE5"/>
+                    </a:gs>
+                    <a:gs pos="100000">
+                      <a:srgbClr val="D2FCFD"/>
+                    </a:gs>
+                  </a:gsLst>
+                  <a:lin ang="5400000" scaled="1"/>
+                </a:gradFill>
+              </a:ln>
+            </p:spPr>
+            <p:style>
+              <a:lnRef idx="2">
+                <a:schemeClr val="accent1">
+                  <a:shade val="50000"/>
+                </a:schemeClr>
+              </a:lnRef>
+              <a:fillRef idx="1">
+                <a:schemeClr val="accent1"/>
+              </a:fillRef>
+              <a:effectRef idx="0">
+                <a:schemeClr val="accent1"/>
+              </a:effectRef>
+              <a:fontRef idx="minor">
+                <a:schemeClr val="lt1"/>
+              </a:fontRef>
+            </p:style>
+            <p:txBody>
+              <a:bodyPr rtlCol="0" anchor="ctr"/>
+              <a:lstStyle/>
+              <a:p>
+                <a:pPr algn="ctr"/>
+                <a:endParaRPr lang="ko-KR" altLang="en-US"/>
+              </a:p>
+            </p:txBody>
+          </p:sp>
+          <p:sp>
+            <p:nvSpPr>
+              <p:cNvPr id="10" name="타원 9"/>
+              <p:cNvSpPr/>
+              <p:nvPr/>
+            </p:nvSpPr>
+            <p:spPr>
+              <a:xfrm>
+                <a:off x="7744511" y="724121"/>
+                <a:ext cx="2058502" cy="2079087"/>
+              </a:xfrm>
+              <a:prstGeom prst="ellipse">
+                <a:avLst/>
+              </a:prstGeom>
+              <a:noFill/>
+              <a:ln w="47625">
+                <a:gradFill>
+                  <a:gsLst>
+                    <a:gs pos="25000">
+                      <a:srgbClr val="F4976C"/>
+                    </a:gs>
+                    <a:gs pos="0">
+                      <a:srgbClr val="FBE8A6"/>
+                    </a:gs>
+                    <a:gs pos="50000">
+                      <a:srgbClr val="303C6C"/>
+                    </a:gs>
+                    <a:gs pos="75000">
+                      <a:srgbClr val="B4DFE5"/>
+                    </a:gs>
+                    <a:gs pos="100000">
+                      <a:srgbClr val="D2FCFD"/>
+                    </a:gs>
+                  </a:gsLst>
+                  <a:lin ang="5400000" scaled="1"/>
+                </a:gradFill>
+              </a:ln>
+            </p:spPr>
+            <p:style>
+              <a:lnRef idx="2">
+                <a:schemeClr val="accent1">
+                  <a:shade val="50000"/>
+                </a:schemeClr>
+              </a:lnRef>
+              <a:fillRef idx="1">
+                <a:schemeClr val="accent1"/>
+              </a:fillRef>
+              <a:effectRef idx="0">
+                <a:schemeClr val="accent1"/>
+              </a:effectRef>
+              <a:fontRef idx="minor">
+                <a:schemeClr val="lt1"/>
+              </a:fontRef>
+            </p:style>
+            <p:txBody>
+              <a:bodyPr rtlCol="0" anchor="ctr"/>
+              <a:lstStyle/>
+              <a:p>
+                <a:pPr algn="ctr"/>
+                <a:endParaRPr lang="ko-KR" altLang="en-US"/>
+              </a:p>
+            </p:txBody>
+          </p:sp>
+          <p:sp>
+            <p:nvSpPr>
+              <p:cNvPr id="11" name="타원 10"/>
+              <p:cNvSpPr/>
+              <p:nvPr/>
+            </p:nvSpPr>
+            <p:spPr>
+              <a:xfrm>
+                <a:off x="7860354" y="841122"/>
+                <a:ext cx="1826816" cy="1845084"/>
+              </a:xfrm>
+              <a:prstGeom prst="ellipse">
+                <a:avLst/>
+              </a:prstGeom>
+              <a:noFill/>
+              <a:ln w="47625">
+                <a:gradFill>
+                  <a:gsLst>
+                    <a:gs pos="25000">
+                      <a:srgbClr val="F4976C"/>
+                    </a:gs>
+                    <a:gs pos="0">
+                      <a:srgbClr val="FBE8A6"/>
+                    </a:gs>
+                    <a:gs pos="50000">
+                      <a:srgbClr val="303C6C"/>
+                    </a:gs>
+                    <a:gs pos="75000">
+                      <a:srgbClr val="B4DFE5"/>
+                    </a:gs>
+                    <a:gs pos="100000">
+                      <a:srgbClr val="D2FCFD"/>
+                    </a:gs>
+                  </a:gsLst>
+                  <a:lin ang="5400000" scaled="1"/>
+                </a:gradFill>
+              </a:ln>
+            </p:spPr>
+            <p:style>
+              <a:lnRef idx="2">
+                <a:schemeClr val="accent1">
+                  <a:shade val="50000"/>
+                </a:schemeClr>
+              </a:lnRef>
+              <a:fillRef idx="1">
+                <a:schemeClr val="accent1"/>
+              </a:fillRef>
+              <a:effectRef idx="0">
+                <a:schemeClr val="accent1"/>
+              </a:effectRef>
+              <a:fontRef idx="minor">
+                <a:schemeClr val="lt1"/>
+              </a:fontRef>
+            </p:style>
+            <p:txBody>
+              <a:bodyPr rtlCol="0" anchor="ctr"/>
+              <a:lstStyle/>
+              <a:p>
+                <a:pPr algn="ctr"/>
+                <a:endParaRPr lang="ko-KR" altLang="en-US"/>
+              </a:p>
+            </p:txBody>
+          </p:sp>
+          <p:sp>
+            <p:nvSpPr>
+              <p:cNvPr id="12" name="타원 11"/>
+              <p:cNvSpPr/>
+              <p:nvPr/>
+            </p:nvSpPr>
+            <p:spPr>
+              <a:xfrm>
+                <a:off x="7963158" y="944954"/>
+                <a:ext cx="1621208" cy="1637420"/>
+              </a:xfrm>
+              <a:prstGeom prst="ellipse">
+                <a:avLst/>
+              </a:prstGeom>
+              <a:noFill/>
+              <a:ln w="47625">
+                <a:gradFill>
+                  <a:gsLst>
+                    <a:gs pos="25000">
+                      <a:srgbClr val="F4976C"/>
+                    </a:gs>
+                    <a:gs pos="0">
+                      <a:srgbClr val="FBE8A6"/>
+                    </a:gs>
+                    <a:gs pos="50000">
+                      <a:srgbClr val="303C6C"/>
+                    </a:gs>
+                    <a:gs pos="75000">
+                      <a:srgbClr val="B4DFE5"/>
+                    </a:gs>
+                    <a:gs pos="100000">
+                      <a:srgbClr val="D2FCFD"/>
+                    </a:gs>
+                  </a:gsLst>
+                  <a:lin ang="5400000" scaled="1"/>
+                </a:gradFill>
+              </a:ln>
+            </p:spPr>
+            <p:style>
+              <a:lnRef idx="2">
+                <a:schemeClr val="accent1">
+                  <a:shade val="50000"/>
+                </a:schemeClr>
+              </a:lnRef>
+              <a:fillRef idx="1">
+                <a:schemeClr val="accent1"/>
+              </a:fillRef>
+              <a:effectRef idx="0">
+                <a:schemeClr val="accent1"/>
+              </a:effectRef>
+              <a:fontRef idx="minor">
+                <a:schemeClr val="lt1"/>
+              </a:fontRef>
+            </p:style>
+            <p:txBody>
+              <a:bodyPr rtlCol="0" anchor="ctr"/>
+              <a:lstStyle/>
+              <a:p>
+                <a:pPr algn="ctr"/>
+                <a:endParaRPr lang="ko-KR" altLang="en-US"/>
+              </a:p>
+            </p:txBody>
+          </p:sp>
+        </p:grpSp>
+        <p:sp>
+          <p:nvSpPr>
+            <p:cNvPr id="13" name="직사각형 12"/>
+            <p:cNvSpPr/>
+            <p:nvPr/>
+          </p:nvSpPr>
+          <p:spPr>
+            <a:xfrm>
+              <a:off x="3993508" y="3020786"/>
+              <a:ext cx="4204997" cy="707886"/>
+            </a:xfrm>
+            <a:prstGeom prst="rect">
+              <a:avLst/>
+            </a:prstGeom>
+            <a:noFill/>
+          </p:spPr>
+          <p:txBody>
+            <a:bodyPr wrap="none" lIns="91440" tIns="45720" rIns="91440" bIns="45720">
+              <a:spAutoFit/>
+            </a:bodyPr>
+            <a:lstStyle/>
+            <a:p>
+              <a:pPr algn="dist"/>
+              <a:r>
+                <a:rPr lang="en-US" altLang="ko-KR" sz="4000" b="1" spc="-300" dirty="0" smtClean="0">
+                  <a:ln w="0"/>
+                  <a:solidFill>
+                    <a:schemeClr val="bg1"/>
+                  </a:solidFill>
+                  <a:effectLst>
+                    <a:outerShdw blurRad="38100" dist="19050" dir="2700000" algn="tl" rotWithShape="0">
+                      <a:schemeClr val="dk1">
+                        <a:alpha val="40000"/>
+                      </a:schemeClr>
+                    </a:outerShdw>
+                  </a:effectLst>
+                  <a:latin typeface="Major Mono Display" panose="00000509000000000000" pitchFamily="49" charset="0"/>
+                </a:rPr>
+                <a:t>ROUTING STAR</a:t>
+              </a:r>
+              <a:endParaRPr lang="en-US" altLang="ko-KR" sz="4000" b="1" cap="none" spc="-300" dirty="0" smtClean="0">
+                <a:ln w="0"/>
+                <a:solidFill>
+                  <a:schemeClr val="bg1"/>
+                </a:solidFill>
+                <a:effectLst>
+                  <a:outerShdw blurRad="38100" dist="19050" dir="2700000" algn="tl" rotWithShape="0">
+                    <a:schemeClr val="dk1">
+                      <a:alpha val="40000"/>
+                    </a:schemeClr>
+                  </a:outerShdw>
+                </a:effectLst>
+                <a:latin typeface="Major Mono Display" panose="00000509000000000000" pitchFamily="49" charset="0"/>
+              </a:endParaRPr>
+            </a:p>
+          </p:txBody>
+        </p:sp>
+      </p:grpSp>
+    </p:spTree>
+    <p:extLst>
+      <p:ext uri="{BB962C8B-B14F-4D97-AF65-F5344CB8AC3E}">
+        <p14:creationId xmlns:p14="http://schemas.microsoft.com/office/powerpoint/2010/main" val="3833101913"/>
+      </p:ext>
+    </p:extLst>
+  </p:cSld>
+  <p:clrMapOvr>
+    <a:masterClrMapping/>
+  </p:clrMapOvr>
+  <p:timing>
+    <p:tnLst>
+      <p:par>
+        <p:cTn id="1" dur="indefinite" restart="never" nodeType="tmRoot"/>
+      </p:par>
+    </p:tnLst>
+  </p:timing>
+</p:sld>
+</file>
+
+<file path=ppt/slides/slide24.xml><?xml version="1.0" encoding="utf-8"?>
+<p:sld xmlns:a="http://schemas.openxmlformats.org/drawingml/2006/main" xmlns:r="http://schemas.openxmlformats.org/officeDocument/2006/relationships" xmlns:p="http://schemas.openxmlformats.org/presentationml/2006/main">
+  <p:cSld>
+    <p:spTree>
+      <p:nvGrpSpPr>
+        <p:cNvPr id="1" name=""/>
+        <p:cNvGrpSpPr/>
+        <p:nvPr/>
+      </p:nvGrpSpPr>
+      <p:grpSpPr>
+        <a:xfrm>
+          <a:off x="0" y="0"/>
+          <a:ext cx="0" cy="0"/>
+          <a:chOff x="0" y="0"/>
+          <a:chExt cx="0" cy="0"/>
+        </a:xfrm>
+      </p:grpSpPr>
+      <p:sp>
+        <p:nvSpPr>
+          <p:cNvPr id="2" name="제목 1"/>
+          <p:cNvSpPr>
+            <a:spLocks noGrp="1"/>
+          </p:cNvSpPr>
+          <p:nvPr>
+            <p:ph type="title"/>
+          </p:nvPr>
+        </p:nvSpPr>
+        <p:spPr/>
+        <p:txBody>
+          <a:bodyPr/>
+          <a:lstStyle/>
+          <a:p>
+            <a:endParaRPr lang="ko-KR" altLang="en-US"/>
+          </a:p>
+        </p:txBody>
+      </p:sp>
+      <p:sp>
+        <p:nvSpPr>
+          <p:cNvPr id="3" name="내용 개체 틀 2"/>
+          <p:cNvSpPr>
+            <a:spLocks noGrp="1"/>
+          </p:cNvSpPr>
+          <p:nvPr>
+            <p:ph idx="1"/>
+          </p:nvPr>
+        </p:nvSpPr>
+        <p:spPr/>
+        <p:txBody>
+          <a:bodyPr/>
+          <a:lstStyle/>
+          <a:p>
+            <a:endParaRPr lang="ko-KR" altLang="en-US"/>
+          </a:p>
+        </p:txBody>
+      </p:sp>
+      <p:sp>
+        <p:nvSpPr>
+          <p:cNvPr id="4" name="직사각형 3"/>
+          <p:cNvSpPr/>
+          <p:nvPr/>
+        </p:nvSpPr>
+        <p:spPr>
+          <a:xfrm>
+            <a:off x="0" y="0"/>
+            <a:ext cx="12192000" cy="6858000"/>
+          </a:xfrm>
+          <a:prstGeom prst="rect">
+            <a:avLst/>
+          </a:prstGeom>
+          <a:solidFill>
+            <a:schemeClr val="tx1"/>
+          </a:solidFill>
+        </p:spPr>
+        <p:style>
+          <a:lnRef idx="2">
+            <a:schemeClr val="accent1">
+              <a:shade val="50000"/>
+            </a:schemeClr>
+          </a:lnRef>
+          <a:fillRef idx="1">
+            <a:schemeClr val="accent1"/>
+          </a:fillRef>
+          <a:effectRef idx="0">
+            <a:schemeClr val="accent1"/>
+          </a:effectRef>
+          <a:fontRef idx="minor">
+            <a:schemeClr val="lt1"/>
+          </a:fontRef>
+        </p:style>
+        <p:txBody>
+          <a:bodyPr rtlCol="0" anchor="ctr"/>
+          <a:lstStyle/>
+          <a:p>
+            <a:pPr algn="ctr"/>
+            <a:endParaRPr lang="ko-KR" altLang="en-US"/>
+          </a:p>
+        </p:txBody>
+      </p:sp>
+      <p:grpSp>
+        <p:nvGrpSpPr>
+          <p:cNvPr id="14" name="그룹 13"/>
+          <p:cNvGrpSpPr/>
+          <p:nvPr/>
+        </p:nvGrpSpPr>
+        <p:grpSpPr>
+          <a:xfrm>
+            <a:off x="4148992" y="2165843"/>
+            <a:ext cx="3894015" cy="2738626"/>
+            <a:chOff x="4148992" y="2165843"/>
+            <a:chExt cx="3894015" cy="2738626"/>
+          </a:xfrm>
+        </p:grpSpPr>
+        <p:grpSp>
+          <p:nvGrpSpPr>
+            <p:cNvPr id="5" name="그룹 4"/>
+            <p:cNvGrpSpPr/>
+            <p:nvPr/>
+          </p:nvGrpSpPr>
+          <p:grpSpPr>
+            <a:xfrm>
+              <a:off x="4726686" y="2165843"/>
+              <a:ext cx="2738626" cy="2738626"/>
+              <a:chOff x="7404449" y="394352"/>
+              <a:chExt cx="2738626" cy="2738626"/>
+            </a:xfrm>
+          </p:grpSpPr>
+          <p:sp>
+            <p:nvSpPr>
+              <p:cNvPr id="6" name="타원 5"/>
+              <p:cNvSpPr/>
+              <p:nvPr/>
+            </p:nvSpPr>
+            <p:spPr>
+              <a:xfrm>
+                <a:off x="7404449" y="394352"/>
+                <a:ext cx="2738626" cy="2738626"/>
+              </a:xfrm>
+              <a:prstGeom prst="ellipse">
+                <a:avLst/>
+              </a:prstGeom>
+              <a:noFill/>
+              <a:ln w="47625">
+                <a:gradFill>
+                  <a:gsLst>
+                    <a:gs pos="25000">
+                      <a:srgbClr val="F4976C"/>
+                    </a:gs>
+                    <a:gs pos="0">
+                      <a:srgbClr val="FBE8A6"/>
+                    </a:gs>
+                    <a:gs pos="50000">
+                      <a:srgbClr val="303C6C"/>
+                    </a:gs>
+                    <a:gs pos="75000">
+                      <a:srgbClr val="B4DFE5"/>
+                    </a:gs>
+                    <a:gs pos="100000">
+                      <a:srgbClr val="D2FCFD"/>
+                    </a:gs>
+                  </a:gsLst>
+                  <a:lin ang="5400000" scaled="1"/>
+                </a:gradFill>
+              </a:ln>
+            </p:spPr>
+            <p:style>
+              <a:lnRef idx="2">
+                <a:schemeClr val="accent1">
+                  <a:shade val="50000"/>
+                </a:schemeClr>
+              </a:lnRef>
+              <a:fillRef idx="1">
+                <a:schemeClr val="accent1"/>
+              </a:fillRef>
+              <a:effectRef idx="0">
+                <a:schemeClr val="accent1"/>
+              </a:effectRef>
+              <a:fontRef idx="minor">
+                <a:schemeClr val="lt1"/>
+              </a:fontRef>
+            </p:style>
+            <p:txBody>
+              <a:bodyPr rtlCol="0" anchor="ctr"/>
+              <a:lstStyle/>
+              <a:p>
+                <a:pPr algn="ctr"/>
+                <a:endParaRPr lang="ko-KR" altLang="en-US"/>
+              </a:p>
+            </p:txBody>
+          </p:sp>
+          <p:sp>
+            <p:nvSpPr>
+              <p:cNvPr id="7" name="타원 6"/>
+              <p:cNvSpPr/>
+              <p:nvPr/>
+            </p:nvSpPr>
+            <p:spPr>
+              <a:xfrm>
+                <a:off x="7518489" y="508392"/>
+                <a:ext cx="2510546" cy="2510546"/>
+              </a:xfrm>
+              <a:prstGeom prst="ellipse">
+                <a:avLst/>
+              </a:prstGeom>
+              <a:noFill/>
+              <a:ln w="47625">
+                <a:gradFill>
+                  <a:gsLst>
+                    <a:gs pos="25000">
+                      <a:srgbClr val="F4976C"/>
+                    </a:gs>
+                    <a:gs pos="0">
+                      <a:srgbClr val="FBE8A6"/>
+                    </a:gs>
+                    <a:gs pos="50000">
+                      <a:srgbClr val="303C6C"/>
+                    </a:gs>
+                    <a:gs pos="75000">
+                      <a:srgbClr val="B4DFE5"/>
+                    </a:gs>
+                    <a:gs pos="100000">
+                      <a:srgbClr val="D2FCFD"/>
+                    </a:gs>
+                  </a:gsLst>
+                  <a:lin ang="5400000" scaled="1"/>
+                </a:gradFill>
+              </a:ln>
+            </p:spPr>
+            <p:style>
+              <a:lnRef idx="2">
+                <a:schemeClr val="accent1">
+                  <a:shade val="50000"/>
+                </a:schemeClr>
+              </a:lnRef>
+              <a:fillRef idx="1">
+                <a:schemeClr val="accent1"/>
+              </a:fillRef>
+              <a:effectRef idx="0">
+                <a:schemeClr val="accent1"/>
+              </a:effectRef>
+              <a:fontRef idx="minor">
+                <a:schemeClr val="lt1"/>
+              </a:fontRef>
+            </p:style>
+            <p:txBody>
+              <a:bodyPr rtlCol="0" anchor="ctr"/>
+              <a:lstStyle/>
+              <a:p>
+                <a:pPr algn="ctr"/>
+                <a:endParaRPr lang="ko-KR" altLang="en-US"/>
+              </a:p>
+            </p:txBody>
+          </p:sp>
+          <p:sp>
+            <p:nvSpPr>
+              <p:cNvPr id="8" name="타원 7"/>
+              <p:cNvSpPr/>
+              <p:nvPr/>
+            </p:nvSpPr>
+            <p:spPr>
+              <a:xfrm>
+                <a:off x="7518489" y="508392"/>
+                <a:ext cx="2510546" cy="2510546"/>
+              </a:xfrm>
+              <a:prstGeom prst="ellipse">
+                <a:avLst/>
+              </a:prstGeom>
+              <a:noFill/>
+              <a:ln w="47625">
+                <a:gradFill>
+                  <a:gsLst>
+                    <a:gs pos="25000">
+                      <a:srgbClr val="F4976C"/>
+                    </a:gs>
+                    <a:gs pos="0">
+                      <a:srgbClr val="FBE8A6"/>
+                    </a:gs>
+                    <a:gs pos="50000">
+                      <a:srgbClr val="303C6C"/>
+                    </a:gs>
+                    <a:gs pos="75000">
+                      <a:srgbClr val="B4DFE5"/>
+                    </a:gs>
+                    <a:gs pos="100000">
+                      <a:srgbClr val="D2FCFD"/>
+                    </a:gs>
+                  </a:gsLst>
+                  <a:lin ang="5400000" scaled="1"/>
+                </a:gradFill>
+              </a:ln>
+            </p:spPr>
+            <p:style>
+              <a:lnRef idx="2">
+                <a:schemeClr val="accent1">
+                  <a:shade val="50000"/>
+                </a:schemeClr>
+              </a:lnRef>
+              <a:fillRef idx="1">
+                <a:schemeClr val="accent1"/>
+              </a:fillRef>
+              <a:effectRef idx="0">
+                <a:schemeClr val="accent1"/>
+              </a:effectRef>
+              <a:fontRef idx="minor">
+                <a:schemeClr val="lt1"/>
+              </a:fontRef>
+            </p:style>
+            <p:txBody>
+              <a:bodyPr rtlCol="0" anchor="ctr"/>
+              <a:lstStyle/>
+              <a:p>
+                <a:pPr algn="ctr"/>
+                <a:endParaRPr lang="ko-KR" altLang="en-US"/>
+              </a:p>
+            </p:txBody>
+          </p:sp>
+          <p:sp>
+            <p:nvSpPr>
+              <p:cNvPr id="9" name="타원 8"/>
+              <p:cNvSpPr/>
+              <p:nvPr/>
+            </p:nvSpPr>
+            <p:spPr>
+              <a:xfrm>
+                <a:off x="7628127" y="618030"/>
+                <a:ext cx="2291269" cy="2291269"/>
+              </a:xfrm>
+              <a:prstGeom prst="ellipse">
+                <a:avLst/>
+              </a:prstGeom>
+              <a:noFill/>
+              <a:ln w="47625">
+                <a:gradFill>
+                  <a:gsLst>
+                    <a:gs pos="25000">
+                      <a:srgbClr val="F4976C"/>
+                    </a:gs>
+                    <a:gs pos="0">
+                      <a:srgbClr val="FBE8A6"/>
+                    </a:gs>
+                    <a:gs pos="50000">
+                      <a:srgbClr val="303C6C"/>
+                    </a:gs>
+                    <a:gs pos="75000">
+                      <a:srgbClr val="B4DFE5"/>
+                    </a:gs>
+                    <a:gs pos="100000">
+                      <a:srgbClr val="D2FCFD"/>
+                    </a:gs>
+                  </a:gsLst>
+                  <a:lin ang="5400000" scaled="1"/>
+                </a:gradFill>
+              </a:ln>
+            </p:spPr>
+            <p:style>
+              <a:lnRef idx="2">
+                <a:schemeClr val="accent1">
+                  <a:shade val="50000"/>
+                </a:schemeClr>
+              </a:lnRef>
+              <a:fillRef idx="1">
+                <a:schemeClr val="accent1"/>
+              </a:fillRef>
+              <a:effectRef idx="0">
+                <a:schemeClr val="accent1"/>
+              </a:effectRef>
+              <a:fontRef idx="minor">
+                <a:schemeClr val="lt1"/>
+              </a:fontRef>
+            </p:style>
+            <p:txBody>
+              <a:bodyPr rtlCol="0" anchor="ctr"/>
+              <a:lstStyle/>
+              <a:p>
+                <a:pPr algn="ctr"/>
+                <a:endParaRPr lang="ko-KR" altLang="en-US"/>
+              </a:p>
+            </p:txBody>
+          </p:sp>
+          <p:sp>
+            <p:nvSpPr>
+              <p:cNvPr id="10" name="타원 9"/>
+              <p:cNvSpPr/>
+              <p:nvPr/>
+            </p:nvSpPr>
+            <p:spPr>
+              <a:xfrm>
+                <a:off x="7744511" y="724121"/>
+                <a:ext cx="2058502" cy="2079087"/>
+              </a:xfrm>
+              <a:prstGeom prst="ellipse">
+                <a:avLst/>
+              </a:prstGeom>
+              <a:noFill/>
+              <a:ln w="47625">
+                <a:gradFill>
+                  <a:gsLst>
+                    <a:gs pos="25000">
+                      <a:srgbClr val="F4976C"/>
+                    </a:gs>
+                    <a:gs pos="0">
+                      <a:srgbClr val="FBE8A6"/>
+                    </a:gs>
+                    <a:gs pos="50000">
+                      <a:srgbClr val="303C6C"/>
+                    </a:gs>
+                    <a:gs pos="75000">
+                      <a:srgbClr val="B4DFE5"/>
+                    </a:gs>
+                    <a:gs pos="100000">
+                      <a:srgbClr val="D2FCFD"/>
+                    </a:gs>
+                  </a:gsLst>
+                  <a:lin ang="5400000" scaled="1"/>
+                </a:gradFill>
+              </a:ln>
+            </p:spPr>
+            <p:style>
+              <a:lnRef idx="2">
+                <a:schemeClr val="accent1">
+                  <a:shade val="50000"/>
+                </a:schemeClr>
+              </a:lnRef>
+              <a:fillRef idx="1">
+                <a:schemeClr val="accent1"/>
+              </a:fillRef>
+              <a:effectRef idx="0">
+                <a:schemeClr val="accent1"/>
+              </a:effectRef>
+              <a:fontRef idx="minor">
+                <a:schemeClr val="lt1"/>
+              </a:fontRef>
+            </p:style>
+            <p:txBody>
+              <a:bodyPr rtlCol="0" anchor="ctr"/>
+              <a:lstStyle/>
+              <a:p>
+                <a:pPr algn="ctr"/>
+                <a:endParaRPr lang="ko-KR" altLang="en-US"/>
+              </a:p>
+            </p:txBody>
+          </p:sp>
+          <p:sp>
+            <p:nvSpPr>
+              <p:cNvPr id="11" name="타원 10"/>
+              <p:cNvSpPr/>
+              <p:nvPr/>
+            </p:nvSpPr>
+            <p:spPr>
+              <a:xfrm>
+                <a:off x="7860354" y="841122"/>
+                <a:ext cx="1826816" cy="1845084"/>
+              </a:xfrm>
+              <a:prstGeom prst="ellipse">
+                <a:avLst/>
+              </a:prstGeom>
+              <a:noFill/>
+              <a:ln w="47625">
+                <a:gradFill>
+                  <a:gsLst>
+                    <a:gs pos="25000">
+                      <a:srgbClr val="F4976C"/>
+                    </a:gs>
+                    <a:gs pos="0">
+                      <a:srgbClr val="FBE8A6"/>
+                    </a:gs>
+                    <a:gs pos="50000">
+                      <a:srgbClr val="303C6C"/>
+                    </a:gs>
+                    <a:gs pos="75000">
+                      <a:srgbClr val="B4DFE5"/>
+                    </a:gs>
+                    <a:gs pos="100000">
+                      <a:srgbClr val="D2FCFD"/>
+                    </a:gs>
+                  </a:gsLst>
+                  <a:lin ang="5400000" scaled="1"/>
+                </a:gradFill>
+              </a:ln>
+            </p:spPr>
+            <p:style>
+              <a:lnRef idx="2">
+                <a:schemeClr val="accent1">
+                  <a:shade val="50000"/>
+                </a:schemeClr>
+              </a:lnRef>
+              <a:fillRef idx="1">
+                <a:schemeClr val="accent1"/>
+              </a:fillRef>
+              <a:effectRef idx="0">
+                <a:schemeClr val="accent1"/>
+              </a:effectRef>
+              <a:fontRef idx="minor">
+                <a:schemeClr val="lt1"/>
+              </a:fontRef>
+            </p:style>
+            <p:txBody>
+              <a:bodyPr rtlCol="0" anchor="ctr"/>
+              <a:lstStyle/>
+              <a:p>
+                <a:pPr algn="ctr"/>
+                <a:endParaRPr lang="ko-KR" altLang="en-US"/>
+              </a:p>
+            </p:txBody>
+          </p:sp>
+          <p:sp>
+            <p:nvSpPr>
+              <p:cNvPr id="12" name="타원 11"/>
+              <p:cNvSpPr/>
+              <p:nvPr/>
+            </p:nvSpPr>
+            <p:spPr>
+              <a:xfrm>
+                <a:off x="7963158" y="944954"/>
+                <a:ext cx="1621208" cy="1637420"/>
+              </a:xfrm>
+              <a:prstGeom prst="ellipse">
+                <a:avLst/>
+              </a:prstGeom>
+              <a:noFill/>
+              <a:ln w="47625">
+                <a:gradFill>
+                  <a:gsLst>
+                    <a:gs pos="25000">
+                      <a:srgbClr val="F4976C"/>
+                    </a:gs>
+                    <a:gs pos="0">
+                      <a:srgbClr val="FBE8A6"/>
+                    </a:gs>
+                    <a:gs pos="50000">
+                      <a:srgbClr val="303C6C"/>
+                    </a:gs>
+                    <a:gs pos="75000">
+                      <a:srgbClr val="B4DFE5"/>
+                    </a:gs>
+                    <a:gs pos="100000">
+                      <a:srgbClr val="D2FCFD"/>
+                    </a:gs>
+                  </a:gsLst>
+                  <a:lin ang="5400000" scaled="1"/>
+                </a:gradFill>
+              </a:ln>
+            </p:spPr>
+            <p:style>
+              <a:lnRef idx="2">
+                <a:schemeClr val="accent1">
+                  <a:shade val="50000"/>
+                </a:schemeClr>
+              </a:lnRef>
+              <a:fillRef idx="1">
+                <a:schemeClr val="accent1"/>
+              </a:fillRef>
+              <a:effectRef idx="0">
+                <a:schemeClr val="accent1"/>
+              </a:effectRef>
+              <a:fontRef idx="minor">
+                <a:schemeClr val="lt1"/>
+              </a:fontRef>
+            </p:style>
+            <p:txBody>
+              <a:bodyPr rtlCol="0" anchor="ctr"/>
+              <a:lstStyle/>
+              <a:p>
+                <a:pPr algn="ctr"/>
+                <a:endParaRPr lang="ko-KR" altLang="en-US"/>
+              </a:p>
+            </p:txBody>
+          </p:sp>
+        </p:grpSp>
+        <p:sp>
+          <p:nvSpPr>
+            <p:cNvPr id="13" name="직사각형 12"/>
+            <p:cNvSpPr/>
+            <p:nvPr/>
+          </p:nvSpPr>
+          <p:spPr>
+            <a:xfrm>
+              <a:off x="4148992" y="2715705"/>
+              <a:ext cx="3894015" cy="1200329"/>
+            </a:xfrm>
+            <a:prstGeom prst="rect">
+              <a:avLst/>
+            </a:prstGeom>
+            <a:noFill/>
+          </p:spPr>
+          <p:txBody>
+            <a:bodyPr wrap="none" lIns="91440" tIns="45720" rIns="91440" bIns="45720">
+              <a:spAutoFit/>
+            </a:bodyPr>
+            <a:lstStyle/>
+            <a:p>
+              <a:pPr algn="dist"/>
+              <a:r>
+                <a:rPr lang="en-US" altLang="ko-KR" sz="7200" b="1" spc="-300" dirty="0" smtClean="0">
+                  <a:ln w="0"/>
+                  <a:solidFill>
+                    <a:schemeClr val="bg1"/>
+                  </a:solidFill>
+                  <a:effectLst>
+                    <a:outerShdw blurRad="38100" dist="19050" dir="2700000" algn="tl" rotWithShape="0">
+                      <a:schemeClr val="dk1">
+                        <a:alpha val="40000"/>
+                      </a:schemeClr>
+                    </a:outerShdw>
+                  </a:effectLst>
+                  <a:latin typeface="Zen Tokyo Zoo" pitchFamily="2" charset="0"/>
+                </a:rPr>
+                <a:t>r</a:t>
+              </a:r>
+              <a:r>
+                <a:rPr lang="en-US" altLang="ko-KR" sz="7200" b="1" cap="none" spc="-300" dirty="0" smtClean="0">
+                  <a:ln w="0"/>
+                  <a:solidFill>
+                    <a:schemeClr val="bg1"/>
+                  </a:solidFill>
+                  <a:effectLst>
+                    <a:outerShdw blurRad="38100" dist="19050" dir="2700000" algn="tl" rotWithShape="0">
+                      <a:schemeClr val="dk1">
+                        <a:alpha val="40000"/>
+                      </a:schemeClr>
+                    </a:outerShdw>
+                  </a:effectLst>
+                  <a:latin typeface="Zen Tokyo Zoo" pitchFamily="2" charset="0"/>
+                </a:rPr>
+                <a:t>outing star</a:t>
+              </a:r>
+            </a:p>
+          </p:txBody>
+        </p:sp>
+      </p:grpSp>
+    </p:spTree>
+    <p:extLst>
+      <p:ext uri="{BB962C8B-B14F-4D97-AF65-F5344CB8AC3E}">
+        <p14:creationId xmlns:p14="http://schemas.microsoft.com/office/powerpoint/2010/main" val="1953701246"/>
+      </p:ext>
+    </p:extLst>
+  </p:cSld>
+  <p:clrMapOvr>
+    <a:masterClrMapping/>
+  </p:clrMapOvr>
+  <p:timing>
+    <p:tnLst>
+      <p:par>
+        <p:cTn id="1" dur="indefinite" restart="never" nodeType="tmRoot"/>
+      </p:par>
+    </p:tnLst>
+  </p:timing>
+</p:sld>
+</file>
+
+<file path=ppt/slides/slide25.xml><?xml version="1.0" encoding="utf-8"?>
+<p:sld xmlns:a="http://schemas.openxmlformats.org/drawingml/2006/main" xmlns:r="http://schemas.openxmlformats.org/officeDocument/2006/relationships" xmlns:p="http://schemas.openxmlformats.org/presentationml/2006/main">
+  <p:cSld>
+    <p:spTree>
+      <p:nvGrpSpPr>
+        <p:cNvPr id="1" name=""/>
+        <p:cNvGrpSpPr/>
+        <p:nvPr/>
+      </p:nvGrpSpPr>
+      <p:grpSpPr>
+        <a:xfrm>
+          <a:off x="0" y="0"/>
+          <a:ext cx="0" cy="0"/>
+          <a:chOff x="0" y="0"/>
+          <a:chExt cx="0" cy="0"/>
+        </a:xfrm>
+      </p:grpSpPr>
+      <p:sp>
+        <p:nvSpPr>
+          <p:cNvPr id="2" name="제목 1"/>
+          <p:cNvSpPr>
+            <a:spLocks noGrp="1"/>
+          </p:cNvSpPr>
+          <p:nvPr>
+            <p:ph type="title"/>
+          </p:nvPr>
+        </p:nvSpPr>
+        <p:spPr/>
+        <p:txBody>
+          <a:bodyPr/>
+          <a:lstStyle/>
+          <a:p>
+            <a:endParaRPr lang="ko-KR" altLang="en-US"/>
+          </a:p>
+        </p:txBody>
+      </p:sp>
+      <p:sp>
+        <p:nvSpPr>
+          <p:cNvPr id="3" name="내용 개체 틀 2"/>
+          <p:cNvSpPr>
+            <a:spLocks noGrp="1"/>
+          </p:cNvSpPr>
+          <p:nvPr>
+            <p:ph idx="1"/>
+          </p:nvPr>
+        </p:nvSpPr>
+        <p:spPr/>
+        <p:txBody>
+          <a:bodyPr/>
+          <a:lstStyle/>
+          <a:p>
+            <a:endParaRPr lang="ko-KR" altLang="en-US"/>
+          </a:p>
+        </p:txBody>
+      </p:sp>
+      <p:sp>
+        <p:nvSpPr>
+          <p:cNvPr id="4" name="직사각형 3"/>
+          <p:cNvSpPr/>
+          <p:nvPr/>
+        </p:nvSpPr>
+        <p:spPr>
+          <a:xfrm>
+            <a:off x="0" y="0"/>
+            <a:ext cx="12192000" cy="6858000"/>
+          </a:xfrm>
+          <a:prstGeom prst="rect">
+            <a:avLst/>
+          </a:prstGeom>
+          <a:solidFill>
+            <a:schemeClr val="tx1"/>
+          </a:solidFill>
+        </p:spPr>
+        <p:style>
+          <a:lnRef idx="2">
+            <a:schemeClr val="accent1">
+              <a:shade val="50000"/>
+            </a:schemeClr>
+          </a:lnRef>
+          <a:fillRef idx="1">
+            <a:schemeClr val="accent1"/>
+          </a:fillRef>
+          <a:effectRef idx="0">
+            <a:schemeClr val="accent1"/>
+          </a:effectRef>
+          <a:fontRef idx="minor">
+            <a:schemeClr val="lt1"/>
+          </a:fontRef>
+        </p:style>
+        <p:txBody>
+          <a:bodyPr rtlCol="0" anchor="ctr"/>
+          <a:lstStyle/>
+          <a:p>
+            <a:pPr algn="ctr"/>
+            <a:endParaRPr lang="ko-KR" altLang="en-US"/>
+          </a:p>
+        </p:txBody>
+      </p:sp>
+      <p:grpSp>
+        <p:nvGrpSpPr>
+          <p:cNvPr id="14" name="그룹 13"/>
+          <p:cNvGrpSpPr/>
+          <p:nvPr/>
+        </p:nvGrpSpPr>
+        <p:grpSpPr>
+          <a:xfrm>
+            <a:off x="3506412" y="2165843"/>
+            <a:ext cx="5179175" cy="2738626"/>
+            <a:chOff x="3506412" y="2165843"/>
+            <a:chExt cx="5179175" cy="2738626"/>
+          </a:xfrm>
+        </p:grpSpPr>
+        <p:grpSp>
+          <p:nvGrpSpPr>
+            <p:cNvPr id="6" name="그룹 5"/>
+            <p:cNvGrpSpPr/>
+            <p:nvPr/>
+          </p:nvGrpSpPr>
+          <p:grpSpPr>
+            <a:xfrm>
+              <a:off x="4726686" y="2165843"/>
+              <a:ext cx="2738626" cy="2738626"/>
+              <a:chOff x="7404449" y="394352"/>
+              <a:chExt cx="2738626" cy="2738626"/>
+            </a:xfrm>
+          </p:grpSpPr>
+          <p:sp>
+            <p:nvSpPr>
+              <p:cNvPr id="7" name="타원 6"/>
+              <p:cNvSpPr/>
+              <p:nvPr/>
+            </p:nvSpPr>
+            <p:spPr>
+              <a:xfrm>
+                <a:off x="7404449" y="394352"/>
+                <a:ext cx="2738626" cy="2738626"/>
+              </a:xfrm>
+              <a:prstGeom prst="ellipse">
+                <a:avLst/>
+              </a:prstGeom>
+              <a:noFill/>
+              <a:ln w="47625">
+                <a:gradFill>
+                  <a:gsLst>
+                    <a:gs pos="25000">
+                      <a:srgbClr val="F4976C"/>
+                    </a:gs>
+                    <a:gs pos="0">
+                      <a:srgbClr val="FBE8A6"/>
+                    </a:gs>
+                    <a:gs pos="50000">
+                      <a:srgbClr val="303C6C"/>
+                    </a:gs>
+                    <a:gs pos="75000">
+                      <a:srgbClr val="B4DFE5"/>
+                    </a:gs>
+                    <a:gs pos="100000">
+                      <a:srgbClr val="D2FCFD"/>
+                    </a:gs>
+                  </a:gsLst>
+                  <a:lin ang="5400000" scaled="1"/>
+                </a:gradFill>
+              </a:ln>
+            </p:spPr>
+            <p:style>
+              <a:lnRef idx="2">
+                <a:schemeClr val="accent1">
+                  <a:shade val="50000"/>
+                </a:schemeClr>
+              </a:lnRef>
+              <a:fillRef idx="1">
+                <a:schemeClr val="accent1"/>
+              </a:fillRef>
+              <a:effectRef idx="0">
+                <a:schemeClr val="accent1"/>
+              </a:effectRef>
+              <a:fontRef idx="minor">
+                <a:schemeClr val="lt1"/>
+              </a:fontRef>
+            </p:style>
+            <p:txBody>
+              <a:bodyPr rtlCol="0" anchor="ctr"/>
+              <a:lstStyle/>
+              <a:p>
+                <a:pPr algn="ctr"/>
+                <a:endParaRPr lang="ko-KR" altLang="en-US"/>
+              </a:p>
+            </p:txBody>
+          </p:sp>
+          <p:sp>
+            <p:nvSpPr>
+              <p:cNvPr id="8" name="타원 7"/>
+              <p:cNvSpPr/>
+              <p:nvPr/>
+            </p:nvSpPr>
+            <p:spPr>
+              <a:xfrm>
+                <a:off x="7518489" y="508392"/>
+                <a:ext cx="2510546" cy="2510546"/>
+              </a:xfrm>
+              <a:prstGeom prst="ellipse">
+                <a:avLst/>
+              </a:prstGeom>
+              <a:noFill/>
+              <a:ln w="47625">
+                <a:gradFill>
+                  <a:gsLst>
+                    <a:gs pos="25000">
+                      <a:srgbClr val="F4976C"/>
+                    </a:gs>
+                    <a:gs pos="0">
+                      <a:srgbClr val="FBE8A6"/>
+                    </a:gs>
+                    <a:gs pos="50000">
+                      <a:srgbClr val="303C6C"/>
+                    </a:gs>
+                    <a:gs pos="75000">
+                      <a:srgbClr val="B4DFE5"/>
+                    </a:gs>
+                    <a:gs pos="100000">
+                      <a:srgbClr val="D2FCFD"/>
+                    </a:gs>
+                  </a:gsLst>
+                  <a:lin ang="5400000" scaled="1"/>
+                </a:gradFill>
+              </a:ln>
+            </p:spPr>
+            <p:style>
+              <a:lnRef idx="2">
+                <a:schemeClr val="accent1">
+                  <a:shade val="50000"/>
+                </a:schemeClr>
+              </a:lnRef>
+              <a:fillRef idx="1">
+                <a:schemeClr val="accent1"/>
+              </a:fillRef>
+              <a:effectRef idx="0">
+                <a:schemeClr val="accent1"/>
+              </a:effectRef>
+              <a:fontRef idx="minor">
+                <a:schemeClr val="lt1"/>
+              </a:fontRef>
+            </p:style>
+            <p:txBody>
+              <a:bodyPr rtlCol="0" anchor="ctr"/>
+              <a:lstStyle/>
+              <a:p>
+                <a:pPr algn="ctr"/>
+                <a:endParaRPr lang="ko-KR" altLang="en-US"/>
+              </a:p>
+            </p:txBody>
+          </p:sp>
+          <p:sp>
+            <p:nvSpPr>
+              <p:cNvPr id="9" name="타원 8"/>
+              <p:cNvSpPr/>
+              <p:nvPr/>
+            </p:nvSpPr>
+            <p:spPr>
+              <a:xfrm>
+                <a:off x="7518489" y="508392"/>
+                <a:ext cx="2510546" cy="2510546"/>
+              </a:xfrm>
+              <a:prstGeom prst="ellipse">
+                <a:avLst/>
+              </a:prstGeom>
+              <a:noFill/>
+              <a:ln w="47625">
+                <a:gradFill>
+                  <a:gsLst>
+                    <a:gs pos="25000">
+                      <a:srgbClr val="F4976C"/>
+                    </a:gs>
+                    <a:gs pos="0">
+                      <a:srgbClr val="FBE8A6"/>
+                    </a:gs>
+                    <a:gs pos="50000">
+                      <a:srgbClr val="303C6C"/>
+                    </a:gs>
+                    <a:gs pos="75000">
+                      <a:srgbClr val="B4DFE5"/>
+                    </a:gs>
+                    <a:gs pos="100000">
+                      <a:srgbClr val="D2FCFD"/>
+                    </a:gs>
+                  </a:gsLst>
+                  <a:lin ang="5400000" scaled="1"/>
+                </a:gradFill>
+              </a:ln>
+            </p:spPr>
+            <p:style>
+              <a:lnRef idx="2">
+                <a:schemeClr val="accent1">
+                  <a:shade val="50000"/>
+                </a:schemeClr>
+              </a:lnRef>
+              <a:fillRef idx="1">
+                <a:schemeClr val="accent1"/>
+              </a:fillRef>
+              <a:effectRef idx="0">
+                <a:schemeClr val="accent1"/>
+              </a:effectRef>
+              <a:fontRef idx="minor">
+                <a:schemeClr val="lt1"/>
+              </a:fontRef>
+            </p:style>
+            <p:txBody>
+              <a:bodyPr rtlCol="0" anchor="ctr"/>
+              <a:lstStyle/>
+              <a:p>
+                <a:pPr algn="ctr"/>
+                <a:endParaRPr lang="ko-KR" altLang="en-US"/>
+              </a:p>
+            </p:txBody>
+          </p:sp>
+          <p:sp>
+            <p:nvSpPr>
+              <p:cNvPr id="10" name="타원 9"/>
+              <p:cNvSpPr/>
+              <p:nvPr/>
+            </p:nvSpPr>
+            <p:spPr>
+              <a:xfrm>
+                <a:off x="7628127" y="618030"/>
+                <a:ext cx="2291269" cy="2291269"/>
+              </a:xfrm>
+              <a:prstGeom prst="ellipse">
+                <a:avLst/>
+              </a:prstGeom>
+              <a:noFill/>
+              <a:ln w="47625">
+                <a:gradFill>
+                  <a:gsLst>
+                    <a:gs pos="25000">
+                      <a:srgbClr val="F4976C"/>
+                    </a:gs>
+                    <a:gs pos="0">
+                      <a:srgbClr val="FBE8A6"/>
+                    </a:gs>
+                    <a:gs pos="50000">
+                      <a:srgbClr val="303C6C"/>
+                    </a:gs>
+                    <a:gs pos="75000">
+                      <a:srgbClr val="B4DFE5"/>
+                    </a:gs>
+                    <a:gs pos="100000">
+                      <a:srgbClr val="D2FCFD"/>
+                    </a:gs>
+                  </a:gsLst>
+                  <a:lin ang="5400000" scaled="1"/>
+                </a:gradFill>
+              </a:ln>
+            </p:spPr>
+            <p:style>
+              <a:lnRef idx="2">
+                <a:schemeClr val="accent1">
+                  <a:shade val="50000"/>
+                </a:schemeClr>
+              </a:lnRef>
+              <a:fillRef idx="1">
+                <a:schemeClr val="accent1"/>
+              </a:fillRef>
+              <a:effectRef idx="0">
+                <a:schemeClr val="accent1"/>
+              </a:effectRef>
+              <a:fontRef idx="minor">
+                <a:schemeClr val="lt1"/>
+              </a:fontRef>
+            </p:style>
+            <p:txBody>
+              <a:bodyPr rtlCol="0" anchor="ctr"/>
+              <a:lstStyle/>
+              <a:p>
+                <a:pPr algn="ctr"/>
+                <a:endParaRPr lang="ko-KR" altLang="en-US"/>
+              </a:p>
+            </p:txBody>
+          </p:sp>
+          <p:sp>
+            <p:nvSpPr>
+              <p:cNvPr id="11" name="타원 10"/>
+              <p:cNvSpPr/>
+              <p:nvPr/>
+            </p:nvSpPr>
+            <p:spPr>
+              <a:xfrm>
+                <a:off x="7744511" y="724121"/>
+                <a:ext cx="2058502" cy="2079087"/>
+              </a:xfrm>
+              <a:prstGeom prst="ellipse">
+                <a:avLst/>
+              </a:prstGeom>
+              <a:noFill/>
+              <a:ln w="47625">
+                <a:gradFill>
+                  <a:gsLst>
+                    <a:gs pos="25000">
+                      <a:srgbClr val="F4976C"/>
+                    </a:gs>
+                    <a:gs pos="0">
+                      <a:srgbClr val="FBE8A6"/>
+                    </a:gs>
+                    <a:gs pos="50000">
+                      <a:srgbClr val="303C6C"/>
+                    </a:gs>
+                    <a:gs pos="75000">
+                      <a:srgbClr val="B4DFE5"/>
+                    </a:gs>
+                    <a:gs pos="100000">
+                      <a:srgbClr val="D2FCFD"/>
+                    </a:gs>
+                  </a:gsLst>
+                  <a:lin ang="5400000" scaled="1"/>
+                </a:gradFill>
+              </a:ln>
+            </p:spPr>
+            <p:style>
+              <a:lnRef idx="2">
+                <a:schemeClr val="accent1">
+                  <a:shade val="50000"/>
+                </a:schemeClr>
+              </a:lnRef>
+              <a:fillRef idx="1">
+                <a:schemeClr val="accent1"/>
+              </a:fillRef>
+              <a:effectRef idx="0">
+                <a:schemeClr val="accent1"/>
+              </a:effectRef>
+              <a:fontRef idx="minor">
+                <a:schemeClr val="lt1"/>
+              </a:fontRef>
+            </p:style>
+            <p:txBody>
+              <a:bodyPr rtlCol="0" anchor="ctr"/>
+              <a:lstStyle/>
+              <a:p>
+                <a:pPr algn="ctr"/>
+                <a:endParaRPr lang="ko-KR" altLang="en-US"/>
+              </a:p>
+            </p:txBody>
+          </p:sp>
+          <p:sp>
+            <p:nvSpPr>
+              <p:cNvPr id="12" name="타원 11"/>
+              <p:cNvSpPr/>
+              <p:nvPr/>
+            </p:nvSpPr>
+            <p:spPr>
+              <a:xfrm>
+                <a:off x="7860354" y="841122"/>
+                <a:ext cx="1826816" cy="1845084"/>
+              </a:xfrm>
+              <a:prstGeom prst="ellipse">
+                <a:avLst/>
+              </a:prstGeom>
+              <a:noFill/>
+              <a:ln w="47625">
+                <a:gradFill>
+                  <a:gsLst>
+                    <a:gs pos="25000">
+                      <a:srgbClr val="F4976C"/>
+                    </a:gs>
+                    <a:gs pos="0">
+                      <a:srgbClr val="FBE8A6"/>
+                    </a:gs>
+                    <a:gs pos="50000">
+                      <a:srgbClr val="303C6C"/>
+                    </a:gs>
+                    <a:gs pos="75000">
+                      <a:srgbClr val="B4DFE5"/>
+                    </a:gs>
+                    <a:gs pos="100000">
+                      <a:srgbClr val="D2FCFD"/>
+                    </a:gs>
+                  </a:gsLst>
+                  <a:lin ang="5400000" scaled="1"/>
+                </a:gradFill>
+              </a:ln>
+            </p:spPr>
+            <p:style>
+              <a:lnRef idx="2">
+                <a:schemeClr val="accent1">
+                  <a:shade val="50000"/>
+                </a:schemeClr>
+              </a:lnRef>
+              <a:fillRef idx="1">
+                <a:schemeClr val="accent1"/>
+              </a:fillRef>
+              <a:effectRef idx="0">
+                <a:schemeClr val="accent1"/>
+              </a:effectRef>
+              <a:fontRef idx="minor">
+                <a:schemeClr val="lt1"/>
+              </a:fontRef>
+            </p:style>
+            <p:txBody>
+              <a:bodyPr rtlCol="0" anchor="ctr"/>
+              <a:lstStyle/>
+              <a:p>
+                <a:pPr algn="ctr"/>
+                <a:endParaRPr lang="ko-KR" altLang="en-US"/>
+              </a:p>
+            </p:txBody>
+          </p:sp>
+          <p:sp>
+            <p:nvSpPr>
+              <p:cNvPr id="13" name="타원 12"/>
+              <p:cNvSpPr/>
+              <p:nvPr/>
+            </p:nvSpPr>
+            <p:spPr>
+              <a:xfrm>
+                <a:off x="7963158" y="944954"/>
+                <a:ext cx="1621208" cy="1637420"/>
+              </a:xfrm>
+              <a:prstGeom prst="ellipse">
+                <a:avLst/>
+              </a:prstGeom>
+              <a:noFill/>
+              <a:ln w="47625">
+                <a:gradFill>
+                  <a:gsLst>
+                    <a:gs pos="25000">
+                      <a:srgbClr val="F4976C"/>
+                    </a:gs>
+                    <a:gs pos="0">
+                      <a:srgbClr val="FBE8A6"/>
+                    </a:gs>
+                    <a:gs pos="50000">
+                      <a:srgbClr val="303C6C"/>
+                    </a:gs>
+                    <a:gs pos="75000">
+                      <a:srgbClr val="B4DFE5"/>
+                    </a:gs>
+                    <a:gs pos="100000">
+                      <a:srgbClr val="D2FCFD"/>
+                    </a:gs>
+                  </a:gsLst>
+                  <a:lin ang="5400000" scaled="1"/>
+                </a:gradFill>
+              </a:ln>
+            </p:spPr>
+            <p:style>
+              <a:lnRef idx="2">
+                <a:schemeClr val="accent1">
+                  <a:shade val="50000"/>
+                </a:schemeClr>
+              </a:lnRef>
+              <a:fillRef idx="1">
+                <a:schemeClr val="accent1"/>
+              </a:fillRef>
+              <a:effectRef idx="0">
+                <a:schemeClr val="accent1"/>
+              </a:effectRef>
+              <a:fontRef idx="minor">
+                <a:schemeClr val="lt1"/>
+              </a:fontRef>
+            </p:style>
+            <p:txBody>
+              <a:bodyPr rtlCol="0" anchor="ctr"/>
+              <a:lstStyle/>
+              <a:p>
+                <a:pPr algn="ctr"/>
+                <a:endParaRPr lang="ko-KR" altLang="en-US"/>
+              </a:p>
+            </p:txBody>
+          </p:sp>
+        </p:grpSp>
+        <p:sp>
+          <p:nvSpPr>
+            <p:cNvPr id="5" name="직사각형 4"/>
+            <p:cNvSpPr/>
+            <p:nvPr/>
+          </p:nvSpPr>
+          <p:spPr>
+            <a:xfrm>
+              <a:off x="3506412" y="2967335"/>
+              <a:ext cx="5179175" cy="923330"/>
+            </a:xfrm>
+            <a:prstGeom prst="rect">
+              <a:avLst/>
+            </a:prstGeom>
+            <a:noFill/>
+          </p:spPr>
+          <p:txBody>
+            <a:bodyPr wrap="none" lIns="91440" tIns="45720" rIns="91440" bIns="45720">
+              <a:spAutoFit/>
+            </a:bodyPr>
+            <a:lstStyle/>
+            <a:p>
+              <a:pPr algn="dist"/>
+              <a:r>
+                <a:rPr lang="en-US" altLang="ko-KR" sz="5400" b="0" cap="none" spc="-300" dirty="0" smtClean="0">
+                  <a:ln w="0"/>
+                  <a:solidFill>
+                    <a:schemeClr val="bg1"/>
+                  </a:solidFill>
+                  <a:effectLst>
+                    <a:outerShdw blurRad="38100" dist="19050" dir="2700000" algn="tl" rotWithShape="0">
+                      <a:schemeClr val="dk1">
+                        <a:alpha val="40000"/>
+                      </a:schemeClr>
+                    </a:outerShdw>
+                  </a:effectLst>
+                  <a:latin typeface="Stencil Std" panose="04020904080802020404" pitchFamily="82" charset="0"/>
+                </a:rPr>
+                <a:t>Routing Star</a:t>
+              </a:r>
+            </a:p>
+          </p:txBody>
+        </p:sp>
+      </p:grpSp>
+    </p:spTree>
+    <p:extLst>
+      <p:ext uri="{BB962C8B-B14F-4D97-AF65-F5344CB8AC3E}">
+        <p14:creationId xmlns:p14="http://schemas.microsoft.com/office/powerpoint/2010/main" val="3991441759"/>
+      </p:ext>
+    </p:extLst>
+  </p:cSld>
+  <p:clrMapOvr>
+    <a:masterClrMapping/>
+  </p:clrMapOvr>
+  <p:timing>
+    <p:tnLst>
+      <p:par>
+        <p:cTn id="1" dur="indefinite" restart="never" nodeType="tmRoot"/>
+      </p:par>
+    </p:tnLst>
+  </p:timing>
+</p:sld>
+</file>
+
+<file path=ppt/slides/slide3.xml><?xml version="1.0" encoding="utf-8"?>
+<p:sld xmlns:a="http://schemas.openxmlformats.org/drawingml/2006/main" xmlns:r="http://schemas.openxmlformats.org/officeDocument/2006/relationships" xmlns:p="http://schemas.openxmlformats.org/presentationml/2006/main">
+  <p:cSld>
+    <p:spTree>
+      <p:nvGrpSpPr>
+        <p:cNvPr id="1" name=""/>
+        <p:cNvGrpSpPr/>
+        <p:nvPr/>
+      </p:nvGrpSpPr>
+      <p:grpSpPr>
+        <a:xfrm>
+          <a:off x="0" y="0"/>
+          <a:ext cx="0" cy="0"/>
+          <a:chOff x="0" y="0"/>
+          <a:chExt cx="0" cy="0"/>
+        </a:xfrm>
+      </p:grpSpPr>
+      <p:pic>
+        <p:nvPicPr>
+          <p:cNvPr id="6" name="그림 5"/>
+          <p:cNvPicPr>
+            <a:picLocks noChangeAspect="1"/>
+          </p:cNvPicPr>
+          <p:nvPr/>
+        </p:nvPicPr>
+        <p:blipFill>
+          <a:blip r:embed="rId2" cstate="print">
+            <a:extLst>
+              <a:ext uri="{28A0092B-C50C-407E-A947-70E740481C1C}">
+                <a14:useLocalDpi xmlns:a14="http://schemas.microsoft.com/office/drawing/2010/main" val="0"/>
+              </a:ext>
+            </a:extLst>
+          </a:blip>
+          <a:srcRect/>
+          <a:stretch>
+            <a:fillRect/>
+          </a:stretch>
+        </p:blipFill>
+        <p:spPr>
+          <a:xfrm>
+            <a:off x="3505200" y="792480"/>
+            <a:ext cx="4602480" cy="4602480"/>
+          </a:xfrm>
+          <a:custGeom>
+            <a:avLst/>
+            <a:gdLst>
+              <a:gd name="connsiteX0" fmla="*/ 2301240 w 4602480"/>
+              <a:gd name="connsiteY0" fmla="*/ 0 h 4602480"/>
+              <a:gd name="connsiteX1" fmla="*/ 4602480 w 4602480"/>
+              <a:gd name="connsiteY1" fmla="*/ 2301240 h 4602480"/>
+              <a:gd name="connsiteX2" fmla="*/ 2301240 w 4602480"/>
+              <a:gd name="connsiteY2" fmla="*/ 4602480 h 4602480"/>
+              <a:gd name="connsiteX3" fmla="*/ 0 w 4602480"/>
+              <a:gd name="connsiteY3" fmla="*/ 2301240 h 4602480"/>
+              <a:gd name="connsiteX4" fmla="*/ 2301240 w 4602480"/>
+              <a:gd name="connsiteY4" fmla="*/ 0 h 4602480"/>
+            </a:gdLst>
+            <a:ahLst/>
+            <a:cxnLst>
+              <a:cxn ang="0">
+                <a:pos x="connsiteX0" y="connsiteY0"/>
+              </a:cxn>
+              <a:cxn ang="0">
+                <a:pos x="connsiteX1" y="connsiteY1"/>
+              </a:cxn>
+              <a:cxn ang="0">
+                <a:pos x="connsiteX2" y="connsiteY2"/>
+              </a:cxn>
+              <a:cxn ang="0">
+                <a:pos x="connsiteX3" y="connsiteY3"/>
+              </a:cxn>
+              <a:cxn ang="0">
+                <a:pos x="connsiteX4" y="connsiteY4"/>
+              </a:cxn>
+            </a:cxnLst>
+            <a:rect l="l" t="t" r="r" b="b"/>
+            <a:pathLst>
+              <a:path w="4602480" h="4602480">
+                <a:moveTo>
+                  <a:pt x="2301240" y="0"/>
+                </a:moveTo>
+                <a:cubicBezTo>
+                  <a:pt x="3572180" y="0"/>
+                  <a:pt x="4602480" y="1030300"/>
+                  <a:pt x="4602480" y="2301240"/>
+                </a:cubicBezTo>
+                <a:cubicBezTo>
+                  <a:pt x="4602480" y="3572180"/>
+                  <a:pt x="3572180" y="4602480"/>
+                  <a:pt x="2301240" y="4602480"/>
+                </a:cubicBezTo>
+                <a:cubicBezTo>
+                  <a:pt x="1030300" y="4602480"/>
+                  <a:pt x="0" y="3572180"/>
+                  <a:pt x="0" y="2301240"/>
+                </a:cubicBezTo>
+                <a:cubicBezTo>
+                  <a:pt x="0" y="1030300"/>
+                  <a:pt x="1030300" y="0"/>
+                  <a:pt x="2301240" y="0"/>
+                </a:cubicBezTo>
+                <a:close/>
+              </a:path>
+            </a:pathLst>
+          </a:custGeom>
+        </p:spPr>
+      </p:pic>
+    </p:spTree>
+    <p:extLst>
+      <p:ext uri="{BB962C8B-B14F-4D97-AF65-F5344CB8AC3E}">
+        <p14:creationId xmlns:p14="http://schemas.microsoft.com/office/powerpoint/2010/main" val="2732079576"/>
+      </p:ext>
+    </p:extLst>
+  </p:cSld>
+  <p:clrMapOvr>
+    <a:masterClrMapping/>
+  </p:clrMapOvr>
+  <p:timing>
+    <p:tnLst>
+      <p:par>
+        <p:cTn id="1" dur="indefinite" restart="never" nodeType="tmRoot"/>
+      </p:par>
+    </p:tnLst>
+  </p:timing>
+</p:sld>
+</file>
+
+<file path=ppt/slides/slide4.xml><?xml version="1.0" encoding="utf-8"?>
 <p:sld xmlns:a="http://schemas.openxmlformats.org/drawingml/2006/main" xmlns:r="http://schemas.openxmlformats.org/officeDocument/2006/relationships" xmlns:p="http://schemas.openxmlformats.org/presentationml/2006/main">
   <p:cSld>
     <p:bg>
@@ -11483,2171 +14913,7 @@
 </p:sld>
 </file>
 
-<file path=ppt/slides/slide20.xml><?xml version="1.0" encoding="utf-8"?>
-<p:sld xmlns:a="http://schemas.openxmlformats.org/drawingml/2006/main" xmlns:r="http://schemas.openxmlformats.org/officeDocument/2006/relationships" xmlns:p="http://schemas.openxmlformats.org/presentationml/2006/main">
-  <p:cSld>
-    <p:spTree>
-      <p:nvGrpSpPr>
-        <p:cNvPr id="1" name=""/>
-        <p:cNvGrpSpPr/>
-        <p:nvPr/>
-      </p:nvGrpSpPr>
-      <p:grpSpPr>
-        <a:xfrm>
-          <a:off x="0" y="0"/>
-          <a:ext cx="0" cy="0"/>
-          <a:chOff x="0" y="0"/>
-          <a:chExt cx="0" cy="0"/>
-        </a:xfrm>
-      </p:grpSpPr>
-      <p:sp>
-        <p:nvSpPr>
-          <p:cNvPr id="8" name="직사각형 7"/>
-          <p:cNvSpPr/>
-          <p:nvPr/>
-        </p:nvSpPr>
-        <p:spPr>
-          <a:xfrm>
-            <a:off x="0" y="0"/>
-            <a:ext cx="12192000" cy="6858000"/>
-          </a:xfrm>
-          <a:prstGeom prst="rect">
-            <a:avLst/>
-          </a:prstGeom>
-          <a:solidFill>
-            <a:schemeClr val="tx1"/>
-          </a:solidFill>
-        </p:spPr>
-        <p:style>
-          <a:lnRef idx="2">
-            <a:schemeClr val="accent1">
-              <a:shade val="50000"/>
-            </a:schemeClr>
-          </a:lnRef>
-          <a:fillRef idx="1">
-            <a:schemeClr val="accent1"/>
-          </a:fillRef>
-          <a:effectRef idx="0">
-            <a:schemeClr val="accent1"/>
-          </a:effectRef>
-          <a:fontRef idx="minor">
-            <a:schemeClr val="lt1"/>
-          </a:fontRef>
-        </p:style>
-        <p:txBody>
-          <a:bodyPr rtlCol="0" anchor="ctr"/>
-          <a:lstStyle/>
-          <a:p>
-            <a:pPr algn="ctr"/>
-            <a:endParaRPr lang="ko-KR" altLang="en-US"/>
-          </a:p>
-        </p:txBody>
-      </p:sp>
-      <p:sp>
-        <p:nvSpPr>
-          <p:cNvPr id="4" name="타원 3"/>
-          <p:cNvSpPr/>
-          <p:nvPr/>
-        </p:nvSpPr>
-        <p:spPr>
-          <a:xfrm>
-            <a:off x="4796789" y="2131150"/>
-            <a:ext cx="2738626" cy="2738626"/>
-          </a:xfrm>
-          <a:prstGeom prst="ellipse">
-            <a:avLst/>
-          </a:prstGeom>
-          <a:noFill/>
-          <a:ln w="47625">
-            <a:gradFill>
-              <a:gsLst>
-                <a:gs pos="25000">
-                  <a:srgbClr val="84CEEB"/>
-                </a:gs>
-                <a:gs pos="0">
-                  <a:srgbClr val="5580E9"/>
-                </a:gs>
-                <a:gs pos="50000">
-                  <a:srgbClr val="5AB8EC"/>
-                </a:gs>
-                <a:gs pos="75000">
-                  <a:srgbClr val="C1C8E4"/>
-                </a:gs>
-                <a:gs pos="100000">
-                  <a:srgbClr val="8860D0"/>
-                </a:gs>
-              </a:gsLst>
-              <a:lin ang="5400000" scaled="1"/>
-            </a:gradFill>
-          </a:ln>
-        </p:spPr>
-        <p:style>
-          <a:lnRef idx="2">
-            <a:schemeClr val="accent1">
-              <a:shade val="50000"/>
-            </a:schemeClr>
-          </a:lnRef>
-          <a:fillRef idx="1">
-            <a:schemeClr val="accent1"/>
-          </a:fillRef>
-          <a:effectRef idx="0">
-            <a:schemeClr val="accent1"/>
-          </a:effectRef>
-          <a:fontRef idx="minor">
-            <a:schemeClr val="lt1"/>
-          </a:fontRef>
-        </p:style>
-        <p:txBody>
-          <a:bodyPr rtlCol="0" anchor="ctr"/>
-          <a:lstStyle/>
-          <a:p>
-            <a:pPr algn="ctr"/>
-            <a:endParaRPr lang="ko-KR" altLang="en-US"/>
-          </a:p>
-        </p:txBody>
-      </p:sp>
-      <p:grpSp>
-        <p:nvGrpSpPr>
-          <p:cNvPr id="5" name="그룹 4"/>
-          <p:cNvGrpSpPr/>
-          <p:nvPr/>
-        </p:nvGrpSpPr>
-        <p:grpSpPr>
-          <a:xfrm>
-            <a:off x="4182193" y="2708081"/>
-            <a:ext cx="2821350" cy="1584763"/>
-            <a:chOff x="4917248" y="2967335"/>
-            <a:chExt cx="2821350" cy="1584763"/>
-          </a:xfrm>
-        </p:grpSpPr>
-        <p:sp>
-          <p:nvSpPr>
-            <p:cNvPr id="6" name="직사각형 5"/>
-            <p:cNvSpPr/>
-            <p:nvPr/>
-          </p:nvSpPr>
-          <p:spPr>
-            <a:xfrm>
-              <a:off x="4917248" y="2967335"/>
-              <a:ext cx="2821350" cy="923330"/>
-            </a:xfrm>
-            <a:prstGeom prst="rect">
-              <a:avLst/>
-            </a:prstGeom>
-            <a:noFill/>
-          </p:spPr>
-          <p:txBody>
-            <a:bodyPr wrap="none" lIns="91440" tIns="45720" rIns="91440" bIns="45720">
-              <a:spAutoFit/>
-            </a:bodyPr>
-            <a:lstStyle/>
-            <a:p>
-              <a:pPr algn="dist"/>
-              <a:r>
-                <a:rPr lang="en-US" altLang="ko-KR" sz="5400" b="0" cap="none" spc="-300" dirty="0" smtClean="0">
-                  <a:ln w="0"/>
-                  <a:solidFill>
-                    <a:schemeClr val="bg1"/>
-                  </a:solidFill>
-                  <a:effectLst>
-                    <a:outerShdw blurRad="38100" dist="19050" dir="2700000" algn="tl" rotWithShape="0">
-                      <a:schemeClr val="dk1">
-                        <a:alpha val="40000"/>
-                      </a:schemeClr>
-                    </a:outerShdw>
-                  </a:effectLst>
-                  <a:latin typeface="Arial Black" panose="020B0A04020102020204" pitchFamily="34" charset="0"/>
-                </a:rPr>
-                <a:t>Routing</a:t>
-              </a:r>
-            </a:p>
-          </p:txBody>
-        </p:sp>
-        <p:sp>
-          <p:nvSpPr>
-            <p:cNvPr id="7" name="직사각형 6"/>
-            <p:cNvSpPr/>
-            <p:nvPr/>
-          </p:nvSpPr>
-          <p:spPr>
-            <a:xfrm>
-              <a:off x="4917248" y="3628768"/>
-              <a:ext cx="1608133" cy="923330"/>
-            </a:xfrm>
-            <a:prstGeom prst="rect">
-              <a:avLst/>
-            </a:prstGeom>
-            <a:noFill/>
-          </p:spPr>
-          <p:txBody>
-            <a:bodyPr wrap="none" lIns="91440" tIns="45720" rIns="91440" bIns="45720">
-              <a:spAutoFit/>
-            </a:bodyPr>
-            <a:lstStyle/>
-            <a:p>
-              <a:pPr algn="dist"/>
-              <a:r>
-                <a:rPr lang="en-US" altLang="ko-KR" sz="5400" b="0" cap="none" spc="-300" dirty="0" smtClean="0">
-                  <a:ln w="0"/>
-                  <a:solidFill>
-                    <a:schemeClr val="bg1"/>
-                  </a:solidFill>
-                  <a:effectLst>
-                    <a:outerShdw blurRad="38100" dist="19050" dir="2700000" algn="tl" rotWithShape="0">
-                      <a:schemeClr val="dk1">
-                        <a:alpha val="40000"/>
-                      </a:schemeClr>
-                    </a:outerShdw>
-                  </a:effectLst>
-                  <a:latin typeface="Arial Black" panose="020B0A04020102020204" pitchFamily="34" charset="0"/>
-                </a:rPr>
-                <a:t>Star</a:t>
-              </a:r>
-            </a:p>
-          </p:txBody>
-        </p:sp>
-      </p:grpSp>
-    </p:spTree>
-    <p:extLst>
-      <p:ext uri="{BB962C8B-B14F-4D97-AF65-F5344CB8AC3E}">
-        <p14:creationId xmlns:p14="http://schemas.microsoft.com/office/powerpoint/2010/main" val="1260952211"/>
-      </p:ext>
-    </p:extLst>
-  </p:cSld>
-  <p:clrMapOvr>
-    <a:masterClrMapping/>
-  </p:clrMapOvr>
-</p:sld>
-</file>
-
-<file path=ppt/slides/slide21.xml><?xml version="1.0" encoding="utf-8"?>
-<p:sld xmlns:a="http://schemas.openxmlformats.org/drawingml/2006/main" xmlns:r="http://schemas.openxmlformats.org/officeDocument/2006/relationships" xmlns:p="http://schemas.openxmlformats.org/presentationml/2006/main">
-  <p:cSld>
-    <p:spTree>
-      <p:nvGrpSpPr>
-        <p:cNvPr id="1" name=""/>
-        <p:cNvGrpSpPr/>
-        <p:nvPr/>
-      </p:nvGrpSpPr>
-      <p:grpSpPr>
-        <a:xfrm>
-          <a:off x="0" y="0"/>
-          <a:ext cx="0" cy="0"/>
-          <a:chOff x="0" y="0"/>
-          <a:chExt cx="0" cy="0"/>
-        </a:xfrm>
-      </p:grpSpPr>
-      <p:sp>
-        <p:nvSpPr>
-          <p:cNvPr id="2" name="제목 1"/>
-          <p:cNvSpPr>
-            <a:spLocks noGrp="1"/>
-          </p:cNvSpPr>
-          <p:nvPr>
-            <p:ph type="title"/>
-          </p:nvPr>
-        </p:nvSpPr>
-        <p:spPr/>
-        <p:txBody>
-          <a:bodyPr/>
-          <a:lstStyle/>
-          <a:p>
-            <a:endParaRPr lang="ko-KR" altLang="en-US"/>
-          </a:p>
-        </p:txBody>
-      </p:sp>
-      <p:sp>
-        <p:nvSpPr>
-          <p:cNvPr id="3" name="내용 개체 틀 2"/>
-          <p:cNvSpPr>
-            <a:spLocks noGrp="1"/>
-          </p:cNvSpPr>
-          <p:nvPr>
-            <p:ph idx="1"/>
-          </p:nvPr>
-        </p:nvSpPr>
-        <p:spPr/>
-        <p:txBody>
-          <a:bodyPr/>
-          <a:lstStyle/>
-          <a:p>
-            <a:endParaRPr lang="ko-KR" altLang="en-US"/>
-          </a:p>
-        </p:txBody>
-      </p:sp>
-      <p:sp>
-        <p:nvSpPr>
-          <p:cNvPr id="4" name="직사각형 3"/>
-          <p:cNvSpPr/>
-          <p:nvPr/>
-        </p:nvSpPr>
-        <p:spPr>
-          <a:xfrm>
-            <a:off x="0" y="0"/>
-            <a:ext cx="12192000" cy="6858000"/>
-          </a:xfrm>
-          <a:prstGeom prst="rect">
-            <a:avLst/>
-          </a:prstGeom>
-          <a:solidFill>
-            <a:schemeClr val="tx1"/>
-          </a:solidFill>
-        </p:spPr>
-        <p:style>
-          <a:lnRef idx="2">
-            <a:schemeClr val="accent1">
-              <a:shade val="50000"/>
-            </a:schemeClr>
-          </a:lnRef>
-          <a:fillRef idx="1">
-            <a:schemeClr val="accent1"/>
-          </a:fillRef>
-          <a:effectRef idx="0">
-            <a:schemeClr val="accent1"/>
-          </a:effectRef>
-          <a:fontRef idx="minor">
-            <a:schemeClr val="lt1"/>
-          </a:fontRef>
-        </p:style>
-        <p:txBody>
-          <a:bodyPr rtlCol="0" anchor="ctr"/>
-          <a:lstStyle/>
-          <a:p>
-            <a:pPr algn="ctr"/>
-            <a:endParaRPr lang="ko-KR" altLang="en-US"/>
-          </a:p>
-        </p:txBody>
-      </p:sp>
-      <p:grpSp>
-        <p:nvGrpSpPr>
-          <p:cNvPr id="14" name="그룹 13"/>
-          <p:cNvGrpSpPr/>
-          <p:nvPr/>
-        </p:nvGrpSpPr>
-        <p:grpSpPr>
-          <a:xfrm>
-            <a:off x="3993508" y="2165843"/>
-            <a:ext cx="4204997" cy="2738626"/>
-            <a:chOff x="3993508" y="2165843"/>
-            <a:chExt cx="4204997" cy="2738626"/>
-          </a:xfrm>
-        </p:grpSpPr>
-        <p:grpSp>
-          <p:nvGrpSpPr>
-            <p:cNvPr id="5" name="그룹 4"/>
-            <p:cNvGrpSpPr/>
-            <p:nvPr/>
-          </p:nvGrpSpPr>
-          <p:grpSpPr>
-            <a:xfrm>
-              <a:off x="4726686" y="2165843"/>
-              <a:ext cx="2738626" cy="2738626"/>
-              <a:chOff x="7404449" y="394352"/>
-              <a:chExt cx="2738626" cy="2738626"/>
-            </a:xfrm>
-          </p:grpSpPr>
-          <p:sp>
-            <p:nvSpPr>
-              <p:cNvPr id="6" name="타원 5"/>
-              <p:cNvSpPr/>
-              <p:nvPr/>
-            </p:nvSpPr>
-            <p:spPr>
-              <a:xfrm>
-                <a:off x="7404449" y="394352"/>
-                <a:ext cx="2738626" cy="2738626"/>
-              </a:xfrm>
-              <a:prstGeom prst="ellipse">
-                <a:avLst/>
-              </a:prstGeom>
-              <a:noFill/>
-              <a:ln w="47625">
-                <a:gradFill>
-                  <a:gsLst>
-                    <a:gs pos="25000">
-                      <a:srgbClr val="F4976C"/>
-                    </a:gs>
-                    <a:gs pos="0">
-                      <a:srgbClr val="FBE8A6"/>
-                    </a:gs>
-                    <a:gs pos="50000">
-                      <a:srgbClr val="303C6C"/>
-                    </a:gs>
-                    <a:gs pos="75000">
-                      <a:srgbClr val="B4DFE5"/>
-                    </a:gs>
-                    <a:gs pos="100000">
-                      <a:srgbClr val="D2FCFD"/>
-                    </a:gs>
-                  </a:gsLst>
-                  <a:lin ang="5400000" scaled="1"/>
-                </a:gradFill>
-              </a:ln>
-            </p:spPr>
-            <p:style>
-              <a:lnRef idx="2">
-                <a:schemeClr val="accent1">
-                  <a:shade val="50000"/>
-                </a:schemeClr>
-              </a:lnRef>
-              <a:fillRef idx="1">
-                <a:schemeClr val="accent1"/>
-              </a:fillRef>
-              <a:effectRef idx="0">
-                <a:schemeClr val="accent1"/>
-              </a:effectRef>
-              <a:fontRef idx="minor">
-                <a:schemeClr val="lt1"/>
-              </a:fontRef>
-            </p:style>
-            <p:txBody>
-              <a:bodyPr rtlCol="0" anchor="ctr"/>
-              <a:lstStyle/>
-              <a:p>
-                <a:pPr algn="ctr"/>
-                <a:endParaRPr lang="ko-KR" altLang="en-US"/>
-              </a:p>
-            </p:txBody>
-          </p:sp>
-          <p:sp>
-            <p:nvSpPr>
-              <p:cNvPr id="7" name="타원 6"/>
-              <p:cNvSpPr/>
-              <p:nvPr/>
-            </p:nvSpPr>
-            <p:spPr>
-              <a:xfrm>
-                <a:off x="7518489" y="508392"/>
-                <a:ext cx="2510546" cy="2510546"/>
-              </a:xfrm>
-              <a:prstGeom prst="ellipse">
-                <a:avLst/>
-              </a:prstGeom>
-              <a:noFill/>
-              <a:ln w="47625">
-                <a:gradFill>
-                  <a:gsLst>
-                    <a:gs pos="25000">
-                      <a:srgbClr val="F4976C"/>
-                    </a:gs>
-                    <a:gs pos="0">
-                      <a:srgbClr val="FBE8A6"/>
-                    </a:gs>
-                    <a:gs pos="50000">
-                      <a:srgbClr val="303C6C"/>
-                    </a:gs>
-                    <a:gs pos="75000">
-                      <a:srgbClr val="B4DFE5"/>
-                    </a:gs>
-                    <a:gs pos="100000">
-                      <a:srgbClr val="D2FCFD"/>
-                    </a:gs>
-                  </a:gsLst>
-                  <a:lin ang="5400000" scaled="1"/>
-                </a:gradFill>
-              </a:ln>
-            </p:spPr>
-            <p:style>
-              <a:lnRef idx="2">
-                <a:schemeClr val="accent1">
-                  <a:shade val="50000"/>
-                </a:schemeClr>
-              </a:lnRef>
-              <a:fillRef idx="1">
-                <a:schemeClr val="accent1"/>
-              </a:fillRef>
-              <a:effectRef idx="0">
-                <a:schemeClr val="accent1"/>
-              </a:effectRef>
-              <a:fontRef idx="minor">
-                <a:schemeClr val="lt1"/>
-              </a:fontRef>
-            </p:style>
-            <p:txBody>
-              <a:bodyPr rtlCol="0" anchor="ctr"/>
-              <a:lstStyle/>
-              <a:p>
-                <a:pPr algn="ctr"/>
-                <a:endParaRPr lang="ko-KR" altLang="en-US"/>
-              </a:p>
-            </p:txBody>
-          </p:sp>
-          <p:sp>
-            <p:nvSpPr>
-              <p:cNvPr id="8" name="타원 7"/>
-              <p:cNvSpPr/>
-              <p:nvPr/>
-            </p:nvSpPr>
-            <p:spPr>
-              <a:xfrm>
-                <a:off x="7518489" y="508392"/>
-                <a:ext cx="2510546" cy="2510546"/>
-              </a:xfrm>
-              <a:prstGeom prst="ellipse">
-                <a:avLst/>
-              </a:prstGeom>
-              <a:noFill/>
-              <a:ln w="47625">
-                <a:gradFill>
-                  <a:gsLst>
-                    <a:gs pos="25000">
-                      <a:srgbClr val="F4976C"/>
-                    </a:gs>
-                    <a:gs pos="0">
-                      <a:srgbClr val="FBE8A6"/>
-                    </a:gs>
-                    <a:gs pos="50000">
-                      <a:srgbClr val="303C6C"/>
-                    </a:gs>
-                    <a:gs pos="75000">
-                      <a:srgbClr val="B4DFE5"/>
-                    </a:gs>
-                    <a:gs pos="100000">
-                      <a:srgbClr val="D2FCFD"/>
-                    </a:gs>
-                  </a:gsLst>
-                  <a:lin ang="5400000" scaled="1"/>
-                </a:gradFill>
-              </a:ln>
-            </p:spPr>
-            <p:style>
-              <a:lnRef idx="2">
-                <a:schemeClr val="accent1">
-                  <a:shade val="50000"/>
-                </a:schemeClr>
-              </a:lnRef>
-              <a:fillRef idx="1">
-                <a:schemeClr val="accent1"/>
-              </a:fillRef>
-              <a:effectRef idx="0">
-                <a:schemeClr val="accent1"/>
-              </a:effectRef>
-              <a:fontRef idx="minor">
-                <a:schemeClr val="lt1"/>
-              </a:fontRef>
-            </p:style>
-            <p:txBody>
-              <a:bodyPr rtlCol="0" anchor="ctr"/>
-              <a:lstStyle/>
-              <a:p>
-                <a:pPr algn="ctr"/>
-                <a:endParaRPr lang="ko-KR" altLang="en-US"/>
-              </a:p>
-            </p:txBody>
-          </p:sp>
-          <p:sp>
-            <p:nvSpPr>
-              <p:cNvPr id="9" name="타원 8"/>
-              <p:cNvSpPr/>
-              <p:nvPr/>
-            </p:nvSpPr>
-            <p:spPr>
-              <a:xfrm>
-                <a:off x="7628127" y="618030"/>
-                <a:ext cx="2291269" cy="2291269"/>
-              </a:xfrm>
-              <a:prstGeom prst="ellipse">
-                <a:avLst/>
-              </a:prstGeom>
-              <a:noFill/>
-              <a:ln w="47625">
-                <a:gradFill>
-                  <a:gsLst>
-                    <a:gs pos="25000">
-                      <a:srgbClr val="F4976C"/>
-                    </a:gs>
-                    <a:gs pos="0">
-                      <a:srgbClr val="FBE8A6"/>
-                    </a:gs>
-                    <a:gs pos="50000">
-                      <a:srgbClr val="303C6C"/>
-                    </a:gs>
-                    <a:gs pos="75000">
-                      <a:srgbClr val="B4DFE5"/>
-                    </a:gs>
-                    <a:gs pos="100000">
-                      <a:srgbClr val="D2FCFD"/>
-                    </a:gs>
-                  </a:gsLst>
-                  <a:lin ang="5400000" scaled="1"/>
-                </a:gradFill>
-              </a:ln>
-            </p:spPr>
-            <p:style>
-              <a:lnRef idx="2">
-                <a:schemeClr val="accent1">
-                  <a:shade val="50000"/>
-                </a:schemeClr>
-              </a:lnRef>
-              <a:fillRef idx="1">
-                <a:schemeClr val="accent1"/>
-              </a:fillRef>
-              <a:effectRef idx="0">
-                <a:schemeClr val="accent1"/>
-              </a:effectRef>
-              <a:fontRef idx="minor">
-                <a:schemeClr val="lt1"/>
-              </a:fontRef>
-            </p:style>
-            <p:txBody>
-              <a:bodyPr rtlCol="0" anchor="ctr"/>
-              <a:lstStyle/>
-              <a:p>
-                <a:pPr algn="ctr"/>
-                <a:endParaRPr lang="ko-KR" altLang="en-US"/>
-              </a:p>
-            </p:txBody>
-          </p:sp>
-          <p:sp>
-            <p:nvSpPr>
-              <p:cNvPr id="10" name="타원 9"/>
-              <p:cNvSpPr/>
-              <p:nvPr/>
-            </p:nvSpPr>
-            <p:spPr>
-              <a:xfrm>
-                <a:off x="7744511" y="724121"/>
-                <a:ext cx="2058502" cy="2079087"/>
-              </a:xfrm>
-              <a:prstGeom prst="ellipse">
-                <a:avLst/>
-              </a:prstGeom>
-              <a:noFill/>
-              <a:ln w="47625">
-                <a:gradFill>
-                  <a:gsLst>
-                    <a:gs pos="25000">
-                      <a:srgbClr val="F4976C"/>
-                    </a:gs>
-                    <a:gs pos="0">
-                      <a:srgbClr val="FBE8A6"/>
-                    </a:gs>
-                    <a:gs pos="50000">
-                      <a:srgbClr val="303C6C"/>
-                    </a:gs>
-                    <a:gs pos="75000">
-                      <a:srgbClr val="B4DFE5"/>
-                    </a:gs>
-                    <a:gs pos="100000">
-                      <a:srgbClr val="D2FCFD"/>
-                    </a:gs>
-                  </a:gsLst>
-                  <a:lin ang="5400000" scaled="1"/>
-                </a:gradFill>
-              </a:ln>
-            </p:spPr>
-            <p:style>
-              <a:lnRef idx="2">
-                <a:schemeClr val="accent1">
-                  <a:shade val="50000"/>
-                </a:schemeClr>
-              </a:lnRef>
-              <a:fillRef idx="1">
-                <a:schemeClr val="accent1"/>
-              </a:fillRef>
-              <a:effectRef idx="0">
-                <a:schemeClr val="accent1"/>
-              </a:effectRef>
-              <a:fontRef idx="minor">
-                <a:schemeClr val="lt1"/>
-              </a:fontRef>
-            </p:style>
-            <p:txBody>
-              <a:bodyPr rtlCol="0" anchor="ctr"/>
-              <a:lstStyle/>
-              <a:p>
-                <a:pPr algn="ctr"/>
-                <a:endParaRPr lang="ko-KR" altLang="en-US"/>
-              </a:p>
-            </p:txBody>
-          </p:sp>
-          <p:sp>
-            <p:nvSpPr>
-              <p:cNvPr id="11" name="타원 10"/>
-              <p:cNvSpPr/>
-              <p:nvPr/>
-            </p:nvSpPr>
-            <p:spPr>
-              <a:xfrm>
-                <a:off x="7860354" y="841122"/>
-                <a:ext cx="1826816" cy="1845084"/>
-              </a:xfrm>
-              <a:prstGeom prst="ellipse">
-                <a:avLst/>
-              </a:prstGeom>
-              <a:noFill/>
-              <a:ln w="47625">
-                <a:gradFill>
-                  <a:gsLst>
-                    <a:gs pos="25000">
-                      <a:srgbClr val="F4976C"/>
-                    </a:gs>
-                    <a:gs pos="0">
-                      <a:srgbClr val="FBE8A6"/>
-                    </a:gs>
-                    <a:gs pos="50000">
-                      <a:srgbClr val="303C6C"/>
-                    </a:gs>
-                    <a:gs pos="75000">
-                      <a:srgbClr val="B4DFE5"/>
-                    </a:gs>
-                    <a:gs pos="100000">
-                      <a:srgbClr val="D2FCFD"/>
-                    </a:gs>
-                  </a:gsLst>
-                  <a:lin ang="5400000" scaled="1"/>
-                </a:gradFill>
-              </a:ln>
-            </p:spPr>
-            <p:style>
-              <a:lnRef idx="2">
-                <a:schemeClr val="accent1">
-                  <a:shade val="50000"/>
-                </a:schemeClr>
-              </a:lnRef>
-              <a:fillRef idx="1">
-                <a:schemeClr val="accent1"/>
-              </a:fillRef>
-              <a:effectRef idx="0">
-                <a:schemeClr val="accent1"/>
-              </a:effectRef>
-              <a:fontRef idx="minor">
-                <a:schemeClr val="lt1"/>
-              </a:fontRef>
-            </p:style>
-            <p:txBody>
-              <a:bodyPr rtlCol="0" anchor="ctr"/>
-              <a:lstStyle/>
-              <a:p>
-                <a:pPr algn="ctr"/>
-                <a:endParaRPr lang="ko-KR" altLang="en-US"/>
-              </a:p>
-            </p:txBody>
-          </p:sp>
-          <p:sp>
-            <p:nvSpPr>
-              <p:cNvPr id="12" name="타원 11"/>
-              <p:cNvSpPr/>
-              <p:nvPr/>
-            </p:nvSpPr>
-            <p:spPr>
-              <a:xfrm>
-                <a:off x="7963158" y="944954"/>
-                <a:ext cx="1621208" cy="1637420"/>
-              </a:xfrm>
-              <a:prstGeom prst="ellipse">
-                <a:avLst/>
-              </a:prstGeom>
-              <a:noFill/>
-              <a:ln w="47625">
-                <a:gradFill>
-                  <a:gsLst>
-                    <a:gs pos="25000">
-                      <a:srgbClr val="F4976C"/>
-                    </a:gs>
-                    <a:gs pos="0">
-                      <a:srgbClr val="FBE8A6"/>
-                    </a:gs>
-                    <a:gs pos="50000">
-                      <a:srgbClr val="303C6C"/>
-                    </a:gs>
-                    <a:gs pos="75000">
-                      <a:srgbClr val="B4DFE5"/>
-                    </a:gs>
-                    <a:gs pos="100000">
-                      <a:srgbClr val="D2FCFD"/>
-                    </a:gs>
-                  </a:gsLst>
-                  <a:lin ang="5400000" scaled="1"/>
-                </a:gradFill>
-              </a:ln>
-            </p:spPr>
-            <p:style>
-              <a:lnRef idx="2">
-                <a:schemeClr val="accent1">
-                  <a:shade val="50000"/>
-                </a:schemeClr>
-              </a:lnRef>
-              <a:fillRef idx="1">
-                <a:schemeClr val="accent1"/>
-              </a:fillRef>
-              <a:effectRef idx="0">
-                <a:schemeClr val="accent1"/>
-              </a:effectRef>
-              <a:fontRef idx="minor">
-                <a:schemeClr val="lt1"/>
-              </a:fontRef>
-            </p:style>
-            <p:txBody>
-              <a:bodyPr rtlCol="0" anchor="ctr"/>
-              <a:lstStyle/>
-              <a:p>
-                <a:pPr algn="ctr"/>
-                <a:endParaRPr lang="ko-KR" altLang="en-US"/>
-              </a:p>
-            </p:txBody>
-          </p:sp>
-        </p:grpSp>
-        <p:sp>
-          <p:nvSpPr>
-            <p:cNvPr id="13" name="직사각형 12"/>
-            <p:cNvSpPr/>
-            <p:nvPr/>
-          </p:nvSpPr>
-          <p:spPr>
-            <a:xfrm>
-              <a:off x="3993508" y="3020786"/>
-              <a:ext cx="4204997" cy="707886"/>
-            </a:xfrm>
-            <a:prstGeom prst="rect">
-              <a:avLst/>
-            </a:prstGeom>
-            <a:noFill/>
-          </p:spPr>
-          <p:txBody>
-            <a:bodyPr wrap="none" lIns="91440" tIns="45720" rIns="91440" bIns="45720">
-              <a:spAutoFit/>
-            </a:bodyPr>
-            <a:lstStyle/>
-            <a:p>
-              <a:pPr algn="dist"/>
-              <a:r>
-                <a:rPr lang="en-US" altLang="ko-KR" sz="4000" b="1" spc="-300" dirty="0" smtClean="0">
-                  <a:ln w="0"/>
-                  <a:solidFill>
-                    <a:schemeClr val="bg1"/>
-                  </a:solidFill>
-                  <a:effectLst>
-                    <a:outerShdw blurRad="38100" dist="19050" dir="2700000" algn="tl" rotWithShape="0">
-                      <a:schemeClr val="dk1">
-                        <a:alpha val="40000"/>
-                      </a:schemeClr>
-                    </a:outerShdw>
-                  </a:effectLst>
-                  <a:latin typeface="Major Mono Display" panose="00000509000000000000" pitchFamily="49" charset="0"/>
-                </a:rPr>
-                <a:t>ROUTING STAR</a:t>
-              </a:r>
-              <a:endParaRPr lang="en-US" altLang="ko-KR" sz="4000" b="1" cap="none" spc="-300" dirty="0" smtClean="0">
-                <a:ln w="0"/>
-                <a:solidFill>
-                  <a:schemeClr val="bg1"/>
-                </a:solidFill>
-                <a:effectLst>
-                  <a:outerShdw blurRad="38100" dist="19050" dir="2700000" algn="tl" rotWithShape="0">
-                    <a:schemeClr val="dk1">
-                      <a:alpha val="40000"/>
-                    </a:schemeClr>
-                  </a:outerShdw>
-                </a:effectLst>
-                <a:latin typeface="Major Mono Display" panose="00000509000000000000" pitchFamily="49" charset="0"/>
-              </a:endParaRPr>
-            </a:p>
-          </p:txBody>
-        </p:sp>
-      </p:grpSp>
-    </p:spTree>
-    <p:extLst>
-      <p:ext uri="{BB962C8B-B14F-4D97-AF65-F5344CB8AC3E}">
-        <p14:creationId xmlns:p14="http://schemas.microsoft.com/office/powerpoint/2010/main" val="3833101913"/>
-      </p:ext>
-    </p:extLst>
-  </p:cSld>
-  <p:clrMapOvr>
-    <a:masterClrMapping/>
-  </p:clrMapOvr>
-  <p:timing>
-    <p:tnLst>
-      <p:par>
-        <p:cTn id="1" dur="indefinite" restart="never" nodeType="tmRoot"/>
-      </p:par>
-    </p:tnLst>
-  </p:timing>
-</p:sld>
-</file>
-
-<file path=ppt/slides/slide22.xml><?xml version="1.0" encoding="utf-8"?>
-<p:sld xmlns:a="http://schemas.openxmlformats.org/drawingml/2006/main" xmlns:r="http://schemas.openxmlformats.org/officeDocument/2006/relationships" xmlns:p="http://schemas.openxmlformats.org/presentationml/2006/main">
-  <p:cSld>
-    <p:spTree>
-      <p:nvGrpSpPr>
-        <p:cNvPr id="1" name=""/>
-        <p:cNvGrpSpPr/>
-        <p:nvPr/>
-      </p:nvGrpSpPr>
-      <p:grpSpPr>
-        <a:xfrm>
-          <a:off x="0" y="0"/>
-          <a:ext cx="0" cy="0"/>
-          <a:chOff x="0" y="0"/>
-          <a:chExt cx="0" cy="0"/>
-        </a:xfrm>
-      </p:grpSpPr>
-      <p:sp>
-        <p:nvSpPr>
-          <p:cNvPr id="2" name="제목 1"/>
-          <p:cNvSpPr>
-            <a:spLocks noGrp="1"/>
-          </p:cNvSpPr>
-          <p:nvPr>
-            <p:ph type="title"/>
-          </p:nvPr>
-        </p:nvSpPr>
-        <p:spPr/>
-        <p:txBody>
-          <a:bodyPr/>
-          <a:lstStyle/>
-          <a:p>
-            <a:endParaRPr lang="ko-KR" altLang="en-US"/>
-          </a:p>
-        </p:txBody>
-      </p:sp>
-      <p:sp>
-        <p:nvSpPr>
-          <p:cNvPr id="3" name="내용 개체 틀 2"/>
-          <p:cNvSpPr>
-            <a:spLocks noGrp="1"/>
-          </p:cNvSpPr>
-          <p:nvPr>
-            <p:ph idx="1"/>
-          </p:nvPr>
-        </p:nvSpPr>
-        <p:spPr/>
-        <p:txBody>
-          <a:bodyPr/>
-          <a:lstStyle/>
-          <a:p>
-            <a:endParaRPr lang="ko-KR" altLang="en-US"/>
-          </a:p>
-        </p:txBody>
-      </p:sp>
-      <p:sp>
-        <p:nvSpPr>
-          <p:cNvPr id="4" name="직사각형 3"/>
-          <p:cNvSpPr/>
-          <p:nvPr/>
-        </p:nvSpPr>
-        <p:spPr>
-          <a:xfrm>
-            <a:off x="0" y="0"/>
-            <a:ext cx="12192000" cy="6858000"/>
-          </a:xfrm>
-          <a:prstGeom prst="rect">
-            <a:avLst/>
-          </a:prstGeom>
-          <a:solidFill>
-            <a:schemeClr val="tx1"/>
-          </a:solidFill>
-        </p:spPr>
-        <p:style>
-          <a:lnRef idx="2">
-            <a:schemeClr val="accent1">
-              <a:shade val="50000"/>
-            </a:schemeClr>
-          </a:lnRef>
-          <a:fillRef idx="1">
-            <a:schemeClr val="accent1"/>
-          </a:fillRef>
-          <a:effectRef idx="0">
-            <a:schemeClr val="accent1"/>
-          </a:effectRef>
-          <a:fontRef idx="minor">
-            <a:schemeClr val="lt1"/>
-          </a:fontRef>
-        </p:style>
-        <p:txBody>
-          <a:bodyPr rtlCol="0" anchor="ctr"/>
-          <a:lstStyle/>
-          <a:p>
-            <a:pPr algn="ctr"/>
-            <a:endParaRPr lang="ko-KR" altLang="en-US"/>
-          </a:p>
-        </p:txBody>
-      </p:sp>
-      <p:grpSp>
-        <p:nvGrpSpPr>
-          <p:cNvPr id="14" name="그룹 13"/>
-          <p:cNvGrpSpPr/>
-          <p:nvPr/>
-        </p:nvGrpSpPr>
-        <p:grpSpPr>
-          <a:xfrm>
-            <a:off x="4148992" y="2165843"/>
-            <a:ext cx="3894015" cy="2738626"/>
-            <a:chOff x="4148992" y="2165843"/>
-            <a:chExt cx="3894015" cy="2738626"/>
-          </a:xfrm>
-        </p:grpSpPr>
-        <p:grpSp>
-          <p:nvGrpSpPr>
-            <p:cNvPr id="5" name="그룹 4"/>
-            <p:cNvGrpSpPr/>
-            <p:nvPr/>
-          </p:nvGrpSpPr>
-          <p:grpSpPr>
-            <a:xfrm>
-              <a:off x="4726686" y="2165843"/>
-              <a:ext cx="2738626" cy="2738626"/>
-              <a:chOff x="7404449" y="394352"/>
-              <a:chExt cx="2738626" cy="2738626"/>
-            </a:xfrm>
-          </p:grpSpPr>
-          <p:sp>
-            <p:nvSpPr>
-              <p:cNvPr id="6" name="타원 5"/>
-              <p:cNvSpPr/>
-              <p:nvPr/>
-            </p:nvSpPr>
-            <p:spPr>
-              <a:xfrm>
-                <a:off x="7404449" y="394352"/>
-                <a:ext cx="2738626" cy="2738626"/>
-              </a:xfrm>
-              <a:prstGeom prst="ellipse">
-                <a:avLst/>
-              </a:prstGeom>
-              <a:noFill/>
-              <a:ln w="47625">
-                <a:gradFill>
-                  <a:gsLst>
-                    <a:gs pos="25000">
-                      <a:srgbClr val="F4976C"/>
-                    </a:gs>
-                    <a:gs pos="0">
-                      <a:srgbClr val="FBE8A6"/>
-                    </a:gs>
-                    <a:gs pos="50000">
-                      <a:srgbClr val="303C6C"/>
-                    </a:gs>
-                    <a:gs pos="75000">
-                      <a:srgbClr val="B4DFE5"/>
-                    </a:gs>
-                    <a:gs pos="100000">
-                      <a:srgbClr val="D2FCFD"/>
-                    </a:gs>
-                  </a:gsLst>
-                  <a:lin ang="5400000" scaled="1"/>
-                </a:gradFill>
-              </a:ln>
-            </p:spPr>
-            <p:style>
-              <a:lnRef idx="2">
-                <a:schemeClr val="accent1">
-                  <a:shade val="50000"/>
-                </a:schemeClr>
-              </a:lnRef>
-              <a:fillRef idx="1">
-                <a:schemeClr val="accent1"/>
-              </a:fillRef>
-              <a:effectRef idx="0">
-                <a:schemeClr val="accent1"/>
-              </a:effectRef>
-              <a:fontRef idx="minor">
-                <a:schemeClr val="lt1"/>
-              </a:fontRef>
-            </p:style>
-            <p:txBody>
-              <a:bodyPr rtlCol="0" anchor="ctr"/>
-              <a:lstStyle/>
-              <a:p>
-                <a:pPr algn="ctr"/>
-                <a:endParaRPr lang="ko-KR" altLang="en-US"/>
-              </a:p>
-            </p:txBody>
-          </p:sp>
-          <p:sp>
-            <p:nvSpPr>
-              <p:cNvPr id="7" name="타원 6"/>
-              <p:cNvSpPr/>
-              <p:nvPr/>
-            </p:nvSpPr>
-            <p:spPr>
-              <a:xfrm>
-                <a:off x="7518489" y="508392"/>
-                <a:ext cx="2510546" cy="2510546"/>
-              </a:xfrm>
-              <a:prstGeom prst="ellipse">
-                <a:avLst/>
-              </a:prstGeom>
-              <a:noFill/>
-              <a:ln w="47625">
-                <a:gradFill>
-                  <a:gsLst>
-                    <a:gs pos="25000">
-                      <a:srgbClr val="F4976C"/>
-                    </a:gs>
-                    <a:gs pos="0">
-                      <a:srgbClr val="FBE8A6"/>
-                    </a:gs>
-                    <a:gs pos="50000">
-                      <a:srgbClr val="303C6C"/>
-                    </a:gs>
-                    <a:gs pos="75000">
-                      <a:srgbClr val="B4DFE5"/>
-                    </a:gs>
-                    <a:gs pos="100000">
-                      <a:srgbClr val="D2FCFD"/>
-                    </a:gs>
-                  </a:gsLst>
-                  <a:lin ang="5400000" scaled="1"/>
-                </a:gradFill>
-              </a:ln>
-            </p:spPr>
-            <p:style>
-              <a:lnRef idx="2">
-                <a:schemeClr val="accent1">
-                  <a:shade val="50000"/>
-                </a:schemeClr>
-              </a:lnRef>
-              <a:fillRef idx="1">
-                <a:schemeClr val="accent1"/>
-              </a:fillRef>
-              <a:effectRef idx="0">
-                <a:schemeClr val="accent1"/>
-              </a:effectRef>
-              <a:fontRef idx="minor">
-                <a:schemeClr val="lt1"/>
-              </a:fontRef>
-            </p:style>
-            <p:txBody>
-              <a:bodyPr rtlCol="0" anchor="ctr"/>
-              <a:lstStyle/>
-              <a:p>
-                <a:pPr algn="ctr"/>
-                <a:endParaRPr lang="ko-KR" altLang="en-US"/>
-              </a:p>
-            </p:txBody>
-          </p:sp>
-          <p:sp>
-            <p:nvSpPr>
-              <p:cNvPr id="8" name="타원 7"/>
-              <p:cNvSpPr/>
-              <p:nvPr/>
-            </p:nvSpPr>
-            <p:spPr>
-              <a:xfrm>
-                <a:off x="7518489" y="508392"/>
-                <a:ext cx="2510546" cy="2510546"/>
-              </a:xfrm>
-              <a:prstGeom prst="ellipse">
-                <a:avLst/>
-              </a:prstGeom>
-              <a:noFill/>
-              <a:ln w="47625">
-                <a:gradFill>
-                  <a:gsLst>
-                    <a:gs pos="25000">
-                      <a:srgbClr val="F4976C"/>
-                    </a:gs>
-                    <a:gs pos="0">
-                      <a:srgbClr val="FBE8A6"/>
-                    </a:gs>
-                    <a:gs pos="50000">
-                      <a:srgbClr val="303C6C"/>
-                    </a:gs>
-                    <a:gs pos="75000">
-                      <a:srgbClr val="B4DFE5"/>
-                    </a:gs>
-                    <a:gs pos="100000">
-                      <a:srgbClr val="D2FCFD"/>
-                    </a:gs>
-                  </a:gsLst>
-                  <a:lin ang="5400000" scaled="1"/>
-                </a:gradFill>
-              </a:ln>
-            </p:spPr>
-            <p:style>
-              <a:lnRef idx="2">
-                <a:schemeClr val="accent1">
-                  <a:shade val="50000"/>
-                </a:schemeClr>
-              </a:lnRef>
-              <a:fillRef idx="1">
-                <a:schemeClr val="accent1"/>
-              </a:fillRef>
-              <a:effectRef idx="0">
-                <a:schemeClr val="accent1"/>
-              </a:effectRef>
-              <a:fontRef idx="minor">
-                <a:schemeClr val="lt1"/>
-              </a:fontRef>
-            </p:style>
-            <p:txBody>
-              <a:bodyPr rtlCol="0" anchor="ctr"/>
-              <a:lstStyle/>
-              <a:p>
-                <a:pPr algn="ctr"/>
-                <a:endParaRPr lang="ko-KR" altLang="en-US"/>
-              </a:p>
-            </p:txBody>
-          </p:sp>
-          <p:sp>
-            <p:nvSpPr>
-              <p:cNvPr id="9" name="타원 8"/>
-              <p:cNvSpPr/>
-              <p:nvPr/>
-            </p:nvSpPr>
-            <p:spPr>
-              <a:xfrm>
-                <a:off x="7628127" y="618030"/>
-                <a:ext cx="2291269" cy="2291269"/>
-              </a:xfrm>
-              <a:prstGeom prst="ellipse">
-                <a:avLst/>
-              </a:prstGeom>
-              <a:noFill/>
-              <a:ln w="47625">
-                <a:gradFill>
-                  <a:gsLst>
-                    <a:gs pos="25000">
-                      <a:srgbClr val="F4976C"/>
-                    </a:gs>
-                    <a:gs pos="0">
-                      <a:srgbClr val="FBE8A6"/>
-                    </a:gs>
-                    <a:gs pos="50000">
-                      <a:srgbClr val="303C6C"/>
-                    </a:gs>
-                    <a:gs pos="75000">
-                      <a:srgbClr val="B4DFE5"/>
-                    </a:gs>
-                    <a:gs pos="100000">
-                      <a:srgbClr val="D2FCFD"/>
-                    </a:gs>
-                  </a:gsLst>
-                  <a:lin ang="5400000" scaled="1"/>
-                </a:gradFill>
-              </a:ln>
-            </p:spPr>
-            <p:style>
-              <a:lnRef idx="2">
-                <a:schemeClr val="accent1">
-                  <a:shade val="50000"/>
-                </a:schemeClr>
-              </a:lnRef>
-              <a:fillRef idx="1">
-                <a:schemeClr val="accent1"/>
-              </a:fillRef>
-              <a:effectRef idx="0">
-                <a:schemeClr val="accent1"/>
-              </a:effectRef>
-              <a:fontRef idx="minor">
-                <a:schemeClr val="lt1"/>
-              </a:fontRef>
-            </p:style>
-            <p:txBody>
-              <a:bodyPr rtlCol="0" anchor="ctr"/>
-              <a:lstStyle/>
-              <a:p>
-                <a:pPr algn="ctr"/>
-                <a:endParaRPr lang="ko-KR" altLang="en-US"/>
-              </a:p>
-            </p:txBody>
-          </p:sp>
-          <p:sp>
-            <p:nvSpPr>
-              <p:cNvPr id="10" name="타원 9"/>
-              <p:cNvSpPr/>
-              <p:nvPr/>
-            </p:nvSpPr>
-            <p:spPr>
-              <a:xfrm>
-                <a:off x="7744511" y="724121"/>
-                <a:ext cx="2058502" cy="2079087"/>
-              </a:xfrm>
-              <a:prstGeom prst="ellipse">
-                <a:avLst/>
-              </a:prstGeom>
-              <a:noFill/>
-              <a:ln w="47625">
-                <a:gradFill>
-                  <a:gsLst>
-                    <a:gs pos="25000">
-                      <a:srgbClr val="F4976C"/>
-                    </a:gs>
-                    <a:gs pos="0">
-                      <a:srgbClr val="FBE8A6"/>
-                    </a:gs>
-                    <a:gs pos="50000">
-                      <a:srgbClr val="303C6C"/>
-                    </a:gs>
-                    <a:gs pos="75000">
-                      <a:srgbClr val="B4DFE5"/>
-                    </a:gs>
-                    <a:gs pos="100000">
-                      <a:srgbClr val="D2FCFD"/>
-                    </a:gs>
-                  </a:gsLst>
-                  <a:lin ang="5400000" scaled="1"/>
-                </a:gradFill>
-              </a:ln>
-            </p:spPr>
-            <p:style>
-              <a:lnRef idx="2">
-                <a:schemeClr val="accent1">
-                  <a:shade val="50000"/>
-                </a:schemeClr>
-              </a:lnRef>
-              <a:fillRef idx="1">
-                <a:schemeClr val="accent1"/>
-              </a:fillRef>
-              <a:effectRef idx="0">
-                <a:schemeClr val="accent1"/>
-              </a:effectRef>
-              <a:fontRef idx="minor">
-                <a:schemeClr val="lt1"/>
-              </a:fontRef>
-            </p:style>
-            <p:txBody>
-              <a:bodyPr rtlCol="0" anchor="ctr"/>
-              <a:lstStyle/>
-              <a:p>
-                <a:pPr algn="ctr"/>
-                <a:endParaRPr lang="ko-KR" altLang="en-US"/>
-              </a:p>
-            </p:txBody>
-          </p:sp>
-          <p:sp>
-            <p:nvSpPr>
-              <p:cNvPr id="11" name="타원 10"/>
-              <p:cNvSpPr/>
-              <p:nvPr/>
-            </p:nvSpPr>
-            <p:spPr>
-              <a:xfrm>
-                <a:off x="7860354" y="841122"/>
-                <a:ext cx="1826816" cy="1845084"/>
-              </a:xfrm>
-              <a:prstGeom prst="ellipse">
-                <a:avLst/>
-              </a:prstGeom>
-              <a:noFill/>
-              <a:ln w="47625">
-                <a:gradFill>
-                  <a:gsLst>
-                    <a:gs pos="25000">
-                      <a:srgbClr val="F4976C"/>
-                    </a:gs>
-                    <a:gs pos="0">
-                      <a:srgbClr val="FBE8A6"/>
-                    </a:gs>
-                    <a:gs pos="50000">
-                      <a:srgbClr val="303C6C"/>
-                    </a:gs>
-                    <a:gs pos="75000">
-                      <a:srgbClr val="B4DFE5"/>
-                    </a:gs>
-                    <a:gs pos="100000">
-                      <a:srgbClr val="D2FCFD"/>
-                    </a:gs>
-                  </a:gsLst>
-                  <a:lin ang="5400000" scaled="1"/>
-                </a:gradFill>
-              </a:ln>
-            </p:spPr>
-            <p:style>
-              <a:lnRef idx="2">
-                <a:schemeClr val="accent1">
-                  <a:shade val="50000"/>
-                </a:schemeClr>
-              </a:lnRef>
-              <a:fillRef idx="1">
-                <a:schemeClr val="accent1"/>
-              </a:fillRef>
-              <a:effectRef idx="0">
-                <a:schemeClr val="accent1"/>
-              </a:effectRef>
-              <a:fontRef idx="minor">
-                <a:schemeClr val="lt1"/>
-              </a:fontRef>
-            </p:style>
-            <p:txBody>
-              <a:bodyPr rtlCol="0" anchor="ctr"/>
-              <a:lstStyle/>
-              <a:p>
-                <a:pPr algn="ctr"/>
-                <a:endParaRPr lang="ko-KR" altLang="en-US"/>
-              </a:p>
-            </p:txBody>
-          </p:sp>
-          <p:sp>
-            <p:nvSpPr>
-              <p:cNvPr id="12" name="타원 11"/>
-              <p:cNvSpPr/>
-              <p:nvPr/>
-            </p:nvSpPr>
-            <p:spPr>
-              <a:xfrm>
-                <a:off x="7963158" y="944954"/>
-                <a:ext cx="1621208" cy="1637420"/>
-              </a:xfrm>
-              <a:prstGeom prst="ellipse">
-                <a:avLst/>
-              </a:prstGeom>
-              <a:noFill/>
-              <a:ln w="47625">
-                <a:gradFill>
-                  <a:gsLst>
-                    <a:gs pos="25000">
-                      <a:srgbClr val="F4976C"/>
-                    </a:gs>
-                    <a:gs pos="0">
-                      <a:srgbClr val="FBE8A6"/>
-                    </a:gs>
-                    <a:gs pos="50000">
-                      <a:srgbClr val="303C6C"/>
-                    </a:gs>
-                    <a:gs pos="75000">
-                      <a:srgbClr val="B4DFE5"/>
-                    </a:gs>
-                    <a:gs pos="100000">
-                      <a:srgbClr val="D2FCFD"/>
-                    </a:gs>
-                  </a:gsLst>
-                  <a:lin ang="5400000" scaled="1"/>
-                </a:gradFill>
-              </a:ln>
-            </p:spPr>
-            <p:style>
-              <a:lnRef idx="2">
-                <a:schemeClr val="accent1">
-                  <a:shade val="50000"/>
-                </a:schemeClr>
-              </a:lnRef>
-              <a:fillRef idx="1">
-                <a:schemeClr val="accent1"/>
-              </a:fillRef>
-              <a:effectRef idx="0">
-                <a:schemeClr val="accent1"/>
-              </a:effectRef>
-              <a:fontRef idx="minor">
-                <a:schemeClr val="lt1"/>
-              </a:fontRef>
-            </p:style>
-            <p:txBody>
-              <a:bodyPr rtlCol="0" anchor="ctr"/>
-              <a:lstStyle/>
-              <a:p>
-                <a:pPr algn="ctr"/>
-                <a:endParaRPr lang="ko-KR" altLang="en-US"/>
-              </a:p>
-            </p:txBody>
-          </p:sp>
-        </p:grpSp>
-        <p:sp>
-          <p:nvSpPr>
-            <p:cNvPr id="13" name="직사각형 12"/>
-            <p:cNvSpPr/>
-            <p:nvPr/>
-          </p:nvSpPr>
-          <p:spPr>
-            <a:xfrm>
-              <a:off x="4148992" y="2715705"/>
-              <a:ext cx="3894015" cy="1200329"/>
-            </a:xfrm>
-            <a:prstGeom prst="rect">
-              <a:avLst/>
-            </a:prstGeom>
-            <a:noFill/>
-          </p:spPr>
-          <p:txBody>
-            <a:bodyPr wrap="none" lIns="91440" tIns="45720" rIns="91440" bIns="45720">
-              <a:spAutoFit/>
-            </a:bodyPr>
-            <a:lstStyle/>
-            <a:p>
-              <a:pPr algn="dist"/>
-              <a:r>
-                <a:rPr lang="en-US" altLang="ko-KR" sz="7200" b="1" spc="-300" dirty="0" smtClean="0">
-                  <a:ln w="0"/>
-                  <a:solidFill>
-                    <a:schemeClr val="bg1"/>
-                  </a:solidFill>
-                  <a:effectLst>
-                    <a:outerShdw blurRad="38100" dist="19050" dir="2700000" algn="tl" rotWithShape="0">
-                      <a:schemeClr val="dk1">
-                        <a:alpha val="40000"/>
-                      </a:schemeClr>
-                    </a:outerShdw>
-                  </a:effectLst>
-                  <a:latin typeface="Zen Tokyo Zoo" pitchFamily="2" charset="0"/>
-                </a:rPr>
-                <a:t>r</a:t>
-              </a:r>
-              <a:r>
-                <a:rPr lang="en-US" altLang="ko-KR" sz="7200" b="1" cap="none" spc="-300" dirty="0" smtClean="0">
-                  <a:ln w="0"/>
-                  <a:solidFill>
-                    <a:schemeClr val="bg1"/>
-                  </a:solidFill>
-                  <a:effectLst>
-                    <a:outerShdw blurRad="38100" dist="19050" dir="2700000" algn="tl" rotWithShape="0">
-                      <a:schemeClr val="dk1">
-                        <a:alpha val="40000"/>
-                      </a:schemeClr>
-                    </a:outerShdw>
-                  </a:effectLst>
-                  <a:latin typeface="Zen Tokyo Zoo" pitchFamily="2" charset="0"/>
-                </a:rPr>
-                <a:t>outing star</a:t>
-              </a:r>
-            </a:p>
-          </p:txBody>
-        </p:sp>
-      </p:grpSp>
-    </p:spTree>
-    <p:extLst>
-      <p:ext uri="{BB962C8B-B14F-4D97-AF65-F5344CB8AC3E}">
-        <p14:creationId xmlns:p14="http://schemas.microsoft.com/office/powerpoint/2010/main" val="1953701246"/>
-      </p:ext>
-    </p:extLst>
-  </p:cSld>
-  <p:clrMapOvr>
-    <a:masterClrMapping/>
-  </p:clrMapOvr>
-  <p:timing>
-    <p:tnLst>
-      <p:par>
-        <p:cTn id="1" dur="indefinite" restart="never" nodeType="tmRoot"/>
-      </p:par>
-    </p:tnLst>
-  </p:timing>
-</p:sld>
-</file>
-
-<file path=ppt/slides/slide23.xml><?xml version="1.0" encoding="utf-8"?>
-<p:sld xmlns:a="http://schemas.openxmlformats.org/drawingml/2006/main" xmlns:r="http://schemas.openxmlformats.org/officeDocument/2006/relationships" xmlns:p="http://schemas.openxmlformats.org/presentationml/2006/main">
-  <p:cSld>
-    <p:spTree>
-      <p:nvGrpSpPr>
-        <p:cNvPr id="1" name=""/>
-        <p:cNvGrpSpPr/>
-        <p:nvPr/>
-      </p:nvGrpSpPr>
-      <p:grpSpPr>
-        <a:xfrm>
-          <a:off x="0" y="0"/>
-          <a:ext cx="0" cy="0"/>
-          <a:chOff x="0" y="0"/>
-          <a:chExt cx="0" cy="0"/>
-        </a:xfrm>
-      </p:grpSpPr>
-      <p:sp>
-        <p:nvSpPr>
-          <p:cNvPr id="2" name="제목 1"/>
-          <p:cNvSpPr>
-            <a:spLocks noGrp="1"/>
-          </p:cNvSpPr>
-          <p:nvPr>
-            <p:ph type="title"/>
-          </p:nvPr>
-        </p:nvSpPr>
-        <p:spPr/>
-        <p:txBody>
-          <a:bodyPr/>
-          <a:lstStyle/>
-          <a:p>
-            <a:endParaRPr lang="ko-KR" altLang="en-US"/>
-          </a:p>
-        </p:txBody>
-      </p:sp>
-      <p:sp>
-        <p:nvSpPr>
-          <p:cNvPr id="3" name="내용 개체 틀 2"/>
-          <p:cNvSpPr>
-            <a:spLocks noGrp="1"/>
-          </p:cNvSpPr>
-          <p:nvPr>
-            <p:ph idx="1"/>
-          </p:nvPr>
-        </p:nvSpPr>
-        <p:spPr/>
-        <p:txBody>
-          <a:bodyPr/>
-          <a:lstStyle/>
-          <a:p>
-            <a:endParaRPr lang="ko-KR" altLang="en-US"/>
-          </a:p>
-        </p:txBody>
-      </p:sp>
-      <p:sp>
-        <p:nvSpPr>
-          <p:cNvPr id="4" name="직사각형 3"/>
-          <p:cNvSpPr/>
-          <p:nvPr/>
-        </p:nvSpPr>
-        <p:spPr>
-          <a:xfrm>
-            <a:off x="0" y="0"/>
-            <a:ext cx="12192000" cy="6858000"/>
-          </a:xfrm>
-          <a:prstGeom prst="rect">
-            <a:avLst/>
-          </a:prstGeom>
-          <a:solidFill>
-            <a:schemeClr val="tx1"/>
-          </a:solidFill>
-        </p:spPr>
-        <p:style>
-          <a:lnRef idx="2">
-            <a:schemeClr val="accent1">
-              <a:shade val="50000"/>
-            </a:schemeClr>
-          </a:lnRef>
-          <a:fillRef idx="1">
-            <a:schemeClr val="accent1"/>
-          </a:fillRef>
-          <a:effectRef idx="0">
-            <a:schemeClr val="accent1"/>
-          </a:effectRef>
-          <a:fontRef idx="minor">
-            <a:schemeClr val="lt1"/>
-          </a:fontRef>
-        </p:style>
-        <p:txBody>
-          <a:bodyPr rtlCol="0" anchor="ctr"/>
-          <a:lstStyle/>
-          <a:p>
-            <a:pPr algn="ctr"/>
-            <a:endParaRPr lang="ko-KR" altLang="en-US"/>
-          </a:p>
-        </p:txBody>
-      </p:sp>
-      <p:grpSp>
-        <p:nvGrpSpPr>
-          <p:cNvPr id="14" name="그룹 13"/>
-          <p:cNvGrpSpPr/>
-          <p:nvPr/>
-        </p:nvGrpSpPr>
-        <p:grpSpPr>
-          <a:xfrm>
-            <a:off x="3506412" y="2165843"/>
-            <a:ext cx="5179175" cy="2738626"/>
-            <a:chOff x="3506412" y="2165843"/>
-            <a:chExt cx="5179175" cy="2738626"/>
-          </a:xfrm>
-        </p:grpSpPr>
-        <p:grpSp>
-          <p:nvGrpSpPr>
-            <p:cNvPr id="6" name="그룹 5"/>
-            <p:cNvGrpSpPr/>
-            <p:nvPr/>
-          </p:nvGrpSpPr>
-          <p:grpSpPr>
-            <a:xfrm>
-              <a:off x="4726686" y="2165843"/>
-              <a:ext cx="2738626" cy="2738626"/>
-              <a:chOff x="7404449" y="394352"/>
-              <a:chExt cx="2738626" cy="2738626"/>
-            </a:xfrm>
-          </p:grpSpPr>
-          <p:sp>
-            <p:nvSpPr>
-              <p:cNvPr id="7" name="타원 6"/>
-              <p:cNvSpPr/>
-              <p:nvPr/>
-            </p:nvSpPr>
-            <p:spPr>
-              <a:xfrm>
-                <a:off x="7404449" y="394352"/>
-                <a:ext cx="2738626" cy="2738626"/>
-              </a:xfrm>
-              <a:prstGeom prst="ellipse">
-                <a:avLst/>
-              </a:prstGeom>
-              <a:noFill/>
-              <a:ln w="47625">
-                <a:gradFill>
-                  <a:gsLst>
-                    <a:gs pos="25000">
-                      <a:srgbClr val="F4976C"/>
-                    </a:gs>
-                    <a:gs pos="0">
-                      <a:srgbClr val="FBE8A6"/>
-                    </a:gs>
-                    <a:gs pos="50000">
-                      <a:srgbClr val="303C6C"/>
-                    </a:gs>
-                    <a:gs pos="75000">
-                      <a:srgbClr val="B4DFE5"/>
-                    </a:gs>
-                    <a:gs pos="100000">
-                      <a:srgbClr val="D2FCFD"/>
-                    </a:gs>
-                  </a:gsLst>
-                  <a:lin ang="5400000" scaled="1"/>
-                </a:gradFill>
-              </a:ln>
-            </p:spPr>
-            <p:style>
-              <a:lnRef idx="2">
-                <a:schemeClr val="accent1">
-                  <a:shade val="50000"/>
-                </a:schemeClr>
-              </a:lnRef>
-              <a:fillRef idx="1">
-                <a:schemeClr val="accent1"/>
-              </a:fillRef>
-              <a:effectRef idx="0">
-                <a:schemeClr val="accent1"/>
-              </a:effectRef>
-              <a:fontRef idx="minor">
-                <a:schemeClr val="lt1"/>
-              </a:fontRef>
-            </p:style>
-            <p:txBody>
-              <a:bodyPr rtlCol="0" anchor="ctr"/>
-              <a:lstStyle/>
-              <a:p>
-                <a:pPr algn="ctr"/>
-                <a:endParaRPr lang="ko-KR" altLang="en-US"/>
-              </a:p>
-            </p:txBody>
-          </p:sp>
-          <p:sp>
-            <p:nvSpPr>
-              <p:cNvPr id="8" name="타원 7"/>
-              <p:cNvSpPr/>
-              <p:nvPr/>
-            </p:nvSpPr>
-            <p:spPr>
-              <a:xfrm>
-                <a:off x="7518489" y="508392"/>
-                <a:ext cx="2510546" cy="2510546"/>
-              </a:xfrm>
-              <a:prstGeom prst="ellipse">
-                <a:avLst/>
-              </a:prstGeom>
-              <a:noFill/>
-              <a:ln w="47625">
-                <a:gradFill>
-                  <a:gsLst>
-                    <a:gs pos="25000">
-                      <a:srgbClr val="F4976C"/>
-                    </a:gs>
-                    <a:gs pos="0">
-                      <a:srgbClr val="FBE8A6"/>
-                    </a:gs>
-                    <a:gs pos="50000">
-                      <a:srgbClr val="303C6C"/>
-                    </a:gs>
-                    <a:gs pos="75000">
-                      <a:srgbClr val="B4DFE5"/>
-                    </a:gs>
-                    <a:gs pos="100000">
-                      <a:srgbClr val="D2FCFD"/>
-                    </a:gs>
-                  </a:gsLst>
-                  <a:lin ang="5400000" scaled="1"/>
-                </a:gradFill>
-              </a:ln>
-            </p:spPr>
-            <p:style>
-              <a:lnRef idx="2">
-                <a:schemeClr val="accent1">
-                  <a:shade val="50000"/>
-                </a:schemeClr>
-              </a:lnRef>
-              <a:fillRef idx="1">
-                <a:schemeClr val="accent1"/>
-              </a:fillRef>
-              <a:effectRef idx="0">
-                <a:schemeClr val="accent1"/>
-              </a:effectRef>
-              <a:fontRef idx="minor">
-                <a:schemeClr val="lt1"/>
-              </a:fontRef>
-            </p:style>
-            <p:txBody>
-              <a:bodyPr rtlCol="0" anchor="ctr"/>
-              <a:lstStyle/>
-              <a:p>
-                <a:pPr algn="ctr"/>
-                <a:endParaRPr lang="ko-KR" altLang="en-US"/>
-              </a:p>
-            </p:txBody>
-          </p:sp>
-          <p:sp>
-            <p:nvSpPr>
-              <p:cNvPr id="9" name="타원 8"/>
-              <p:cNvSpPr/>
-              <p:nvPr/>
-            </p:nvSpPr>
-            <p:spPr>
-              <a:xfrm>
-                <a:off x="7518489" y="508392"/>
-                <a:ext cx="2510546" cy="2510546"/>
-              </a:xfrm>
-              <a:prstGeom prst="ellipse">
-                <a:avLst/>
-              </a:prstGeom>
-              <a:noFill/>
-              <a:ln w="47625">
-                <a:gradFill>
-                  <a:gsLst>
-                    <a:gs pos="25000">
-                      <a:srgbClr val="F4976C"/>
-                    </a:gs>
-                    <a:gs pos="0">
-                      <a:srgbClr val="FBE8A6"/>
-                    </a:gs>
-                    <a:gs pos="50000">
-                      <a:srgbClr val="303C6C"/>
-                    </a:gs>
-                    <a:gs pos="75000">
-                      <a:srgbClr val="B4DFE5"/>
-                    </a:gs>
-                    <a:gs pos="100000">
-                      <a:srgbClr val="D2FCFD"/>
-                    </a:gs>
-                  </a:gsLst>
-                  <a:lin ang="5400000" scaled="1"/>
-                </a:gradFill>
-              </a:ln>
-            </p:spPr>
-            <p:style>
-              <a:lnRef idx="2">
-                <a:schemeClr val="accent1">
-                  <a:shade val="50000"/>
-                </a:schemeClr>
-              </a:lnRef>
-              <a:fillRef idx="1">
-                <a:schemeClr val="accent1"/>
-              </a:fillRef>
-              <a:effectRef idx="0">
-                <a:schemeClr val="accent1"/>
-              </a:effectRef>
-              <a:fontRef idx="minor">
-                <a:schemeClr val="lt1"/>
-              </a:fontRef>
-            </p:style>
-            <p:txBody>
-              <a:bodyPr rtlCol="0" anchor="ctr"/>
-              <a:lstStyle/>
-              <a:p>
-                <a:pPr algn="ctr"/>
-                <a:endParaRPr lang="ko-KR" altLang="en-US"/>
-              </a:p>
-            </p:txBody>
-          </p:sp>
-          <p:sp>
-            <p:nvSpPr>
-              <p:cNvPr id="10" name="타원 9"/>
-              <p:cNvSpPr/>
-              <p:nvPr/>
-            </p:nvSpPr>
-            <p:spPr>
-              <a:xfrm>
-                <a:off x="7628127" y="618030"/>
-                <a:ext cx="2291269" cy="2291269"/>
-              </a:xfrm>
-              <a:prstGeom prst="ellipse">
-                <a:avLst/>
-              </a:prstGeom>
-              <a:noFill/>
-              <a:ln w="47625">
-                <a:gradFill>
-                  <a:gsLst>
-                    <a:gs pos="25000">
-                      <a:srgbClr val="F4976C"/>
-                    </a:gs>
-                    <a:gs pos="0">
-                      <a:srgbClr val="FBE8A6"/>
-                    </a:gs>
-                    <a:gs pos="50000">
-                      <a:srgbClr val="303C6C"/>
-                    </a:gs>
-                    <a:gs pos="75000">
-                      <a:srgbClr val="B4DFE5"/>
-                    </a:gs>
-                    <a:gs pos="100000">
-                      <a:srgbClr val="D2FCFD"/>
-                    </a:gs>
-                  </a:gsLst>
-                  <a:lin ang="5400000" scaled="1"/>
-                </a:gradFill>
-              </a:ln>
-            </p:spPr>
-            <p:style>
-              <a:lnRef idx="2">
-                <a:schemeClr val="accent1">
-                  <a:shade val="50000"/>
-                </a:schemeClr>
-              </a:lnRef>
-              <a:fillRef idx="1">
-                <a:schemeClr val="accent1"/>
-              </a:fillRef>
-              <a:effectRef idx="0">
-                <a:schemeClr val="accent1"/>
-              </a:effectRef>
-              <a:fontRef idx="minor">
-                <a:schemeClr val="lt1"/>
-              </a:fontRef>
-            </p:style>
-            <p:txBody>
-              <a:bodyPr rtlCol="0" anchor="ctr"/>
-              <a:lstStyle/>
-              <a:p>
-                <a:pPr algn="ctr"/>
-                <a:endParaRPr lang="ko-KR" altLang="en-US"/>
-              </a:p>
-            </p:txBody>
-          </p:sp>
-          <p:sp>
-            <p:nvSpPr>
-              <p:cNvPr id="11" name="타원 10"/>
-              <p:cNvSpPr/>
-              <p:nvPr/>
-            </p:nvSpPr>
-            <p:spPr>
-              <a:xfrm>
-                <a:off x="7744511" y="724121"/>
-                <a:ext cx="2058502" cy="2079087"/>
-              </a:xfrm>
-              <a:prstGeom prst="ellipse">
-                <a:avLst/>
-              </a:prstGeom>
-              <a:noFill/>
-              <a:ln w="47625">
-                <a:gradFill>
-                  <a:gsLst>
-                    <a:gs pos="25000">
-                      <a:srgbClr val="F4976C"/>
-                    </a:gs>
-                    <a:gs pos="0">
-                      <a:srgbClr val="FBE8A6"/>
-                    </a:gs>
-                    <a:gs pos="50000">
-                      <a:srgbClr val="303C6C"/>
-                    </a:gs>
-                    <a:gs pos="75000">
-                      <a:srgbClr val="B4DFE5"/>
-                    </a:gs>
-                    <a:gs pos="100000">
-                      <a:srgbClr val="D2FCFD"/>
-                    </a:gs>
-                  </a:gsLst>
-                  <a:lin ang="5400000" scaled="1"/>
-                </a:gradFill>
-              </a:ln>
-            </p:spPr>
-            <p:style>
-              <a:lnRef idx="2">
-                <a:schemeClr val="accent1">
-                  <a:shade val="50000"/>
-                </a:schemeClr>
-              </a:lnRef>
-              <a:fillRef idx="1">
-                <a:schemeClr val="accent1"/>
-              </a:fillRef>
-              <a:effectRef idx="0">
-                <a:schemeClr val="accent1"/>
-              </a:effectRef>
-              <a:fontRef idx="minor">
-                <a:schemeClr val="lt1"/>
-              </a:fontRef>
-            </p:style>
-            <p:txBody>
-              <a:bodyPr rtlCol="0" anchor="ctr"/>
-              <a:lstStyle/>
-              <a:p>
-                <a:pPr algn="ctr"/>
-                <a:endParaRPr lang="ko-KR" altLang="en-US"/>
-              </a:p>
-            </p:txBody>
-          </p:sp>
-          <p:sp>
-            <p:nvSpPr>
-              <p:cNvPr id="12" name="타원 11"/>
-              <p:cNvSpPr/>
-              <p:nvPr/>
-            </p:nvSpPr>
-            <p:spPr>
-              <a:xfrm>
-                <a:off x="7860354" y="841122"/>
-                <a:ext cx="1826816" cy="1845084"/>
-              </a:xfrm>
-              <a:prstGeom prst="ellipse">
-                <a:avLst/>
-              </a:prstGeom>
-              <a:noFill/>
-              <a:ln w="47625">
-                <a:gradFill>
-                  <a:gsLst>
-                    <a:gs pos="25000">
-                      <a:srgbClr val="F4976C"/>
-                    </a:gs>
-                    <a:gs pos="0">
-                      <a:srgbClr val="FBE8A6"/>
-                    </a:gs>
-                    <a:gs pos="50000">
-                      <a:srgbClr val="303C6C"/>
-                    </a:gs>
-                    <a:gs pos="75000">
-                      <a:srgbClr val="B4DFE5"/>
-                    </a:gs>
-                    <a:gs pos="100000">
-                      <a:srgbClr val="D2FCFD"/>
-                    </a:gs>
-                  </a:gsLst>
-                  <a:lin ang="5400000" scaled="1"/>
-                </a:gradFill>
-              </a:ln>
-            </p:spPr>
-            <p:style>
-              <a:lnRef idx="2">
-                <a:schemeClr val="accent1">
-                  <a:shade val="50000"/>
-                </a:schemeClr>
-              </a:lnRef>
-              <a:fillRef idx="1">
-                <a:schemeClr val="accent1"/>
-              </a:fillRef>
-              <a:effectRef idx="0">
-                <a:schemeClr val="accent1"/>
-              </a:effectRef>
-              <a:fontRef idx="minor">
-                <a:schemeClr val="lt1"/>
-              </a:fontRef>
-            </p:style>
-            <p:txBody>
-              <a:bodyPr rtlCol="0" anchor="ctr"/>
-              <a:lstStyle/>
-              <a:p>
-                <a:pPr algn="ctr"/>
-                <a:endParaRPr lang="ko-KR" altLang="en-US"/>
-              </a:p>
-            </p:txBody>
-          </p:sp>
-          <p:sp>
-            <p:nvSpPr>
-              <p:cNvPr id="13" name="타원 12"/>
-              <p:cNvSpPr/>
-              <p:nvPr/>
-            </p:nvSpPr>
-            <p:spPr>
-              <a:xfrm>
-                <a:off x="7963158" y="944954"/>
-                <a:ext cx="1621208" cy="1637420"/>
-              </a:xfrm>
-              <a:prstGeom prst="ellipse">
-                <a:avLst/>
-              </a:prstGeom>
-              <a:noFill/>
-              <a:ln w="47625">
-                <a:gradFill>
-                  <a:gsLst>
-                    <a:gs pos="25000">
-                      <a:srgbClr val="F4976C"/>
-                    </a:gs>
-                    <a:gs pos="0">
-                      <a:srgbClr val="FBE8A6"/>
-                    </a:gs>
-                    <a:gs pos="50000">
-                      <a:srgbClr val="303C6C"/>
-                    </a:gs>
-                    <a:gs pos="75000">
-                      <a:srgbClr val="B4DFE5"/>
-                    </a:gs>
-                    <a:gs pos="100000">
-                      <a:srgbClr val="D2FCFD"/>
-                    </a:gs>
-                  </a:gsLst>
-                  <a:lin ang="5400000" scaled="1"/>
-                </a:gradFill>
-              </a:ln>
-            </p:spPr>
-            <p:style>
-              <a:lnRef idx="2">
-                <a:schemeClr val="accent1">
-                  <a:shade val="50000"/>
-                </a:schemeClr>
-              </a:lnRef>
-              <a:fillRef idx="1">
-                <a:schemeClr val="accent1"/>
-              </a:fillRef>
-              <a:effectRef idx="0">
-                <a:schemeClr val="accent1"/>
-              </a:effectRef>
-              <a:fontRef idx="minor">
-                <a:schemeClr val="lt1"/>
-              </a:fontRef>
-            </p:style>
-            <p:txBody>
-              <a:bodyPr rtlCol="0" anchor="ctr"/>
-              <a:lstStyle/>
-              <a:p>
-                <a:pPr algn="ctr"/>
-                <a:endParaRPr lang="ko-KR" altLang="en-US"/>
-              </a:p>
-            </p:txBody>
-          </p:sp>
-        </p:grpSp>
-        <p:sp>
-          <p:nvSpPr>
-            <p:cNvPr id="5" name="직사각형 4"/>
-            <p:cNvSpPr/>
-            <p:nvPr/>
-          </p:nvSpPr>
-          <p:spPr>
-            <a:xfrm>
-              <a:off x="3506412" y="2967335"/>
-              <a:ext cx="5179175" cy="923330"/>
-            </a:xfrm>
-            <a:prstGeom prst="rect">
-              <a:avLst/>
-            </a:prstGeom>
-            <a:noFill/>
-          </p:spPr>
-          <p:txBody>
-            <a:bodyPr wrap="none" lIns="91440" tIns="45720" rIns="91440" bIns="45720">
-              <a:spAutoFit/>
-            </a:bodyPr>
-            <a:lstStyle/>
-            <a:p>
-              <a:pPr algn="dist"/>
-              <a:r>
-                <a:rPr lang="en-US" altLang="ko-KR" sz="5400" b="0" cap="none" spc="-300" dirty="0" smtClean="0">
-                  <a:ln w="0"/>
-                  <a:solidFill>
-                    <a:schemeClr val="bg1"/>
-                  </a:solidFill>
-                  <a:effectLst>
-                    <a:outerShdw blurRad="38100" dist="19050" dir="2700000" algn="tl" rotWithShape="0">
-                      <a:schemeClr val="dk1">
-                        <a:alpha val="40000"/>
-                      </a:schemeClr>
-                    </a:outerShdw>
-                  </a:effectLst>
-                  <a:latin typeface="Stencil Std" panose="04020904080802020404" pitchFamily="82" charset="0"/>
-                </a:rPr>
-                <a:t>Routing Star</a:t>
-              </a:r>
-            </a:p>
-          </p:txBody>
-        </p:sp>
-      </p:grpSp>
-    </p:spTree>
-    <p:extLst>
-      <p:ext uri="{BB962C8B-B14F-4D97-AF65-F5344CB8AC3E}">
-        <p14:creationId xmlns:p14="http://schemas.microsoft.com/office/powerpoint/2010/main" val="3991441759"/>
-      </p:ext>
-    </p:extLst>
-  </p:cSld>
-  <p:clrMapOvr>
-    <a:masterClrMapping/>
-  </p:clrMapOvr>
-  <p:timing>
-    <p:tnLst>
-      <p:par>
-        <p:cTn id="1" dur="indefinite" restart="never" nodeType="tmRoot"/>
-      </p:par>
-    </p:tnLst>
-  </p:timing>
-</p:sld>
-</file>
-
-<file path=ppt/slides/slide3.xml><?xml version="1.0" encoding="utf-8"?>
+<file path=ppt/slides/slide5.xml><?xml version="1.0" encoding="utf-8"?>
 <p:sld xmlns:a="http://schemas.openxmlformats.org/drawingml/2006/main" xmlns:r="http://schemas.openxmlformats.org/officeDocument/2006/relationships" xmlns:p="http://schemas.openxmlformats.org/presentationml/2006/main">
   <p:cSld>
     <p:bg>
@@ -19203,7 +20469,7 @@
 </p:sld>
 </file>
 
-<file path=ppt/slides/slide4.xml><?xml version="1.0" encoding="utf-8"?>
+<file path=ppt/slides/slide6.xml><?xml version="1.0" encoding="utf-8"?>
 <p:sld xmlns:a="http://schemas.openxmlformats.org/drawingml/2006/main" xmlns:r="http://schemas.openxmlformats.org/officeDocument/2006/relationships" xmlns:p="http://schemas.openxmlformats.org/presentationml/2006/main">
   <p:cSld>
     <p:bg>
@@ -19756,16 +21022,16 @@
       </p:grpSp>
       <p:grpSp>
         <p:nvGrpSpPr>
-          <p:cNvPr id="3" name="그룹 2"/>
+          <p:cNvPr id="5" name="그룹 4"/>
           <p:cNvGrpSpPr/>
           <p:nvPr/>
         </p:nvGrpSpPr>
         <p:grpSpPr>
-          <a:xfrm rot="5400000">
-            <a:off x="7908131" y="3419605"/>
-            <a:ext cx="2928225" cy="2918990"/>
-            <a:chOff x="7908131" y="3419605"/>
-            <a:chExt cx="2928225" cy="2918990"/>
+          <a:xfrm>
+            <a:off x="7912749" y="3414988"/>
+            <a:ext cx="2918990" cy="2928225"/>
+            <a:chOff x="7912749" y="3414988"/>
+            <a:chExt cx="2918990" cy="2928225"/>
           </a:xfrm>
         </p:grpSpPr>
         <p:sp>
@@ -19775,8 +21041,8 @@
             <p:nvPr/>
           </p:nvSpPr>
           <p:spPr>
-            <a:xfrm rot="15718605">
-              <a:off x="7911722" y="3419605"/>
+            <a:xfrm rot="21118605">
+              <a:off x="7951739" y="3418579"/>
               <a:ext cx="2880000" cy="2880000"/>
             </a:xfrm>
             <a:prstGeom prst="ellipse">
@@ -19838,8 +21104,8 @@
             <p:nvPr/>
           </p:nvCxnSpPr>
           <p:spPr>
-            <a:xfrm rot="163335" flipV="1">
-              <a:off x="8015046" y="3922548"/>
+            <a:xfrm rot="5563335" flipV="1">
+              <a:off x="8841377" y="4505646"/>
               <a:ext cx="2471162" cy="503676"/>
             </a:xfrm>
             <a:prstGeom prst="line">
@@ -19873,8 +21139,8 @@
             <p:nvPr/>
           </p:nvCxnSpPr>
           <p:spPr>
-            <a:xfrm rot="163335">
-              <a:off x="10478653" y="3987568"/>
+            <a:xfrm rot="5563335">
+              <a:off x="9879638" y="5880595"/>
               <a:ext cx="279223" cy="489053"/>
             </a:xfrm>
             <a:prstGeom prst="line">
@@ -19908,8 +21174,8 @@
             <p:nvPr/>
           </p:nvCxnSpPr>
           <p:spPr>
-            <a:xfrm rot="163335" flipH="1" flipV="1">
-              <a:off x="8147382" y="3999971"/>
+            <a:xfrm rot="5563335" flipH="1" flipV="1">
+              <a:off x="8659631" y="3018808"/>
               <a:ext cx="956311" cy="2227172"/>
             </a:xfrm>
             <a:prstGeom prst="line">
@@ -19943,8 +21209,8 @@
             <p:nvPr/>
           </p:nvCxnSpPr>
           <p:spPr>
-            <a:xfrm rot="163335" flipH="1" flipV="1">
-              <a:off x="7955281" y="4393031"/>
+            <a:xfrm rot="5563335" flipH="1" flipV="1">
+              <a:off x="8374020" y="3116918"/>
               <a:ext cx="1139073" cy="1829513"/>
             </a:xfrm>
             <a:prstGeom prst="line">
@@ -19978,8 +21244,8 @@
             <p:nvPr/>
           </p:nvSpPr>
           <p:spPr>
-            <a:xfrm rot="15718605">
-              <a:off x="8104338" y="3889430"/>
+            <a:xfrm rot="21118605">
+              <a:off x="10181914" y="3611195"/>
               <a:ext cx="180000" cy="180000"/>
             </a:xfrm>
             <a:prstGeom prst="ellipse">
@@ -20046,8 +21312,8 @@
             <p:nvPr/>
           </p:nvSpPr>
           <p:spPr>
-            <a:xfrm rot="15718605">
-              <a:off x="8960265" y="6158595"/>
+            <a:xfrm rot="21118605">
+              <a:off x="7912749" y="4467122"/>
               <a:ext cx="180000" cy="180000"/>
             </a:xfrm>
             <a:prstGeom prst="ellipse">
@@ -20114,8 +21380,8 @@
             <p:nvPr/>
           </p:nvSpPr>
           <p:spPr>
-            <a:xfrm rot="15718605">
-              <a:off x="7908131" y="4276919"/>
+            <a:xfrm rot="21118605">
+              <a:off x="9794425" y="3414988"/>
               <a:ext cx="180000" cy="180000"/>
             </a:xfrm>
             <a:prstGeom prst="ellipse">
@@ -20182,8 +21448,8 @@
             <p:nvPr/>
           </p:nvSpPr>
           <p:spPr>
-            <a:xfrm rot="15718605">
-              <a:off x="10407488" y="3876499"/>
+            <a:xfrm rot="21118605">
+              <a:off x="10194845" y="5914345"/>
               <a:ext cx="180000" cy="180000"/>
             </a:xfrm>
             <a:prstGeom prst="ellipse">
@@ -20250,8 +21516,8 @@
             <p:nvPr/>
           </p:nvSpPr>
           <p:spPr>
-            <a:xfrm rot="15718605">
-              <a:off x="10656356" y="4399014"/>
+            <a:xfrm rot="21118605">
+              <a:off x="9672330" y="6163213"/>
               <a:ext cx="180000" cy="180000"/>
             </a:xfrm>
             <a:prstGeom prst="ellipse">
@@ -20426,6 +21692,1107 @@
           </a:p>
         </p:txBody>
       </p:sp>
+      <p:sp>
+        <p:nvSpPr>
+          <p:cNvPr id="30" name="타원 29"/>
+          <p:cNvSpPr/>
+          <p:nvPr/>
+        </p:nvSpPr>
+        <p:spPr>
+          <a:xfrm rot="21118605">
+            <a:off x="5458086" y="400876"/>
+            <a:ext cx="2880000" cy="2880000"/>
+          </a:xfrm>
+          <a:prstGeom prst="ellipse">
+            <a:avLst/>
+          </a:prstGeom>
+          <a:noFill/>
+          <a:ln w="50800">
+            <a:gradFill>
+              <a:gsLst>
+                <a:gs pos="25000">
+                  <a:srgbClr val="84CEEB"/>
+                </a:gs>
+                <a:gs pos="0">
+                  <a:srgbClr val="5580E9"/>
+                </a:gs>
+                <a:gs pos="50000">
+                  <a:srgbClr val="5AB8EC"/>
+                </a:gs>
+                <a:gs pos="75000">
+                  <a:srgbClr val="C1C8E4"/>
+                </a:gs>
+                <a:gs pos="100000">
+                  <a:srgbClr val="8860D0"/>
+                </a:gs>
+              </a:gsLst>
+              <a:lin ang="5400000" scaled="1"/>
+            </a:gradFill>
+          </a:ln>
+        </p:spPr>
+        <p:style>
+          <a:lnRef idx="2">
+            <a:schemeClr val="accent1">
+              <a:shade val="50000"/>
+            </a:schemeClr>
+          </a:lnRef>
+          <a:fillRef idx="1">
+            <a:schemeClr val="accent1"/>
+          </a:fillRef>
+          <a:effectRef idx="0">
+            <a:schemeClr val="accent1"/>
+          </a:effectRef>
+          <a:fontRef idx="minor">
+            <a:schemeClr val="lt1"/>
+          </a:fontRef>
+        </p:style>
+        <p:txBody>
+          <a:bodyPr rtlCol="0" anchor="ctr"/>
+          <a:lstStyle/>
+          <a:p>
+            <a:pPr algn="ctr"/>
+            <a:endParaRPr lang="ko-KR" altLang="en-US"/>
+          </a:p>
+        </p:txBody>
+      </p:sp>
+      <p:cxnSp>
+        <p:nvCxnSpPr>
+          <p:cNvPr id="31" name="직선 연결선 30"/>
+          <p:cNvCxnSpPr/>
+          <p:nvPr/>
+        </p:nvCxnSpPr>
+        <p:spPr>
+          <a:xfrm rot="5563335" flipV="1">
+            <a:off x="6347724" y="1487943"/>
+            <a:ext cx="2471162" cy="503676"/>
+          </a:xfrm>
+          <a:prstGeom prst="line">
+            <a:avLst/>
+          </a:prstGeom>
+          <a:ln w="19050">
+            <a:solidFill>
+              <a:srgbClr val="C1C8E4"/>
+            </a:solidFill>
+          </a:ln>
+        </p:spPr>
+        <p:style>
+          <a:lnRef idx="1">
+            <a:schemeClr val="dk1"/>
+          </a:lnRef>
+          <a:fillRef idx="0">
+            <a:schemeClr val="dk1"/>
+          </a:fillRef>
+          <a:effectRef idx="0">
+            <a:schemeClr val="dk1"/>
+          </a:effectRef>
+          <a:fontRef idx="minor">
+            <a:schemeClr val="tx1"/>
+          </a:fontRef>
+        </p:style>
+      </p:cxnSp>
+      <p:cxnSp>
+        <p:nvCxnSpPr>
+          <p:cNvPr id="32" name="직선 연결선 31"/>
+          <p:cNvCxnSpPr/>
+          <p:nvPr/>
+        </p:nvCxnSpPr>
+        <p:spPr>
+          <a:xfrm rot="5563335">
+            <a:off x="7385985" y="2862892"/>
+            <a:ext cx="279223" cy="489053"/>
+          </a:xfrm>
+          <a:prstGeom prst="line">
+            <a:avLst/>
+          </a:prstGeom>
+          <a:ln w="19050">
+            <a:solidFill>
+              <a:srgbClr val="C1C8E4"/>
+            </a:solidFill>
+          </a:ln>
+        </p:spPr>
+        <p:style>
+          <a:lnRef idx="1">
+            <a:schemeClr val="dk1"/>
+          </a:lnRef>
+          <a:fillRef idx="0">
+            <a:schemeClr val="dk1"/>
+          </a:fillRef>
+          <a:effectRef idx="0">
+            <a:schemeClr val="dk1"/>
+          </a:effectRef>
+          <a:fontRef idx="minor">
+            <a:schemeClr val="tx1"/>
+          </a:fontRef>
+        </p:style>
+      </p:cxnSp>
+      <p:cxnSp>
+        <p:nvCxnSpPr>
+          <p:cNvPr id="33" name="직선 연결선 32"/>
+          <p:cNvCxnSpPr/>
+          <p:nvPr/>
+        </p:nvCxnSpPr>
+        <p:spPr>
+          <a:xfrm rot="5563335" flipH="1" flipV="1">
+            <a:off x="6165978" y="1105"/>
+            <a:ext cx="956311" cy="2227172"/>
+          </a:xfrm>
+          <a:prstGeom prst="line">
+            <a:avLst/>
+          </a:prstGeom>
+          <a:ln w="19050">
+            <a:solidFill>
+              <a:srgbClr val="C1C8E4"/>
+            </a:solidFill>
+          </a:ln>
+        </p:spPr>
+        <p:style>
+          <a:lnRef idx="1">
+            <a:schemeClr val="dk1"/>
+          </a:lnRef>
+          <a:fillRef idx="0">
+            <a:schemeClr val="dk1"/>
+          </a:fillRef>
+          <a:effectRef idx="0">
+            <a:schemeClr val="dk1"/>
+          </a:effectRef>
+          <a:fontRef idx="minor">
+            <a:schemeClr val="tx1"/>
+          </a:fontRef>
+        </p:style>
+      </p:cxnSp>
+      <p:cxnSp>
+        <p:nvCxnSpPr>
+          <p:cNvPr id="34" name="직선 연결선 33"/>
+          <p:cNvCxnSpPr/>
+          <p:nvPr/>
+        </p:nvCxnSpPr>
+        <p:spPr>
+          <a:xfrm rot="5563335" flipH="1" flipV="1">
+            <a:off x="5880367" y="99215"/>
+            <a:ext cx="1139073" cy="1829513"/>
+          </a:xfrm>
+          <a:prstGeom prst="line">
+            <a:avLst/>
+          </a:prstGeom>
+          <a:ln w="19050">
+            <a:solidFill>
+              <a:srgbClr val="C1C8E4"/>
+            </a:solidFill>
+          </a:ln>
+        </p:spPr>
+        <p:style>
+          <a:lnRef idx="1">
+            <a:schemeClr val="dk1"/>
+          </a:lnRef>
+          <a:fillRef idx="0">
+            <a:schemeClr val="dk1"/>
+          </a:fillRef>
+          <a:effectRef idx="0">
+            <a:schemeClr val="dk1"/>
+          </a:effectRef>
+          <a:fontRef idx="minor">
+            <a:schemeClr val="tx1"/>
+          </a:fontRef>
+        </p:style>
+      </p:cxnSp>
+      <p:sp>
+        <p:nvSpPr>
+          <p:cNvPr id="35" name="타원 34"/>
+          <p:cNvSpPr/>
+          <p:nvPr/>
+        </p:nvSpPr>
+        <p:spPr>
+          <a:xfrm rot="21118605">
+            <a:off x="7688261" y="593492"/>
+            <a:ext cx="180000" cy="180000"/>
+          </a:xfrm>
+          <a:prstGeom prst="ellipse">
+            <a:avLst/>
+          </a:prstGeom>
+          <a:blipFill>
+            <a:blip r:embed="rId3">
+              <a:alphaModFix amt="99000"/>
+            </a:blip>
+            <a:tile tx="0" ty="0" sx="100000" sy="100000" flip="none" algn="tl"/>
+          </a:blipFill>
+          <a:ln>
+            <a:gradFill>
+              <a:gsLst>
+                <a:gs pos="0">
+                  <a:srgbClr val="5580E9"/>
+                </a:gs>
+                <a:gs pos="25000">
+                  <a:srgbClr val="84CEEB"/>
+                </a:gs>
+                <a:gs pos="50000">
+                  <a:srgbClr val="5AB8EB"/>
+                </a:gs>
+                <a:gs pos="100000">
+                  <a:srgbClr val="C1C8E4"/>
+                </a:gs>
+                <a:gs pos="75000">
+                  <a:srgbClr val="8860D0"/>
+                </a:gs>
+              </a:gsLst>
+              <a:lin ang="5400000" scaled="1"/>
+            </a:gradFill>
+          </a:ln>
+        </p:spPr>
+        <p:style>
+          <a:lnRef idx="2">
+            <a:schemeClr val="accent1">
+              <a:shade val="50000"/>
+            </a:schemeClr>
+          </a:lnRef>
+          <a:fillRef idx="1">
+            <a:schemeClr val="accent1"/>
+          </a:fillRef>
+          <a:effectRef idx="0">
+            <a:schemeClr val="accent1"/>
+          </a:effectRef>
+          <a:fontRef idx="minor">
+            <a:schemeClr val="lt1"/>
+          </a:fontRef>
+        </p:style>
+        <p:txBody>
+          <a:bodyPr rtlCol="0" anchor="ctr"/>
+          <a:lstStyle/>
+          <a:p>
+            <a:pPr algn="ctr"/>
+            <a:endParaRPr lang="ko-KR" altLang="en-US"/>
+          </a:p>
+        </p:txBody>
+      </p:sp>
+      <p:sp>
+        <p:nvSpPr>
+          <p:cNvPr id="36" name="타원 35"/>
+          <p:cNvSpPr/>
+          <p:nvPr/>
+        </p:nvSpPr>
+        <p:spPr>
+          <a:xfrm rot="21118605">
+            <a:off x="5419096" y="1449419"/>
+            <a:ext cx="180000" cy="180000"/>
+          </a:xfrm>
+          <a:prstGeom prst="ellipse">
+            <a:avLst/>
+          </a:prstGeom>
+          <a:blipFill>
+            <a:blip r:embed="rId3">
+              <a:alphaModFix amt="99000"/>
+            </a:blip>
+            <a:tile tx="0" ty="0" sx="100000" sy="100000" flip="none" algn="tl"/>
+          </a:blipFill>
+          <a:ln>
+            <a:gradFill>
+              <a:gsLst>
+                <a:gs pos="0">
+                  <a:srgbClr val="5580E9"/>
+                </a:gs>
+                <a:gs pos="25000">
+                  <a:srgbClr val="84CEEB"/>
+                </a:gs>
+                <a:gs pos="50000">
+                  <a:srgbClr val="5AB8EB"/>
+                </a:gs>
+                <a:gs pos="100000">
+                  <a:srgbClr val="C1C8E4"/>
+                </a:gs>
+                <a:gs pos="75000">
+                  <a:srgbClr val="8860D0"/>
+                </a:gs>
+              </a:gsLst>
+              <a:lin ang="5400000" scaled="1"/>
+            </a:gradFill>
+          </a:ln>
+        </p:spPr>
+        <p:style>
+          <a:lnRef idx="2">
+            <a:schemeClr val="accent1">
+              <a:shade val="50000"/>
+            </a:schemeClr>
+          </a:lnRef>
+          <a:fillRef idx="1">
+            <a:schemeClr val="accent1"/>
+          </a:fillRef>
+          <a:effectRef idx="0">
+            <a:schemeClr val="accent1"/>
+          </a:effectRef>
+          <a:fontRef idx="minor">
+            <a:schemeClr val="lt1"/>
+          </a:fontRef>
+        </p:style>
+        <p:txBody>
+          <a:bodyPr rtlCol="0" anchor="ctr"/>
+          <a:lstStyle/>
+          <a:p>
+            <a:pPr algn="ctr"/>
+            <a:endParaRPr lang="ko-KR" altLang="en-US"/>
+          </a:p>
+        </p:txBody>
+      </p:sp>
+      <p:sp>
+        <p:nvSpPr>
+          <p:cNvPr id="37" name="타원 36"/>
+          <p:cNvSpPr/>
+          <p:nvPr/>
+        </p:nvSpPr>
+        <p:spPr>
+          <a:xfrm rot="21118605">
+            <a:off x="7300772" y="397285"/>
+            <a:ext cx="180000" cy="180000"/>
+          </a:xfrm>
+          <a:prstGeom prst="ellipse">
+            <a:avLst/>
+          </a:prstGeom>
+          <a:blipFill>
+            <a:blip r:embed="rId3">
+              <a:alphaModFix amt="99000"/>
+            </a:blip>
+            <a:tile tx="0" ty="0" sx="100000" sy="100000" flip="none" algn="tl"/>
+          </a:blipFill>
+          <a:ln>
+            <a:gradFill>
+              <a:gsLst>
+                <a:gs pos="0">
+                  <a:srgbClr val="5580E9"/>
+                </a:gs>
+                <a:gs pos="25000">
+                  <a:srgbClr val="84CEEB"/>
+                </a:gs>
+                <a:gs pos="50000">
+                  <a:srgbClr val="5AB8EB"/>
+                </a:gs>
+                <a:gs pos="100000">
+                  <a:srgbClr val="C1C8E4"/>
+                </a:gs>
+                <a:gs pos="75000">
+                  <a:srgbClr val="8860D0"/>
+                </a:gs>
+              </a:gsLst>
+              <a:lin ang="5400000" scaled="1"/>
+            </a:gradFill>
+          </a:ln>
+        </p:spPr>
+        <p:style>
+          <a:lnRef idx="2">
+            <a:schemeClr val="accent1">
+              <a:shade val="50000"/>
+            </a:schemeClr>
+          </a:lnRef>
+          <a:fillRef idx="1">
+            <a:schemeClr val="accent1"/>
+          </a:fillRef>
+          <a:effectRef idx="0">
+            <a:schemeClr val="accent1"/>
+          </a:effectRef>
+          <a:fontRef idx="minor">
+            <a:schemeClr val="lt1"/>
+          </a:fontRef>
+        </p:style>
+        <p:txBody>
+          <a:bodyPr rtlCol="0" anchor="ctr"/>
+          <a:lstStyle/>
+          <a:p>
+            <a:pPr algn="ctr"/>
+            <a:endParaRPr lang="ko-KR" altLang="en-US"/>
+          </a:p>
+        </p:txBody>
+      </p:sp>
+      <p:sp>
+        <p:nvSpPr>
+          <p:cNvPr id="38" name="타원 37"/>
+          <p:cNvSpPr/>
+          <p:nvPr/>
+        </p:nvSpPr>
+        <p:spPr>
+          <a:xfrm rot="21118605">
+            <a:off x="7701192" y="2896642"/>
+            <a:ext cx="180000" cy="180000"/>
+          </a:xfrm>
+          <a:prstGeom prst="ellipse">
+            <a:avLst/>
+          </a:prstGeom>
+          <a:blipFill>
+            <a:blip r:embed="rId3">
+              <a:alphaModFix amt="99000"/>
+            </a:blip>
+            <a:tile tx="0" ty="0" sx="100000" sy="100000" flip="none" algn="tl"/>
+          </a:blipFill>
+          <a:ln>
+            <a:gradFill>
+              <a:gsLst>
+                <a:gs pos="0">
+                  <a:srgbClr val="5580E9"/>
+                </a:gs>
+                <a:gs pos="25000">
+                  <a:srgbClr val="84CEEB"/>
+                </a:gs>
+                <a:gs pos="50000">
+                  <a:srgbClr val="5AB8EB"/>
+                </a:gs>
+                <a:gs pos="100000">
+                  <a:srgbClr val="C1C8E4"/>
+                </a:gs>
+                <a:gs pos="75000">
+                  <a:srgbClr val="8860D0"/>
+                </a:gs>
+              </a:gsLst>
+              <a:lin ang="5400000" scaled="1"/>
+            </a:gradFill>
+          </a:ln>
+        </p:spPr>
+        <p:style>
+          <a:lnRef idx="2">
+            <a:schemeClr val="accent1">
+              <a:shade val="50000"/>
+            </a:schemeClr>
+          </a:lnRef>
+          <a:fillRef idx="1">
+            <a:schemeClr val="accent1"/>
+          </a:fillRef>
+          <a:effectRef idx="0">
+            <a:schemeClr val="accent1"/>
+          </a:effectRef>
+          <a:fontRef idx="minor">
+            <a:schemeClr val="lt1"/>
+          </a:fontRef>
+        </p:style>
+        <p:txBody>
+          <a:bodyPr rtlCol="0" anchor="ctr"/>
+          <a:lstStyle/>
+          <a:p>
+            <a:pPr algn="ctr"/>
+            <a:endParaRPr lang="ko-KR" altLang="en-US"/>
+          </a:p>
+        </p:txBody>
+      </p:sp>
+      <p:sp>
+        <p:nvSpPr>
+          <p:cNvPr id="39" name="타원 38"/>
+          <p:cNvSpPr/>
+          <p:nvPr/>
+        </p:nvSpPr>
+        <p:spPr>
+          <a:xfrm rot="21118605">
+            <a:off x="7178677" y="3145510"/>
+            <a:ext cx="180000" cy="180000"/>
+          </a:xfrm>
+          <a:prstGeom prst="ellipse">
+            <a:avLst/>
+          </a:prstGeom>
+          <a:blipFill>
+            <a:blip r:embed="rId3">
+              <a:alphaModFix amt="99000"/>
+            </a:blip>
+            <a:tile tx="0" ty="0" sx="100000" sy="100000" flip="none" algn="tl"/>
+          </a:blipFill>
+          <a:ln>
+            <a:gradFill>
+              <a:gsLst>
+                <a:gs pos="0">
+                  <a:srgbClr val="5580E9"/>
+                </a:gs>
+                <a:gs pos="25000">
+                  <a:srgbClr val="84CEEB"/>
+                </a:gs>
+                <a:gs pos="50000">
+                  <a:srgbClr val="5AB8EB"/>
+                </a:gs>
+                <a:gs pos="100000">
+                  <a:srgbClr val="C1C8E4"/>
+                </a:gs>
+                <a:gs pos="75000">
+                  <a:srgbClr val="8860D0"/>
+                </a:gs>
+              </a:gsLst>
+              <a:lin ang="5400000" scaled="1"/>
+            </a:gradFill>
+          </a:ln>
+        </p:spPr>
+        <p:style>
+          <a:lnRef idx="2">
+            <a:schemeClr val="accent1">
+              <a:shade val="50000"/>
+            </a:schemeClr>
+          </a:lnRef>
+          <a:fillRef idx="1">
+            <a:schemeClr val="accent1"/>
+          </a:fillRef>
+          <a:effectRef idx="0">
+            <a:schemeClr val="accent1"/>
+          </a:effectRef>
+          <a:fontRef idx="minor">
+            <a:schemeClr val="lt1"/>
+          </a:fontRef>
+        </p:style>
+        <p:txBody>
+          <a:bodyPr rtlCol="0" anchor="ctr"/>
+          <a:lstStyle/>
+          <a:p>
+            <a:pPr algn="ctr"/>
+            <a:endParaRPr lang="ko-KR" altLang="en-US"/>
+          </a:p>
+        </p:txBody>
+      </p:sp>
+      <p:grpSp>
+        <p:nvGrpSpPr>
+          <p:cNvPr id="50" name="그룹 49"/>
+          <p:cNvGrpSpPr/>
+          <p:nvPr/>
+        </p:nvGrpSpPr>
+        <p:grpSpPr>
+          <a:xfrm>
+            <a:off x="1302133" y="3796609"/>
+            <a:ext cx="2932343" cy="2928225"/>
+            <a:chOff x="1302133" y="3796609"/>
+            <a:chExt cx="2932343" cy="2928225"/>
+          </a:xfrm>
+        </p:grpSpPr>
+        <p:sp>
+          <p:nvSpPr>
+            <p:cNvPr id="40" name="타원 39"/>
+            <p:cNvSpPr/>
+            <p:nvPr/>
+          </p:nvSpPr>
+          <p:spPr>
+            <a:xfrm rot="21118605">
+              <a:off x="1354476" y="3799034"/>
+              <a:ext cx="2880000" cy="2880000"/>
+            </a:xfrm>
+            <a:prstGeom prst="ellipse">
+              <a:avLst/>
+            </a:prstGeom>
+            <a:noFill/>
+            <a:ln w="127000">
+              <a:gradFill>
+                <a:gsLst>
+                  <a:gs pos="10000">
+                    <a:srgbClr val="84CEEB"/>
+                  </a:gs>
+                  <a:gs pos="0">
+                    <a:srgbClr val="5580E9"/>
+                  </a:gs>
+                  <a:gs pos="50000">
+                    <a:srgbClr val="5AB8EC"/>
+                  </a:gs>
+                  <a:gs pos="75000">
+                    <a:srgbClr val="C1C8E4"/>
+                  </a:gs>
+                  <a:gs pos="100000">
+                    <a:srgbClr val="8860D0"/>
+                  </a:gs>
+                </a:gsLst>
+                <a:lin ang="5400000" scaled="1"/>
+              </a:gradFill>
+            </a:ln>
+          </p:spPr>
+          <p:style>
+            <a:lnRef idx="2">
+              <a:schemeClr val="accent1">
+                <a:shade val="50000"/>
+              </a:schemeClr>
+            </a:lnRef>
+            <a:fillRef idx="1">
+              <a:schemeClr val="accent1"/>
+            </a:fillRef>
+            <a:effectRef idx="0">
+              <a:schemeClr val="accent1"/>
+            </a:effectRef>
+            <a:fontRef idx="minor">
+              <a:schemeClr val="lt1"/>
+            </a:fontRef>
+          </p:style>
+          <p:txBody>
+            <a:bodyPr rtlCol="0" anchor="ctr"/>
+            <a:lstStyle/>
+            <a:p>
+              <a:pPr algn="ctr"/>
+              <a:endParaRPr lang="ko-KR" altLang="en-US"/>
+            </a:p>
+          </p:txBody>
+        </p:sp>
+        <p:cxnSp>
+          <p:nvCxnSpPr>
+            <p:cNvPr id="41" name="직선 연결선 40"/>
+            <p:cNvCxnSpPr/>
+            <p:nvPr/>
+          </p:nvCxnSpPr>
+          <p:spPr>
+            <a:xfrm rot="5563335" flipV="1">
+              <a:off x="2230761" y="4887267"/>
+              <a:ext cx="2471162" cy="503676"/>
+            </a:xfrm>
+            <a:prstGeom prst="line">
+              <a:avLst/>
+            </a:prstGeom>
+            <a:ln w="38100">
+              <a:solidFill>
+                <a:srgbClr val="C1C8E4"/>
+              </a:solidFill>
+            </a:ln>
+          </p:spPr>
+          <p:style>
+            <a:lnRef idx="1">
+              <a:schemeClr val="dk1"/>
+            </a:lnRef>
+            <a:fillRef idx="0">
+              <a:schemeClr val="dk1"/>
+            </a:fillRef>
+            <a:effectRef idx="0">
+              <a:schemeClr val="dk1"/>
+            </a:effectRef>
+            <a:fontRef idx="minor">
+              <a:schemeClr val="tx1"/>
+            </a:fontRef>
+          </p:style>
+        </p:cxnSp>
+        <p:cxnSp>
+          <p:nvCxnSpPr>
+            <p:cNvPr id="42" name="직선 연결선 41"/>
+            <p:cNvCxnSpPr/>
+            <p:nvPr/>
+          </p:nvCxnSpPr>
+          <p:spPr>
+            <a:xfrm rot="5563335">
+              <a:off x="3269022" y="6262216"/>
+              <a:ext cx="279223" cy="489053"/>
+            </a:xfrm>
+            <a:prstGeom prst="line">
+              <a:avLst/>
+            </a:prstGeom>
+            <a:ln w="38100">
+              <a:solidFill>
+                <a:srgbClr val="C1C8E4"/>
+              </a:solidFill>
+            </a:ln>
+          </p:spPr>
+          <p:style>
+            <a:lnRef idx="1">
+              <a:schemeClr val="dk1"/>
+            </a:lnRef>
+            <a:fillRef idx="0">
+              <a:schemeClr val="dk1"/>
+            </a:fillRef>
+            <a:effectRef idx="0">
+              <a:schemeClr val="dk1"/>
+            </a:effectRef>
+            <a:fontRef idx="minor">
+              <a:schemeClr val="tx1"/>
+            </a:fontRef>
+          </p:style>
+        </p:cxnSp>
+        <p:cxnSp>
+          <p:nvCxnSpPr>
+            <p:cNvPr id="43" name="직선 연결선 42"/>
+            <p:cNvCxnSpPr/>
+            <p:nvPr/>
+          </p:nvCxnSpPr>
+          <p:spPr>
+            <a:xfrm rot="5563335" flipH="1" flipV="1">
+              <a:off x="2049015" y="3400429"/>
+              <a:ext cx="956311" cy="2227172"/>
+            </a:xfrm>
+            <a:prstGeom prst="line">
+              <a:avLst/>
+            </a:prstGeom>
+            <a:ln w="38100">
+              <a:solidFill>
+                <a:srgbClr val="C1C8E4"/>
+              </a:solidFill>
+            </a:ln>
+          </p:spPr>
+          <p:style>
+            <a:lnRef idx="1">
+              <a:schemeClr val="dk1"/>
+            </a:lnRef>
+            <a:fillRef idx="0">
+              <a:schemeClr val="dk1"/>
+            </a:fillRef>
+            <a:effectRef idx="0">
+              <a:schemeClr val="dk1"/>
+            </a:effectRef>
+            <a:fontRef idx="minor">
+              <a:schemeClr val="tx1"/>
+            </a:fontRef>
+          </p:style>
+        </p:cxnSp>
+        <p:cxnSp>
+          <p:nvCxnSpPr>
+            <p:cNvPr id="44" name="직선 연결선 43"/>
+            <p:cNvCxnSpPr/>
+            <p:nvPr/>
+          </p:nvCxnSpPr>
+          <p:spPr>
+            <a:xfrm rot="5563335" flipH="1" flipV="1">
+              <a:off x="1763404" y="3498539"/>
+              <a:ext cx="1139073" cy="1829513"/>
+            </a:xfrm>
+            <a:prstGeom prst="line">
+              <a:avLst/>
+            </a:prstGeom>
+            <a:ln w="38100">
+              <a:solidFill>
+                <a:srgbClr val="C1C8E4"/>
+              </a:solidFill>
+            </a:ln>
+          </p:spPr>
+          <p:style>
+            <a:lnRef idx="1">
+              <a:schemeClr val="dk1"/>
+            </a:lnRef>
+            <a:fillRef idx="0">
+              <a:schemeClr val="dk1"/>
+            </a:fillRef>
+            <a:effectRef idx="0">
+              <a:schemeClr val="dk1"/>
+            </a:effectRef>
+            <a:fontRef idx="minor">
+              <a:schemeClr val="tx1"/>
+            </a:fontRef>
+          </p:style>
+        </p:cxnSp>
+        <p:sp>
+          <p:nvSpPr>
+            <p:cNvPr id="45" name="타원 44"/>
+            <p:cNvSpPr/>
+            <p:nvPr/>
+          </p:nvSpPr>
+          <p:spPr>
+            <a:xfrm rot="21118605">
+              <a:off x="3571298" y="3992816"/>
+              <a:ext cx="180000" cy="180000"/>
+            </a:xfrm>
+            <a:prstGeom prst="ellipse">
+              <a:avLst/>
+            </a:prstGeom>
+            <a:blipFill>
+              <a:blip r:embed="rId3">
+                <a:alphaModFix amt="99000"/>
+              </a:blip>
+              <a:tile tx="0" ty="0" sx="100000" sy="100000" flip="none" algn="tl"/>
+            </a:blipFill>
+            <a:ln>
+              <a:gradFill>
+                <a:gsLst>
+                  <a:gs pos="0">
+                    <a:srgbClr val="5580E9"/>
+                  </a:gs>
+                  <a:gs pos="25000">
+                    <a:srgbClr val="84CEEB"/>
+                  </a:gs>
+                  <a:gs pos="50000">
+                    <a:srgbClr val="5AB8EB"/>
+                  </a:gs>
+                  <a:gs pos="100000">
+                    <a:srgbClr val="C1C8E4"/>
+                  </a:gs>
+                  <a:gs pos="75000">
+                    <a:srgbClr val="8860D0"/>
+                  </a:gs>
+                </a:gsLst>
+                <a:lin ang="5400000" scaled="1"/>
+              </a:gradFill>
+            </a:ln>
+          </p:spPr>
+          <p:style>
+            <a:lnRef idx="2">
+              <a:schemeClr val="accent1">
+                <a:shade val="50000"/>
+              </a:schemeClr>
+            </a:lnRef>
+            <a:fillRef idx="1">
+              <a:schemeClr val="accent1"/>
+            </a:fillRef>
+            <a:effectRef idx="0">
+              <a:schemeClr val="accent1"/>
+            </a:effectRef>
+            <a:fontRef idx="minor">
+              <a:schemeClr val="lt1"/>
+            </a:fontRef>
+          </p:style>
+          <p:txBody>
+            <a:bodyPr rtlCol="0" anchor="ctr"/>
+            <a:lstStyle/>
+            <a:p>
+              <a:pPr algn="ctr"/>
+              <a:endParaRPr lang="ko-KR" altLang="en-US"/>
+            </a:p>
+          </p:txBody>
+        </p:sp>
+        <p:sp>
+          <p:nvSpPr>
+            <p:cNvPr id="46" name="타원 45"/>
+            <p:cNvSpPr/>
+            <p:nvPr/>
+          </p:nvSpPr>
+          <p:spPr>
+            <a:xfrm rot="21118605">
+              <a:off x="1302133" y="4848743"/>
+              <a:ext cx="180000" cy="180000"/>
+            </a:xfrm>
+            <a:prstGeom prst="ellipse">
+              <a:avLst/>
+            </a:prstGeom>
+            <a:blipFill>
+              <a:blip r:embed="rId3">
+                <a:alphaModFix amt="99000"/>
+              </a:blip>
+              <a:tile tx="0" ty="0" sx="100000" sy="100000" flip="none" algn="tl"/>
+            </a:blipFill>
+            <a:ln>
+              <a:gradFill>
+                <a:gsLst>
+                  <a:gs pos="0">
+                    <a:srgbClr val="5580E9"/>
+                  </a:gs>
+                  <a:gs pos="25000">
+                    <a:srgbClr val="84CEEB"/>
+                  </a:gs>
+                  <a:gs pos="50000">
+                    <a:srgbClr val="5AB8EB"/>
+                  </a:gs>
+                  <a:gs pos="100000">
+                    <a:srgbClr val="C1C8E4"/>
+                  </a:gs>
+                  <a:gs pos="75000">
+                    <a:srgbClr val="8860D0"/>
+                  </a:gs>
+                </a:gsLst>
+                <a:lin ang="5400000" scaled="1"/>
+              </a:gradFill>
+            </a:ln>
+          </p:spPr>
+          <p:style>
+            <a:lnRef idx="2">
+              <a:schemeClr val="accent1">
+                <a:shade val="50000"/>
+              </a:schemeClr>
+            </a:lnRef>
+            <a:fillRef idx="1">
+              <a:schemeClr val="accent1"/>
+            </a:fillRef>
+            <a:effectRef idx="0">
+              <a:schemeClr val="accent1"/>
+            </a:effectRef>
+            <a:fontRef idx="minor">
+              <a:schemeClr val="lt1"/>
+            </a:fontRef>
+          </p:style>
+          <p:txBody>
+            <a:bodyPr rtlCol="0" anchor="ctr"/>
+            <a:lstStyle/>
+            <a:p>
+              <a:pPr algn="ctr"/>
+              <a:endParaRPr lang="ko-KR" altLang="en-US"/>
+            </a:p>
+          </p:txBody>
+        </p:sp>
+        <p:sp>
+          <p:nvSpPr>
+            <p:cNvPr id="47" name="타원 46"/>
+            <p:cNvSpPr/>
+            <p:nvPr/>
+          </p:nvSpPr>
+          <p:spPr>
+            <a:xfrm rot="21118605">
+              <a:off x="3183809" y="3796609"/>
+              <a:ext cx="180000" cy="180000"/>
+            </a:xfrm>
+            <a:prstGeom prst="ellipse">
+              <a:avLst/>
+            </a:prstGeom>
+            <a:blipFill>
+              <a:blip r:embed="rId3">
+                <a:alphaModFix amt="99000"/>
+              </a:blip>
+              <a:tile tx="0" ty="0" sx="100000" sy="100000" flip="none" algn="tl"/>
+            </a:blipFill>
+            <a:ln>
+              <a:gradFill>
+                <a:gsLst>
+                  <a:gs pos="0">
+                    <a:srgbClr val="5580E9"/>
+                  </a:gs>
+                  <a:gs pos="25000">
+                    <a:srgbClr val="84CEEB"/>
+                  </a:gs>
+                  <a:gs pos="50000">
+                    <a:srgbClr val="5AB8EB"/>
+                  </a:gs>
+                  <a:gs pos="100000">
+                    <a:srgbClr val="C1C8E4"/>
+                  </a:gs>
+                  <a:gs pos="75000">
+                    <a:srgbClr val="8860D0"/>
+                  </a:gs>
+                </a:gsLst>
+                <a:lin ang="5400000" scaled="1"/>
+              </a:gradFill>
+            </a:ln>
+          </p:spPr>
+          <p:style>
+            <a:lnRef idx="2">
+              <a:schemeClr val="accent1">
+                <a:shade val="50000"/>
+              </a:schemeClr>
+            </a:lnRef>
+            <a:fillRef idx="1">
+              <a:schemeClr val="accent1"/>
+            </a:fillRef>
+            <a:effectRef idx="0">
+              <a:schemeClr val="accent1"/>
+            </a:effectRef>
+            <a:fontRef idx="minor">
+              <a:schemeClr val="lt1"/>
+            </a:fontRef>
+          </p:style>
+          <p:txBody>
+            <a:bodyPr rtlCol="0" anchor="ctr"/>
+            <a:lstStyle/>
+            <a:p>
+              <a:pPr algn="ctr"/>
+              <a:endParaRPr lang="ko-KR" altLang="en-US"/>
+            </a:p>
+          </p:txBody>
+        </p:sp>
+        <p:sp>
+          <p:nvSpPr>
+            <p:cNvPr id="48" name="타원 47"/>
+            <p:cNvSpPr/>
+            <p:nvPr/>
+          </p:nvSpPr>
+          <p:spPr>
+            <a:xfrm rot="21118605">
+              <a:off x="3584229" y="6295966"/>
+              <a:ext cx="180000" cy="180000"/>
+            </a:xfrm>
+            <a:prstGeom prst="ellipse">
+              <a:avLst/>
+            </a:prstGeom>
+            <a:blipFill>
+              <a:blip r:embed="rId3">
+                <a:alphaModFix amt="99000"/>
+              </a:blip>
+              <a:tile tx="0" ty="0" sx="100000" sy="100000" flip="none" algn="tl"/>
+            </a:blipFill>
+            <a:ln>
+              <a:gradFill>
+                <a:gsLst>
+                  <a:gs pos="0">
+                    <a:srgbClr val="5580E9"/>
+                  </a:gs>
+                  <a:gs pos="25000">
+                    <a:srgbClr val="84CEEB"/>
+                  </a:gs>
+                  <a:gs pos="50000">
+                    <a:srgbClr val="5AB8EB"/>
+                  </a:gs>
+                  <a:gs pos="100000">
+                    <a:srgbClr val="C1C8E4"/>
+                  </a:gs>
+                  <a:gs pos="75000">
+                    <a:srgbClr val="8860D0"/>
+                  </a:gs>
+                </a:gsLst>
+                <a:lin ang="5400000" scaled="1"/>
+              </a:gradFill>
+            </a:ln>
+          </p:spPr>
+          <p:style>
+            <a:lnRef idx="2">
+              <a:schemeClr val="accent1">
+                <a:shade val="50000"/>
+              </a:schemeClr>
+            </a:lnRef>
+            <a:fillRef idx="1">
+              <a:schemeClr val="accent1"/>
+            </a:fillRef>
+            <a:effectRef idx="0">
+              <a:schemeClr val="accent1"/>
+            </a:effectRef>
+            <a:fontRef idx="minor">
+              <a:schemeClr val="lt1"/>
+            </a:fontRef>
+          </p:style>
+          <p:txBody>
+            <a:bodyPr rtlCol="0" anchor="ctr"/>
+            <a:lstStyle/>
+            <a:p>
+              <a:pPr algn="ctr"/>
+              <a:endParaRPr lang="ko-KR" altLang="en-US"/>
+            </a:p>
+          </p:txBody>
+        </p:sp>
+        <p:sp>
+          <p:nvSpPr>
+            <p:cNvPr id="49" name="타원 48"/>
+            <p:cNvSpPr/>
+            <p:nvPr/>
+          </p:nvSpPr>
+          <p:spPr>
+            <a:xfrm rot="21118605">
+              <a:off x="3061714" y="6544834"/>
+              <a:ext cx="180000" cy="180000"/>
+            </a:xfrm>
+            <a:prstGeom prst="ellipse">
+              <a:avLst/>
+            </a:prstGeom>
+            <a:blipFill>
+              <a:blip r:embed="rId3">
+                <a:alphaModFix amt="99000"/>
+              </a:blip>
+              <a:tile tx="0" ty="0" sx="100000" sy="100000" flip="none" algn="tl"/>
+            </a:blipFill>
+            <a:ln>
+              <a:gradFill>
+                <a:gsLst>
+                  <a:gs pos="0">
+                    <a:srgbClr val="5580E9"/>
+                  </a:gs>
+                  <a:gs pos="25000">
+                    <a:srgbClr val="84CEEB"/>
+                  </a:gs>
+                  <a:gs pos="50000">
+                    <a:srgbClr val="5AB8EB"/>
+                  </a:gs>
+                  <a:gs pos="100000">
+                    <a:srgbClr val="C1C8E4"/>
+                  </a:gs>
+                  <a:gs pos="75000">
+                    <a:srgbClr val="8860D0"/>
+                  </a:gs>
+                </a:gsLst>
+                <a:lin ang="5400000" scaled="1"/>
+              </a:gradFill>
+            </a:ln>
+          </p:spPr>
+          <p:style>
+            <a:lnRef idx="2">
+              <a:schemeClr val="accent1">
+                <a:shade val="50000"/>
+              </a:schemeClr>
+            </a:lnRef>
+            <a:fillRef idx="1">
+              <a:schemeClr val="accent1"/>
+            </a:fillRef>
+            <a:effectRef idx="0">
+              <a:schemeClr val="accent1"/>
+            </a:effectRef>
+            <a:fontRef idx="minor">
+              <a:schemeClr val="lt1"/>
+            </a:fontRef>
+          </p:style>
+          <p:txBody>
+            <a:bodyPr rtlCol="0" anchor="ctr"/>
+            <a:lstStyle/>
+            <a:p>
+              <a:pPr algn="ctr"/>
+              <a:endParaRPr lang="ko-KR" altLang="en-US"/>
+            </a:p>
+          </p:txBody>
+        </p:sp>
+      </p:grpSp>
     </p:spTree>
     <p:extLst>
       <p:ext uri="{BB962C8B-B14F-4D97-AF65-F5344CB8AC3E}">
@@ -20446,7 +22813,7 @@
 </p:sld>
 </file>
 
-<file path=ppt/slides/slide5.xml><?xml version="1.0" encoding="utf-8"?>
+<file path=ppt/slides/slide7.xml><?xml version="1.0" encoding="utf-8"?>
 <p:sld xmlns:a="http://schemas.openxmlformats.org/drawingml/2006/main" xmlns:r="http://schemas.openxmlformats.org/officeDocument/2006/relationships" xmlns:p="http://schemas.openxmlformats.org/presentationml/2006/main">
   <p:cSld>
     <p:spTree>
@@ -21000,7 +23367,7 @@
 </p:sld>
 </file>
 
-<file path=ppt/slides/slide6.xml><?xml version="1.0" encoding="utf-8"?>
+<file path=ppt/slides/slide8.xml><?xml version="1.0" encoding="utf-8"?>
 <p:sld xmlns:a="http://schemas.openxmlformats.org/drawingml/2006/main" xmlns:r="http://schemas.openxmlformats.org/officeDocument/2006/relationships" xmlns:p="http://schemas.openxmlformats.org/presentationml/2006/main">
   <p:cSld>
     <p:spTree>
@@ -22867,7 +25234,7 @@
 </p:sld>
 </file>
 
-<file path=ppt/slides/slide7.xml><?xml version="1.0" encoding="utf-8"?>
+<file path=ppt/slides/slide9.xml><?xml version="1.0" encoding="utf-8"?>
 <p:sld xmlns:a="http://schemas.openxmlformats.org/drawingml/2006/main" xmlns:r="http://schemas.openxmlformats.org/officeDocument/2006/relationships" xmlns:p="http://schemas.openxmlformats.org/presentationml/2006/main">
   <p:cSld>
     <p:spTree>
@@ -23608,950 +25975,6 @@
 </p:sld>
 </file>
 
-<file path=ppt/slides/slide8.xml><?xml version="1.0" encoding="utf-8"?>
-<p:sld xmlns:a="http://schemas.openxmlformats.org/drawingml/2006/main" xmlns:r="http://schemas.openxmlformats.org/officeDocument/2006/relationships" xmlns:p="http://schemas.openxmlformats.org/presentationml/2006/main">
-  <p:cSld>
-    <p:spTree>
-      <p:nvGrpSpPr>
-        <p:cNvPr id="1" name=""/>
-        <p:cNvGrpSpPr/>
-        <p:nvPr/>
-      </p:nvGrpSpPr>
-      <p:grpSpPr>
-        <a:xfrm>
-          <a:off x="0" y="0"/>
-          <a:ext cx="0" cy="0"/>
-          <a:chOff x="0" y="0"/>
-          <a:chExt cx="0" cy="0"/>
-        </a:xfrm>
-      </p:grpSpPr>
-      <p:sp>
-        <p:nvSpPr>
-          <p:cNvPr id="5" name="직사각형 4"/>
-          <p:cNvSpPr/>
-          <p:nvPr/>
-        </p:nvSpPr>
-        <p:spPr>
-          <a:xfrm>
-            <a:off x="0" y="0"/>
-            <a:ext cx="12192000" cy="6858000"/>
-          </a:xfrm>
-          <a:prstGeom prst="rect">
-            <a:avLst/>
-          </a:prstGeom>
-          <a:solidFill>
-            <a:schemeClr val="tx1"/>
-          </a:solidFill>
-        </p:spPr>
-        <p:style>
-          <a:lnRef idx="2">
-            <a:schemeClr val="accent1">
-              <a:shade val="50000"/>
-            </a:schemeClr>
-          </a:lnRef>
-          <a:fillRef idx="1">
-            <a:schemeClr val="accent1"/>
-          </a:fillRef>
-          <a:effectRef idx="0">
-            <a:schemeClr val="accent1"/>
-          </a:effectRef>
-          <a:fontRef idx="minor">
-            <a:schemeClr val="lt1"/>
-          </a:fontRef>
-        </p:style>
-        <p:txBody>
-          <a:bodyPr rtlCol="0" anchor="ctr"/>
-          <a:lstStyle/>
-          <a:p>
-            <a:pPr algn="ctr"/>
-            <a:endParaRPr lang="ko-KR" altLang="en-US"/>
-          </a:p>
-        </p:txBody>
-      </p:sp>
-      <p:grpSp>
-        <p:nvGrpSpPr>
-          <p:cNvPr id="34" name="그룹 33"/>
-          <p:cNvGrpSpPr/>
-          <p:nvPr/>
-        </p:nvGrpSpPr>
-        <p:grpSpPr>
-          <a:xfrm>
-            <a:off x="3192220" y="832651"/>
-            <a:ext cx="2738626" cy="2738626"/>
-            <a:chOff x="7404449" y="394352"/>
-            <a:chExt cx="2738626" cy="2738626"/>
-          </a:xfrm>
-        </p:grpSpPr>
-        <p:sp>
-          <p:nvSpPr>
-            <p:cNvPr id="23" name="타원 22"/>
-            <p:cNvSpPr/>
-            <p:nvPr/>
-          </p:nvSpPr>
-          <p:spPr>
-            <a:xfrm>
-              <a:off x="7404449" y="394352"/>
-              <a:ext cx="2738626" cy="2738626"/>
-            </a:xfrm>
-            <a:prstGeom prst="ellipse">
-              <a:avLst/>
-            </a:prstGeom>
-            <a:noFill/>
-            <a:ln w="47625">
-              <a:gradFill>
-                <a:gsLst>
-                  <a:gs pos="25000">
-                    <a:srgbClr val="F4976C"/>
-                  </a:gs>
-                  <a:gs pos="0">
-                    <a:srgbClr val="FBE8A6"/>
-                  </a:gs>
-                  <a:gs pos="50000">
-                    <a:srgbClr val="303C6C"/>
-                  </a:gs>
-                  <a:gs pos="75000">
-                    <a:srgbClr val="B4DFE5"/>
-                  </a:gs>
-                  <a:gs pos="100000">
-                    <a:srgbClr val="D2FCFD"/>
-                  </a:gs>
-                </a:gsLst>
-                <a:lin ang="5400000" scaled="1"/>
-              </a:gradFill>
-            </a:ln>
-          </p:spPr>
-          <p:style>
-            <a:lnRef idx="2">
-              <a:schemeClr val="accent1">
-                <a:shade val="50000"/>
-              </a:schemeClr>
-            </a:lnRef>
-            <a:fillRef idx="1">
-              <a:schemeClr val="accent1"/>
-            </a:fillRef>
-            <a:effectRef idx="0">
-              <a:schemeClr val="accent1"/>
-            </a:effectRef>
-            <a:fontRef idx="minor">
-              <a:schemeClr val="lt1"/>
-            </a:fontRef>
-          </p:style>
-          <p:txBody>
-            <a:bodyPr rtlCol="0" anchor="ctr"/>
-            <a:lstStyle/>
-            <a:p>
-              <a:pPr algn="ctr"/>
-              <a:endParaRPr lang="ko-KR" altLang="en-US"/>
-            </a:p>
-          </p:txBody>
-        </p:sp>
-        <p:sp>
-          <p:nvSpPr>
-            <p:cNvPr id="25" name="타원 24"/>
-            <p:cNvSpPr/>
-            <p:nvPr/>
-          </p:nvSpPr>
-          <p:spPr>
-            <a:xfrm>
-              <a:off x="7518489" y="508392"/>
-              <a:ext cx="2510546" cy="2510546"/>
-            </a:xfrm>
-            <a:prstGeom prst="ellipse">
-              <a:avLst/>
-            </a:prstGeom>
-            <a:noFill/>
-            <a:ln w="47625">
-              <a:gradFill>
-                <a:gsLst>
-                  <a:gs pos="25000">
-                    <a:srgbClr val="F4976C"/>
-                  </a:gs>
-                  <a:gs pos="0">
-                    <a:srgbClr val="FBE8A6"/>
-                  </a:gs>
-                  <a:gs pos="50000">
-                    <a:srgbClr val="303C6C"/>
-                  </a:gs>
-                  <a:gs pos="75000">
-                    <a:srgbClr val="B4DFE5"/>
-                  </a:gs>
-                  <a:gs pos="100000">
-                    <a:srgbClr val="D2FCFD"/>
-                  </a:gs>
-                </a:gsLst>
-                <a:lin ang="5400000" scaled="1"/>
-              </a:gradFill>
-            </a:ln>
-          </p:spPr>
-          <p:style>
-            <a:lnRef idx="2">
-              <a:schemeClr val="accent1">
-                <a:shade val="50000"/>
-              </a:schemeClr>
-            </a:lnRef>
-            <a:fillRef idx="1">
-              <a:schemeClr val="accent1"/>
-            </a:fillRef>
-            <a:effectRef idx="0">
-              <a:schemeClr val="accent1"/>
-            </a:effectRef>
-            <a:fontRef idx="minor">
-              <a:schemeClr val="lt1"/>
-            </a:fontRef>
-          </p:style>
-          <p:txBody>
-            <a:bodyPr rtlCol="0" anchor="ctr"/>
-            <a:lstStyle/>
-            <a:p>
-              <a:pPr algn="ctr"/>
-              <a:endParaRPr lang="ko-KR" altLang="en-US"/>
-            </a:p>
-          </p:txBody>
-        </p:sp>
-        <p:sp>
-          <p:nvSpPr>
-            <p:cNvPr id="26" name="타원 25"/>
-            <p:cNvSpPr/>
-            <p:nvPr/>
-          </p:nvSpPr>
-          <p:spPr>
-            <a:xfrm>
-              <a:off x="7518489" y="508392"/>
-              <a:ext cx="2510546" cy="2510546"/>
-            </a:xfrm>
-            <a:prstGeom prst="ellipse">
-              <a:avLst/>
-            </a:prstGeom>
-            <a:noFill/>
-            <a:ln w="47625">
-              <a:gradFill>
-                <a:gsLst>
-                  <a:gs pos="25000">
-                    <a:srgbClr val="F4976C"/>
-                  </a:gs>
-                  <a:gs pos="0">
-                    <a:srgbClr val="FBE8A6"/>
-                  </a:gs>
-                  <a:gs pos="50000">
-                    <a:srgbClr val="303C6C"/>
-                  </a:gs>
-                  <a:gs pos="75000">
-                    <a:srgbClr val="B4DFE5"/>
-                  </a:gs>
-                  <a:gs pos="100000">
-                    <a:srgbClr val="D2FCFD"/>
-                  </a:gs>
-                </a:gsLst>
-                <a:lin ang="5400000" scaled="1"/>
-              </a:gradFill>
-            </a:ln>
-          </p:spPr>
-          <p:style>
-            <a:lnRef idx="2">
-              <a:schemeClr val="accent1">
-                <a:shade val="50000"/>
-              </a:schemeClr>
-            </a:lnRef>
-            <a:fillRef idx="1">
-              <a:schemeClr val="accent1"/>
-            </a:fillRef>
-            <a:effectRef idx="0">
-              <a:schemeClr val="accent1"/>
-            </a:effectRef>
-            <a:fontRef idx="minor">
-              <a:schemeClr val="lt1"/>
-            </a:fontRef>
-          </p:style>
-          <p:txBody>
-            <a:bodyPr rtlCol="0" anchor="ctr"/>
-            <a:lstStyle/>
-            <a:p>
-              <a:pPr algn="ctr"/>
-              <a:endParaRPr lang="ko-KR" altLang="en-US"/>
-            </a:p>
-          </p:txBody>
-        </p:sp>
-        <p:sp>
-          <p:nvSpPr>
-            <p:cNvPr id="27" name="타원 26"/>
-            <p:cNvSpPr/>
-            <p:nvPr/>
-          </p:nvSpPr>
-          <p:spPr>
-            <a:xfrm>
-              <a:off x="7628127" y="618030"/>
-              <a:ext cx="2291269" cy="2291269"/>
-            </a:xfrm>
-            <a:prstGeom prst="ellipse">
-              <a:avLst/>
-            </a:prstGeom>
-            <a:noFill/>
-            <a:ln w="47625">
-              <a:gradFill>
-                <a:gsLst>
-                  <a:gs pos="25000">
-                    <a:srgbClr val="F4976C"/>
-                  </a:gs>
-                  <a:gs pos="0">
-                    <a:srgbClr val="FBE8A6"/>
-                  </a:gs>
-                  <a:gs pos="50000">
-                    <a:srgbClr val="303C6C"/>
-                  </a:gs>
-                  <a:gs pos="75000">
-                    <a:srgbClr val="B4DFE5"/>
-                  </a:gs>
-                  <a:gs pos="100000">
-                    <a:srgbClr val="D2FCFD"/>
-                  </a:gs>
-                </a:gsLst>
-                <a:lin ang="5400000" scaled="1"/>
-              </a:gradFill>
-            </a:ln>
-          </p:spPr>
-          <p:style>
-            <a:lnRef idx="2">
-              <a:schemeClr val="accent1">
-                <a:shade val="50000"/>
-              </a:schemeClr>
-            </a:lnRef>
-            <a:fillRef idx="1">
-              <a:schemeClr val="accent1"/>
-            </a:fillRef>
-            <a:effectRef idx="0">
-              <a:schemeClr val="accent1"/>
-            </a:effectRef>
-            <a:fontRef idx="minor">
-              <a:schemeClr val="lt1"/>
-            </a:fontRef>
-          </p:style>
-          <p:txBody>
-            <a:bodyPr rtlCol="0" anchor="ctr"/>
-            <a:lstStyle/>
-            <a:p>
-              <a:pPr algn="ctr"/>
-              <a:endParaRPr lang="ko-KR" altLang="en-US"/>
-            </a:p>
-          </p:txBody>
-        </p:sp>
-        <p:sp>
-          <p:nvSpPr>
-            <p:cNvPr id="28" name="타원 27"/>
-            <p:cNvSpPr/>
-            <p:nvPr/>
-          </p:nvSpPr>
-          <p:spPr>
-            <a:xfrm>
-              <a:off x="7744511" y="724121"/>
-              <a:ext cx="2058502" cy="2079087"/>
-            </a:xfrm>
-            <a:prstGeom prst="ellipse">
-              <a:avLst/>
-            </a:prstGeom>
-            <a:noFill/>
-            <a:ln w="47625">
-              <a:gradFill>
-                <a:gsLst>
-                  <a:gs pos="25000">
-                    <a:srgbClr val="F4976C"/>
-                  </a:gs>
-                  <a:gs pos="0">
-                    <a:srgbClr val="FBE8A6"/>
-                  </a:gs>
-                  <a:gs pos="50000">
-                    <a:srgbClr val="303C6C"/>
-                  </a:gs>
-                  <a:gs pos="75000">
-                    <a:srgbClr val="B4DFE5"/>
-                  </a:gs>
-                  <a:gs pos="100000">
-                    <a:srgbClr val="D2FCFD"/>
-                  </a:gs>
-                </a:gsLst>
-                <a:lin ang="5400000" scaled="1"/>
-              </a:gradFill>
-            </a:ln>
-          </p:spPr>
-          <p:style>
-            <a:lnRef idx="2">
-              <a:schemeClr val="accent1">
-                <a:shade val="50000"/>
-              </a:schemeClr>
-            </a:lnRef>
-            <a:fillRef idx="1">
-              <a:schemeClr val="accent1"/>
-            </a:fillRef>
-            <a:effectRef idx="0">
-              <a:schemeClr val="accent1"/>
-            </a:effectRef>
-            <a:fontRef idx="minor">
-              <a:schemeClr val="lt1"/>
-            </a:fontRef>
-          </p:style>
-          <p:txBody>
-            <a:bodyPr rtlCol="0" anchor="ctr"/>
-            <a:lstStyle/>
-            <a:p>
-              <a:pPr algn="ctr"/>
-              <a:endParaRPr lang="ko-KR" altLang="en-US"/>
-            </a:p>
-          </p:txBody>
-        </p:sp>
-        <p:sp>
-          <p:nvSpPr>
-            <p:cNvPr id="29" name="타원 28"/>
-            <p:cNvSpPr/>
-            <p:nvPr/>
-          </p:nvSpPr>
-          <p:spPr>
-            <a:xfrm>
-              <a:off x="7860354" y="841122"/>
-              <a:ext cx="1826816" cy="1845084"/>
-            </a:xfrm>
-            <a:prstGeom prst="ellipse">
-              <a:avLst/>
-            </a:prstGeom>
-            <a:noFill/>
-            <a:ln w="47625">
-              <a:gradFill>
-                <a:gsLst>
-                  <a:gs pos="25000">
-                    <a:srgbClr val="F4976C"/>
-                  </a:gs>
-                  <a:gs pos="0">
-                    <a:srgbClr val="FBE8A6"/>
-                  </a:gs>
-                  <a:gs pos="50000">
-                    <a:srgbClr val="303C6C"/>
-                  </a:gs>
-                  <a:gs pos="75000">
-                    <a:srgbClr val="B4DFE5"/>
-                  </a:gs>
-                  <a:gs pos="100000">
-                    <a:srgbClr val="D2FCFD"/>
-                  </a:gs>
-                </a:gsLst>
-                <a:lin ang="5400000" scaled="1"/>
-              </a:gradFill>
-            </a:ln>
-          </p:spPr>
-          <p:style>
-            <a:lnRef idx="2">
-              <a:schemeClr val="accent1">
-                <a:shade val="50000"/>
-              </a:schemeClr>
-            </a:lnRef>
-            <a:fillRef idx="1">
-              <a:schemeClr val="accent1"/>
-            </a:fillRef>
-            <a:effectRef idx="0">
-              <a:schemeClr val="accent1"/>
-            </a:effectRef>
-            <a:fontRef idx="minor">
-              <a:schemeClr val="lt1"/>
-            </a:fontRef>
-          </p:style>
-          <p:txBody>
-            <a:bodyPr rtlCol="0" anchor="ctr"/>
-            <a:lstStyle/>
-            <a:p>
-              <a:pPr algn="ctr"/>
-              <a:endParaRPr lang="ko-KR" altLang="en-US"/>
-            </a:p>
-          </p:txBody>
-        </p:sp>
-        <p:sp>
-          <p:nvSpPr>
-            <p:cNvPr id="30" name="타원 29"/>
-            <p:cNvSpPr/>
-            <p:nvPr/>
-          </p:nvSpPr>
-          <p:spPr>
-            <a:xfrm>
-              <a:off x="7963158" y="944954"/>
-              <a:ext cx="1621208" cy="1637420"/>
-            </a:xfrm>
-            <a:prstGeom prst="ellipse">
-              <a:avLst/>
-            </a:prstGeom>
-            <a:noFill/>
-            <a:ln w="47625">
-              <a:gradFill>
-                <a:gsLst>
-                  <a:gs pos="25000">
-                    <a:srgbClr val="F4976C"/>
-                  </a:gs>
-                  <a:gs pos="0">
-                    <a:srgbClr val="FBE8A6"/>
-                  </a:gs>
-                  <a:gs pos="50000">
-                    <a:srgbClr val="303C6C"/>
-                  </a:gs>
-                  <a:gs pos="75000">
-                    <a:srgbClr val="B4DFE5"/>
-                  </a:gs>
-                  <a:gs pos="100000">
-                    <a:srgbClr val="D2FCFD"/>
-                  </a:gs>
-                </a:gsLst>
-                <a:lin ang="5400000" scaled="1"/>
-              </a:gradFill>
-            </a:ln>
-          </p:spPr>
-          <p:style>
-            <a:lnRef idx="2">
-              <a:schemeClr val="accent1">
-                <a:shade val="50000"/>
-              </a:schemeClr>
-            </a:lnRef>
-            <a:fillRef idx="1">
-              <a:schemeClr val="accent1"/>
-            </a:fillRef>
-            <a:effectRef idx="0">
-              <a:schemeClr val="accent1"/>
-            </a:effectRef>
-            <a:fontRef idx="minor">
-              <a:schemeClr val="lt1"/>
-            </a:fontRef>
-          </p:style>
-          <p:txBody>
-            <a:bodyPr rtlCol="0" anchor="ctr"/>
-            <a:lstStyle/>
-            <a:p>
-              <a:pPr algn="ctr"/>
-              <a:endParaRPr lang="ko-KR" altLang="en-US"/>
-            </a:p>
-          </p:txBody>
-        </p:sp>
-      </p:grpSp>
-      <p:sp>
-        <p:nvSpPr>
-          <p:cNvPr id="14" name="타원 13"/>
-          <p:cNvSpPr/>
-          <p:nvPr/>
-        </p:nvSpPr>
-        <p:spPr>
-          <a:xfrm>
-            <a:off x="9003317" y="255720"/>
-            <a:ext cx="2738626" cy="2738626"/>
-          </a:xfrm>
-          <a:prstGeom prst="ellipse">
-            <a:avLst/>
-          </a:prstGeom>
-          <a:noFill/>
-          <a:ln w="47625">
-            <a:gradFill>
-              <a:gsLst>
-                <a:gs pos="25000">
-                  <a:srgbClr val="84CEEB"/>
-                </a:gs>
-                <a:gs pos="0">
-                  <a:srgbClr val="5580E9"/>
-                </a:gs>
-                <a:gs pos="50000">
-                  <a:srgbClr val="5AB8EC"/>
-                </a:gs>
-                <a:gs pos="75000">
-                  <a:srgbClr val="C1C8E4"/>
-                </a:gs>
-                <a:gs pos="100000">
-                  <a:srgbClr val="8860D0"/>
-                </a:gs>
-              </a:gsLst>
-              <a:lin ang="5400000" scaled="1"/>
-            </a:gradFill>
-          </a:ln>
-        </p:spPr>
-        <p:style>
-          <a:lnRef idx="2">
-            <a:schemeClr val="accent1">
-              <a:shade val="50000"/>
-            </a:schemeClr>
-          </a:lnRef>
-          <a:fillRef idx="1">
-            <a:schemeClr val="accent1"/>
-          </a:fillRef>
-          <a:effectRef idx="0">
-            <a:schemeClr val="accent1"/>
-          </a:effectRef>
-          <a:fontRef idx="minor">
-            <a:schemeClr val="lt1"/>
-          </a:fontRef>
-        </p:style>
-        <p:txBody>
-          <a:bodyPr rtlCol="0" anchor="ctr"/>
-          <a:lstStyle/>
-          <a:p>
-            <a:pPr algn="ctr"/>
-            <a:endParaRPr lang="ko-KR" altLang="en-US"/>
-          </a:p>
-        </p:txBody>
-      </p:sp>
-      <p:pic>
-        <p:nvPicPr>
-          <p:cNvPr id="15" name="그림 14"/>
-          <p:cNvPicPr>
-            <a:picLocks noChangeAspect="1"/>
-          </p:cNvPicPr>
-          <p:nvPr/>
-        </p:nvPicPr>
-        <p:blipFill>
-          <a:blip r:embed="rId2">
-            <a:extLst>
-              <a:ext uri="{BEBA8EAE-BF5A-486C-A8C5-ECC9F3942E4B}">
-                <a14:imgProps xmlns:a14="http://schemas.microsoft.com/office/drawing/2010/main">
-                  <a14:imgLayer r:embed="rId3">
-                    <a14:imgEffect>
-                      <a14:backgroundRemoval t="10000" b="90000" l="10000" r="90000">
-                        <a14:foregroundMark x1="49823" y1="14332" x2="55830" y2="14332"/>
-                        <a14:foregroundMark x1="67491" y1="32899" x2="70671" y2="35831"/>
-                        <a14:foregroundMark x1="77385" y1="43974" x2="79152" y2="46580"/>
-                        <a14:backgroundMark x1="47350" y1="35179" x2="53357" y2="35831"/>
-                      </a14:backgroundRemoval>
-                    </a14:imgEffect>
-                  </a14:imgLayer>
-                </a14:imgProps>
-              </a:ext>
-            </a:extLst>
-          </a:blip>
-          <a:stretch>
-            <a:fillRect/>
-          </a:stretch>
-        </p:blipFill>
-        <p:spPr>
-          <a:xfrm>
-            <a:off x="10267922" y="1608858"/>
-            <a:ext cx="1068360" cy="1158963"/>
-          </a:xfrm>
-          <a:prstGeom prst="rect">
-            <a:avLst/>
-          </a:prstGeom>
-        </p:spPr>
-      </p:pic>
-      <p:grpSp>
-        <p:nvGrpSpPr>
-          <p:cNvPr id="16" name="그룹 15"/>
-          <p:cNvGrpSpPr/>
-          <p:nvPr/>
-        </p:nvGrpSpPr>
-        <p:grpSpPr>
-          <a:xfrm>
-            <a:off x="9143603" y="832651"/>
-            <a:ext cx="2056973" cy="1584763"/>
-            <a:chOff x="5070335" y="2967335"/>
-            <a:chExt cx="2056973" cy="1584763"/>
-          </a:xfrm>
-        </p:grpSpPr>
-        <p:sp>
-          <p:nvSpPr>
-            <p:cNvPr id="17" name="직사각형 16"/>
-            <p:cNvSpPr/>
-            <p:nvPr/>
-          </p:nvSpPr>
-          <p:spPr>
-            <a:xfrm>
-              <a:off x="5070335" y="2967335"/>
-              <a:ext cx="2056973" cy="923330"/>
-            </a:xfrm>
-            <a:prstGeom prst="rect">
-              <a:avLst/>
-            </a:prstGeom>
-            <a:noFill/>
-          </p:spPr>
-          <p:txBody>
-            <a:bodyPr wrap="none" lIns="91440" tIns="45720" rIns="91440" bIns="45720">
-              <a:spAutoFit/>
-            </a:bodyPr>
-            <a:lstStyle/>
-            <a:p>
-              <a:pPr algn="dist"/>
-              <a:r>
-                <a:rPr lang="en-US" altLang="ko-KR" sz="5400" b="0" cap="none" spc="-300" dirty="0" smtClean="0">
-                  <a:ln w="0"/>
-                  <a:solidFill>
-                    <a:schemeClr val="bg1"/>
-                  </a:solidFill>
-                  <a:effectLst>
-                    <a:outerShdw blurRad="38100" dist="19050" dir="2700000" algn="tl" rotWithShape="0">
-                      <a:schemeClr val="dk1">
-                        <a:alpha val="40000"/>
-                      </a:schemeClr>
-                    </a:outerShdw>
-                  </a:effectLst>
-                  <a:latin typeface="Zen Tokyo Zoo" pitchFamily="2" charset="0"/>
-                </a:rPr>
-                <a:t>Routing</a:t>
-              </a:r>
-            </a:p>
-          </p:txBody>
-        </p:sp>
-        <p:sp>
-          <p:nvSpPr>
-            <p:cNvPr id="18" name="직사각형 17"/>
-            <p:cNvSpPr/>
-            <p:nvPr/>
-          </p:nvSpPr>
-          <p:spPr>
-            <a:xfrm>
-              <a:off x="5070335" y="3628768"/>
-              <a:ext cx="1301959" cy="923330"/>
-            </a:xfrm>
-            <a:prstGeom prst="rect">
-              <a:avLst/>
-            </a:prstGeom>
-            <a:noFill/>
-          </p:spPr>
-          <p:txBody>
-            <a:bodyPr wrap="none" lIns="91440" tIns="45720" rIns="91440" bIns="45720">
-              <a:spAutoFit/>
-            </a:bodyPr>
-            <a:lstStyle/>
-            <a:p>
-              <a:pPr algn="dist"/>
-              <a:r>
-                <a:rPr lang="en-US" altLang="ko-KR" sz="5400" b="0" cap="none" spc="-300" dirty="0" smtClean="0">
-                  <a:ln w="0"/>
-                  <a:solidFill>
-                    <a:schemeClr val="bg1"/>
-                  </a:solidFill>
-                  <a:effectLst>
-                    <a:outerShdw blurRad="38100" dist="19050" dir="2700000" algn="tl" rotWithShape="0">
-                      <a:schemeClr val="dk1">
-                        <a:alpha val="40000"/>
-                      </a:schemeClr>
-                    </a:outerShdw>
-                  </a:effectLst>
-                  <a:latin typeface="Zen Tokyo Zoo" pitchFamily="2" charset="0"/>
-                </a:rPr>
-                <a:t>Star</a:t>
-              </a:r>
-            </a:p>
-          </p:txBody>
-        </p:sp>
-      </p:grpSp>
-    </p:spTree>
-    <p:extLst>
-      <p:ext uri="{BB962C8B-B14F-4D97-AF65-F5344CB8AC3E}">
-        <p14:creationId xmlns:p14="http://schemas.microsoft.com/office/powerpoint/2010/main" val="3704777814"/>
-      </p:ext>
-    </p:extLst>
-  </p:cSld>
-  <p:clrMapOvr>
-    <a:masterClrMapping/>
-  </p:clrMapOvr>
-  <p:timing>
-    <p:tnLst>
-      <p:par>
-        <p:cTn id="1" dur="indefinite" restart="never" nodeType="tmRoot"/>
-      </p:par>
-    </p:tnLst>
-  </p:timing>
-</p:sld>
-</file>
-
-<file path=ppt/slides/slide9.xml><?xml version="1.0" encoding="utf-8"?>
-<p:sld xmlns:a="http://schemas.openxmlformats.org/drawingml/2006/main" xmlns:r="http://schemas.openxmlformats.org/officeDocument/2006/relationships" xmlns:p="http://schemas.openxmlformats.org/presentationml/2006/main">
-  <p:cSld>
-    <p:spTree>
-      <p:nvGrpSpPr>
-        <p:cNvPr id="1" name=""/>
-        <p:cNvGrpSpPr/>
-        <p:nvPr/>
-      </p:nvGrpSpPr>
-      <p:grpSpPr>
-        <a:xfrm>
-          <a:off x="0" y="0"/>
-          <a:ext cx="0" cy="0"/>
-          <a:chOff x="0" y="0"/>
-          <a:chExt cx="0" cy="0"/>
-        </a:xfrm>
-      </p:grpSpPr>
-      <p:sp>
-        <p:nvSpPr>
-          <p:cNvPr id="8" name="직사각형 7"/>
-          <p:cNvSpPr/>
-          <p:nvPr/>
-        </p:nvSpPr>
-        <p:spPr>
-          <a:xfrm>
-            <a:off x="0" y="0"/>
-            <a:ext cx="12192000" cy="6858000"/>
-          </a:xfrm>
-          <a:prstGeom prst="rect">
-            <a:avLst/>
-          </a:prstGeom>
-          <a:solidFill>
-            <a:schemeClr val="tx1"/>
-          </a:solidFill>
-        </p:spPr>
-        <p:style>
-          <a:lnRef idx="2">
-            <a:schemeClr val="accent1">
-              <a:shade val="50000"/>
-            </a:schemeClr>
-          </a:lnRef>
-          <a:fillRef idx="1">
-            <a:schemeClr val="accent1"/>
-          </a:fillRef>
-          <a:effectRef idx="0">
-            <a:schemeClr val="accent1"/>
-          </a:effectRef>
-          <a:fontRef idx="minor">
-            <a:schemeClr val="lt1"/>
-          </a:fontRef>
-        </p:style>
-        <p:txBody>
-          <a:bodyPr rtlCol="0" anchor="ctr"/>
-          <a:lstStyle/>
-          <a:p>
-            <a:pPr algn="ctr"/>
-            <a:endParaRPr lang="ko-KR" altLang="en-US"/>
-          </a:p>
-        </p:txBody>
-      </p:sp>
-      <p:sp>
-        <p:nvSpPr>
-          <p:cNvPr id="12" name="타원 11"/>
-          <p:cNvSpPr/>
-          <p:nvPr/>
-        </p:nvSpPr>
-        <p:spPr>
-          <a:xfrm>
-            <a:off x="4726686" y="2059687"/>
-            <a:ext cx="2738626" cy="2738626"/>
-          </a:xfrm>
-          <a:prstGeom prst="ellipse">
-            <a:avLst/>
-          </a:prstGeom>
-          <a:noFill/>
-          <a:ln w="47625">
-            <a:gradFill>
-              <a:gsLst>
-                <a:gs pos="25000">
-                  <a:srgbClr val="F4976C"/>
-                </a:gs>
-                <a:gs pos="0">
-                  <a:srgbClr val="FBE8A6"/>
-                </a:gs>
-                <a:gs pos="50000">
-                  <a:srgbClr val="303C6C"/>
-                </a:gs>
-                <a:gs pos="75000">
-                  <a:srgbClr val="B4DFE5"/>
-                </a:gs>
-                <a:gs pos="100000">
-                  <a:srgbClr val="D2FCFD"/>
-                </a:gs>
-              </a:gsLst>
-              <a:lin ang="5400000" scaled="1"/>
-            </a:gradFill>
-          </a:ln>
-        </p:spPr>
-        <p:style>
-          <a:lnRef idx="2">
-            <a:schemeClr val="accent1">
-              <a:shade val="50000"/>
-            </a:schemeClr>
-          </a:lnRef>
-          <a:fillRef idx="1">
-            <a:schemeClr val="accent1"/>
-          </a:fillRef>
-          <a:effectRef idx="0">
-            <a:schemeClr val="accent1"/>
-          </a:effectRef>
-          <a:fontRef idx="minor">
-            <a:schemeClr val="lt1"/>
-          </a:fontRef>
-        </p:style>
-        <p:txBody>
-          <a:bodyPr rtlCol="0" anchor="ctr"/>
-          <a:lstStyle/>
-          <a:p>
-            <a:pPr algn="ctr"/>
-            <a:endParaRPr lang="ko-KR" altLang="en-US"/>
-          </a:p>
-        </p:txBody>
-      </p:sp>
-      <p:sp>
-        <p:nvSpPr>
-          <p:cNvPr id="11" name="직사각형 10"/>
-          <p:cNvSpPr/>
-          <p:nvPr/>
-        </p:nvSpPr>
-        <p:spPr>
-          <a:xfrm>
-            <a:off x="4148992" y="2715705"/>
-            <a:ext cx="3894015" cy="1200329"/>
-          </a:xfrm>
-          <a:prstGeom prst="rect">
-            <a:avLst/>
-          </a:prstGeom>
-          <a:noFill/>
-        </p:spPr>
-        <p:txBody>
-          <a:bodyPr wrap="none" lIns="91440" tIns="45720" rIns="91440" bIns="45720">
-            <a:spAutoFit/>
-          </a:bodyPr>
-          <a:lstStyle/>
-          <a:p>
-            <a:pPr algn="dist"/>
-            <a:r>
-              <a:rPr lang="en-US" altLang="ko-KR" sz="7200" b="1" spc="-300" dirty="0" smtClean="0">
-                <a:ln w="0"/>
-                <a:solidFill>
-                  <a:schemeClr val="bg1"/>
-                </a:solidFill>
-                <a:effectLst>
-                  <a:outerShdw blurRad="38100" dist="19050" dir="2700000" algn="tl" rotWithShape="0">
-                    <a:schemeClr val="dk1">
-                      <a:alpha val="40000"/>
-                    </a:schemeClr>
-                  </a:outerShdw>
-                </a:effectLst>
-                <a:latin typeface="Zen Tokyo Zoo" pitchFamily="2" charset="0"/>
-              </a:rPr>
-              <a:t>r</a:t>
-            </a:r>
-            <a:r>
-              <a:rPr lang="en-US" altLang="ko-KR" sz="7200" b="1" cap="none" spc="-300" dirty="0" smtClean="0">
-                <a:ln w="0"/>
-                <a:solidFill>
-                  <a:schemeClr val="bg1"/>
-                </a:solidFill>
-                <a:effectLst>
-                  <a:outerShdw blurRad="38100" dist="19050" dir="2700000" algn="tl" rotWithShape="0">
-                    <a:schemeClr val="dk1">
-                      <a:alpha val="40000"/>
-                    </a:schemeClr>
-                  </a:outerShdw>
-                </a:effectLst>
-                <a:latin typeface="Zen Tokyo Zoo" pitchFamily="2" charset="0"/>
-              </a:rPr>
-              <a:t>outing star</a:t>
-            </a:r>
-          </a:p>
-        </p:txBody>
-      </p:sp>
-    </p:spTree>
-    <p:extLst>
-      <p:ext uri="{BB962C8B-B14F-4D97-AF65-F5344CB8AC3E}">
-        <p14:creationId xmlns:p14="http://schemas.microsoft.com/office/powerpoint/2010/main" val="3394400699"/>
-      </p:ext>
-    </p:extLst>
-  </p:cSld>
-  <p:clrMapOvr>
-    <a:masterClrMapping/>
-  </p:clrMapOvr>
-  <p:timing>
-    <p:tnLst>
-      <p:par>
-        <p:cTn id="1" dur="indefinite" restart="never" nodeType="tmRoot"/>
-      </p:par>
-    </p:tnLst>
-  </p:timing>
-</p:sld>
-</file>
-
 <file path=ppt/theme/theme1.xml><?xml version="1.0" encoding="utf-8"?>
 <a:theme xmlns:a="http://schemas.openxmlformats.org/drawingml/2006/main" name="Office 테마">
   <a:themeElements>
